--- a/Certificacao/templates/ModeloExemploOrganizador.pptx
+++ b/Certificacao/templates/ModeloExemploOrganizador.pptx
@@ -13,8 +13,8 @@
 </file>
 
 <file path=ppt/slideLayouts/slideLayout1.xml><?xml version="1.0" encoding="utf-8"?>
-<p:sldLayout xmlns:a="http://schemas.openxmlformats.org/drawingml/2006/main" xmlns:p="http://schemas.openxmlformats.org/presentationml/2006/main" xmlns:r="http://schemas.openxmlformats.org/officeDocument/2006/relationships" xmlns:p14="http://schemas.microsoft.com/office/powerpoint/2010/main" xmlns:p15="http://schemas.microsoft.com/office/powerpoint/2012/main" xmlns:mc="http://schemas.openxmlformats.org/markup-compatibility/2006" type="title" preserve="1">
-  <p:cSld name="Title Slide">
+<p:sldLayout xmlns:a="http://schemas.openxmlformats.org/drawingml/2006/main" xmlns:p="http://schemas.openxmlformats.org/presentationml/2006/main" xmlns:r="http://schemas.openxmlformats.org/officeDocument/2006/relationships" xmlns:p14="http://schemas.microsoft.com/office/powerpoint/2010/main" xmlns:p15="http://schemas.microsoft.com/office/powerpoint/2012/main" xmlns:mc="http://schemas.openxmlformats.org/markup-compatibility/2006" type="blank" preserve="1">
+  <p:cSld name="Picture with Caption">
     <p:bg>
       <p:bgPr>
         <a:solidFill>
@@ -48,8 +48,8 @@
         </p:nvSpPr>
         <p:spPr>
           <a:xfrm>
-            <a:off x="685800" y="2130480"/>
-            <a:ext cx="7772040" cy="1469520"/>
+            <a:off x="1792440" y="4800600"/>
+            <a:ext cx="5484600" cy="564840"/>
           </a:xfrm>
           <a:prstGeom prst="rect">
             <a:avLst/>
@@ -60,18 +60,21 @@
           </a:ln>
         </p:spPr>
         <p:txBody>
-          <a:bodyPr lIns="91440" rIns="91440" tIns="45720" bIns="45720" anchor="ctr">
+          <a:bodyPr lIns="91440" rIns="91440" tIns="45720" bIns="45720" anchor="b">
             <a:noAutofit/>
           </a:bodyPr>
           <a:p>
-            <a:pPr indent="0" algn="ctr" defTabSz="914400">
-              <a:lnSpc>
-                <a:spcPct val="100000"/>
-              </a:lnSpc>
-              <a:buNone/>
-            </a:pPr>
-            <a:r>
-              <a:rPr b="0" lang="en-US" sz="4400" strike="noStrike" u="none">
+            <a:pPr indent="0" defTabSz="914400">
+              <a:lnSpc>
+                <a:spcPct val="100000"/>
+              </a:lnSpc>
+              <a:buNone/>
+              <a:tabLst>
+                <a:tab algn="l" pos="0"/>
+              </a:tabLst>
+            </a:pPr>
+            <a:r>
+              <a:rPr b="1" lang="en-US" sz="2000" strike="noStrike" u="none">
                 <a:solidFill>
                   <a:schemeClr val="dk1"/>
                 </a:solidFill>
@@ -81,13 +84,13 @@
               </a:rPr>
               <a:t>Click to edit Master title style</a:t>
             </a:r>
-            <a:endParaRPr b="0" lang="en-US" sz="4400" strike="noStrike" u="none">
-              <a:solidFill>
-                <a:schemeClr val="dk1"/>
-              </a:solidFill>
-              <a:effectLst/>
-              <a:uFillTx/>
-              <a:latin typeface="Calibri"/>
+            <a:endParaRPr b="0" lang="pt-BR" sz="2000" strike="noStrike" u="none">
+              <a:solidFill>
+                <a:srgbClr val="000000"/>
+              </a:solidFill>
+              <a:effectLst/>
+              <a:uFillTx/>
+              <a:latin typeface="Arial"/>
             </a:endParaRPr>
           </a:p>
         </p:txBody>
@@ -95,6 +98,342 @@
       <p:sp>
         <p:nvSpPr>
           <p:cNvPr id="1" name="PlaceHolder 2"/>
+          <p:cNvSpPr>
+            <a:spLocks noGrp="1"/>
+          </p:cNvSpPr>
+          <p:nvPr>
+            <p:ph type="body"/>
+          </p:nvPr>
+        </p:nvSpPr>
+        <p:spPr>
+          <a:xfrm>
+            <a:off x="1792440" y="612720"/>
+            <a:ext cx="5484600" cy="4113000"/>
+          </a:xfrm>
+          <a:prstGeom prst="rect">
+            <a:avLst/>
+          </a:prstGeom>
+          <a:noFill/>
+          <a:ln w="0">
+            <a:noFill/>
+          </a:ln>
+        </p:spPr>
+        <p:txBody>
+          <a:bodyPr lIns="90000" rIns="90000" tIns="45000" bIns="45000" anchor="t">
+            <a:noAutofit/>
+          </a:bodyPr>
+          <a:p>
+            <a:pPr marL="432000" indent="-324000">
+              <a:lnSpc>
+                <a:spcPct val="100000"/>
+              </a:lnSpc>
+              <a:spcBef>
+                <a:spcPts val="1417"/>
+              </a:spcBef>
+              <a:buClr>
+                <a:srgbClr val="000000"/>
+              </a:buClr>
+              <a:buSzPct val="45000"/>
+              <a:buFont typeface="Wingdings" charset="2"/>
+              <a:buChar char=""/>
+            </a:pPr>
+            <a:r>
+              <a:rPr b="0" lang="en-US" sz="3200" strike="noStrike" u="none">
+                <a:solidFill>
+                  <a:schemeClr val="dk1"/>
+                </a:solidFill>
+                <a:effectLst/>
+                <a:uFillTx/>
+                <a:latin typeface="Calibri"/>
+              </a:rPr>
+              <a:t>Clique para editar o formato de texto dos tópicos</a:t>
+            </a:r>
+            <a:endParaRPr b="0" lang="pt-BR" sz="3200" strike="noStrike" u="none">
+              <a:solidFill>
+                <a:srgbClr val="000000"/>
+              </a:solidFill>
+              <a:effectLst/>
+              <a:uFillTx/>
+              <a:latin typeface="Arial"/>
+            </a:endParaRPr>
+          </a:p>
+          <a:p>
+            <a:pPr lvl="1" marL="864000" indent="-324000">
+              <a:lnSpc>
+                <a:spcPct val="100000"/>
+              </a:lnSpc>
+              <a:spcBef>
+                <a:spcPts val="1134"/>
+              </a:spcBef>
+              <a:buClr>
+                <a:srgbClr val="000000"/>
+              </a:buClr>
+              <a:buSzPct val="75000"/>
+              <a:buFont typeface="Symbol" charset="2"/>
+              <a:buChar char=""/>
+            </a:pPr>
+            <a:r>
+              <a:rPr b="0" lang="en-US" sz="3200" strike="noStrike" u="none">
+                <a:solidFill>
+                  <a:schemeClr val="dk1"/>
+                </a:solidFill>
+                <a:effectLst/>
+                <a:uFillTx/>
+                <a:latin typeface="Calibri"/>
+              </a:rPr>
+              <a:t>2.º nível de tópicos</a:t>
+            </a:r>
+            <a:endParaRPr b="0" lang="pt-BR" sz="3200" strike="noStrike" u="none">
+              <a:solidFill>
+                <a:srgbClr val="000000"/>
+              </a:solidFill>
+              <a:effectLst/>
+              <a:uFillTx/>
+              <a:latin typeface="Arial"/>
+            </a:endParaRPr>
+          </a:p>
+          <a:p>
+            <a:pPr lvl="2" marL="1296000" indent="-288000">
+              <a:lnSpc>
+                <a:spcPct val="100000"/>
+              </a:lnSpc>
+              <a:spcBef>
+                <a:spcPts val="850"/>
+              </a:spcBef>
+              <a:buClr>
+                <a:srgbClr val="000000"/>
+              </a:buClr>
+              <a:buSzPct val="45000"/>
+              <a:buFont typeface="Wingdings" charset="2"/>
+              <a:buChar char=""/>
+            </a:pPr>
+            <a:r>
+              <a:rPr b="0" lang="en-US" sz="3200" strike="noStrike" u="none">
+                <a:solidFill>
+                  <a:schemeClr val="dk1"/>
+                </a:solidFill>
+                <a:effectLst/>
+                <a:uFillTx/>
+                <a:latin typeface="Calibri"/>
+              </a:rPr>
+              <a:t>3.º nível de tópicos</a:t>
+            </a:r>
+            <a:endParaRPr b="0" lang="pt-BR" sz="3200" strike="noStrike" u="none">
+              <a:solidFill>
+                <a:srgbClr val="000000"/>
+              </a:solidFill>
+              <a:effectLst/>
+              <a:uFillTx/>
+              <a:latin typeface="Arial"/>
+            </a:endParaRPr>
+          </a:p>
+          <a:p>
+            <a:pPr lvl="3" marL="1728000" indent="-216000">
+              <a:lnSpc>
+                <a:spcPct val="100000"/>
+              </a:lnSpc>
+              <a:spcBef>
+                <a:spcPts val="567"/>
+              </a:spcBef>
+              <a:buClr>
+                <a:srgbClr val="000000"/>
+              </a:buClr>
+              <a:buSzPct val="75000"/>
+              <a:buFont typeface="Symbol" charset="2"/>
+              <a:buChar char=""/>
+            </a:pPr>
+            <a:r>
+              <a:rPr b="0" lang="en-US" sz="3200" strike="noStrike" u="none">
+                <a:solidFill>
+                  <a:schemeClr val="dk1"/>
+                </a:solidFill>
+                <a:effectLst/>
+                <a:uFillTx/>
+                <a:latin typeface="Calibri"/>
+              </a:rPr>
+              <a:t>4.º nível de tópicos</a:t>
+            </a:r>
+            <a:endParaRPr b="0" lang="pt-BR" sz="3200" strike="noStrike" u="none">
+              <a:solidFill>
+                <a:srgbClr val="000000"/>
+              </a:solidFill>
+              <a:effectLst/>
+              <a:uFillTx/>
+              <a:latin typeface="Arial"/>
+            </a:endParaRPr>
+          </a:p>
+          <a:p>
+            <a:pPr lvl="4" marL="2160000" indent="-216000">
+              <a:lnSpc>
+                <a:spcPct val="100000"/>
+              </a:lnSpc>
+              <a:spcBef>
+                <a:spcPts val="283"/>
+              </a:spcBef>
+              <a:buClr>
+                <a:srgbClr val="000000"/>
+              </a:buClr>
+              <a:buSzPct val="45000"/>
+              <a:buFont typeface="Wingdings" charset="2"/>
+              <a:buChar char=""/>
+            </a:pPr>
+            <a:r>
+              <a:rPr b="0" lang="en-US" sz="3200" strike="noStrike" u="none">
+                <a:solidFill>
+                  <a:schemeClr val="dk1"/>
+                </a:solidFill>
+                <a:effectLst/>
+                <a:uFillTx/>
+                <a:latin typeface="Calibri"/>
+              </a:rPr>
+              <a:t>5.º nível de tópicos</a:t>
+            </a:r>
+            <a:endParaRPr b="0" lang="pt-BR" sz="3200" strike="noStrike" u="none">
+              <a:solidFill>
+                <a:srgbClr val="000000"/>
+              </a:solidFill>
+              <a:effectLst/>
+              <a:uFillTx/>
+              <a:latin typeface="Arial"/>
+            </a:endParaRPr>
+          </a:p>
+          <a:p>
+            <a:pPr lvl="5" marL="2592000" indent="-216000">
+              <a:lnSpc>
+                <a:spcPct val="100000"/>
+              </a:lnSpc>
+              <a:spcBef>
+                <a:spcPts val="283"/>
+              </a:spcBef>
+              <a:buClr>
+                <a:srgbClr val="000000"/>
+              </a:buClr>
+              <a:buSzPct val="45000"/>
+              <a:buFont typeface="Wingdings" charset="2"/>
+              <a:buChar char=""/>
+            </a:pPr>
+            <a:r>
+              <a:rPr b="0" lang="en-US" sz="3200" strike="noStrike" u="none">
+                <a:solidFill>
+                  <a:schemeClr val="dk1"/>
+                </a:solidFill>
+                <a:effectLst/>
+                <a:uFillTx/>
+                <a:latin typeface="Calibri"/>
+              </a:rPr>
+              <a:t>6.º nível de tópicos</a:t>
+            </a:r>
+            <a:endParaRPr b="0" lang="pt-BR" sz="3200" strike="noStrike" u="none">
+              <a:solidFill>
+                <a:srgbClr val="000000"/>
+              </a:solidFill>
+              <a:effectLst/>
+              <a:uFillTx/>
+              <a:latin typeface="Arial"/>
+            </a:endParaRPr>
+          </a:p>
+          <a:p>
+            <a:pPr lvl="6" marL="3024000" indent="-216000">
+              <a:lnSpc>
+                <a:spcPct val="100000"/>
+              </a:lnSpc>
+              <a:spcBef>
+                <a:spcPts val="283"/>
+              </a:spcBef>
+              <a:buClr>
+                <a:srgbClr val="000000"/>
+              </a:buClr>
+              <a:buSzPct val="45000"/>
+              <a:buFont typeface="Wingdings" charset="2"/>
+              <a:buChar char=""/>
+            </a:pPr>
+            <a:r>
+              <a:rPr b="0" lang="en-US" sz="3200" strike="noStrike" u="none">
+                <a:solidFill>
+                  <a:schemeClr val="dk1"/>
+                </a:solidFill>
+                <a:effectLst/>
+                <a:uFillTx/>
+                <a:latin typeface="Calibri"/>
+              </a:rPr>
+              <a:t>7.º nível de tópicos</a:t>
+            </a:r>
+            <a:endParaRPr b="0" lang="pt-BR" sz="3200" strike="noStrike" u="none">
+              <a:solidFill>
+                <a:srgbClr val="000000"/>
+              </a:solidFill>
+              <a:effectLst/>
+              <a:uFillTx/>
+              <a:latin typeface="Arial"/>
+            </a:endParaRPr>
+          </a:p>
+        </p:txBody>
+      </p:sp>
+      <p:sp>
+        <p:nvSpPr>
+          <p:cNvPr id="2" name="PlaceHolder 3"/>
+          <p:cNvSpPr>
+            <a:spLocks noGrp="1"/>
+          </p:cNvSpPr>
+          <p:nvPr>
+            <p:ph type="body"/>
+          </p:nvPr>
+        </p:nvSpPr>
+        <p:spPr>
+          <a:xfrm>
+            <a:off x="1792440" y="5367240"/>
+            <a:ext cx="5484600" cy="803160"/>
+          </a:xfrm>
+          <a:prstGeom prst="rect">
+            <a:avLst/>
+          </a:prstGeom>
+          <a:noFill/>
+          <a:ln w="0">
+            <a:noFill/>
+          </a:ln>
+        </p:spPr>
+        <p:txBody>
+          <a:bodyPr lIns="91440" rIns="91440" tIns="45720" bIns="45720" anchor="t">
+            <a:noAutofit/>
+          </a:bodyPr>
+          <a:p>
+            <a:pPr indent="0" defTabSz="914400">
+              <a:lnSpc>
+                <a:spcPct val="100000"/>
+              </a:lnSpc>
+              <a:spcBef>
+                <a:spcPts val="281"/>
+              </a:spcBef>
+              <a:buNone/>
+              <a:tabLst>
+                <a:tab algn="l" pos="0"/>
+              </a:tabLst>
+            </a:pPr>
+            <a:r>
+              <a:rPr b="0" lang="en-US" sz="1400" strike="noStrike" u="none">
+                <a:solidFill>
+                  <a:schemeClr val="dk1"/>
+                </a:solidFill>
+                <a:effectLst/>
+                <a:uFillTx/>
+                <a:latin typeface="Calibri"/>
+              </a:rPr>
+              <a:t>Click to edit Master text styles</a:t>
+            </a:r>
+            <a:endParaRPr b="0" lang="pt-BR" sz="1400" strike="noStrike" u="none">
+              <a:solidFill>
+                <a:srgbClr val="000000"/>
+              </a:solidFill>
+              <a:effectLst/>
+              <a:uFillTx/>
+              <a:latin typeface="Arial"/>
+            </a:endParaRPr>
+          </a:p>
+        </p:txBody>
+      </p:sp>
+      <p:sp>
+        <p:nvSpPr>
+          <p:cNvPr id="3" name="PlaceHolder 4"/>
           <p:cNvSpPr>
             <a:spLocks noGrp="1"/>
           </p:cNvSpPr>
@@ -105,7 +444,7 @@
         <p:spPr>
           <a:xfrm>
             <a:off x="457200" y="6356520"/>
-            <a:ext cx="2133360" cy="364680"/>
+            <a:ext cx="2131920" cy="363240"/>
           </a:xfrm>
           <a:prstGeom prst="rect">
             <a:avLst/>
@@ -125,6 +464,9 @@
                 <a:spcPct val="100000"/>
               </a:lnSpc>
               <a:buNone/>
+              <a:tabLst>
+                <a:tab algn="l" pos="0"/>
+              </a:tabLst>
               <a:defRPr b="0" lang="en-US" sz="1200" strike="noStrike" u="none">
                 <a:solidFill>
                   <a:schemeClr val="dk1">
@@ -143,6 +485,9 @@
                 <a:spcPct val="100000"/>
               </a:lnSpc>
               <a:buNone/>
+              <a:tabLst>
+                <a:tab algn="l" pos="0"/>
+              </a:tabLst>
             </a:pPr>
             <a:r>
               <a:rPr b="0" lang="en-US" sz="1200" strike="noStrike" u="none">
@@ -170,7 +515,7 @@
       </p:sp>
       <p:sp>
         <p:nvSpPr>
-          <p:cNvPr id="2" name="PlaceHolder 3"/>
+          <p:cNvPr id="4" name="PlaceHolder 5"/>
           <p:cNvSpPr>
             <a:spLocks noGrp="1"/>
           </p:cNvSpPr>
@@ -181,7 +526,7 @@
         <p:spPr>
           <a:xfrm>
             <a:off x="3124080" y="6356520"/>
-            <a:ext cx="2895120" cy="364680"/>
+            <a:ext cx="2893680" cy="363240"/>
           </a:xfrm>
           <a:prstGeom prst="rect">
             <a:avLst/>
@@ -197,7 +542,13 @@
           </a:bodyPr>
           <a:lstStyle>
             <a:lvl1pPr indent="0" algn="ctr">
-              <a:buNone/>
+              <a:lnSpc>
+                <a:spcPct val="100000"/>
+              </a:lnSpc>
+              <a:buNone/>
+              <a:tabLst>
+                <a:tab algn="l" pos="0"/>
+              </a:tabLst>
               <a:defRPr b="0" lang="pt-BR" sz="1400" strike="noStrike" u="none">
                 <a:solidFill>
                   <a:srgbClr val="000000"/>
@@ -210,7 +561,13 @@
           </a:lstStyle>
           <a:p>
             <a:pPr indent="0" algn="ctr">
-              <a:buNone/>
+              <a:lnSpc>
+                <a:spcPct val="100000"/>
+              </a:lnSpc>
+              <a:buNone/>
+              <a:tabLst>
+                <a:tab algn="l" pos="0"/>
+              </a:tabLst>
             </a:pPr>
             <a:r>
               <a:rPr b="0" lang="pt-BR" sz="1400" strike="noStrike" u="none">
@@ -236,7 +593,7 @@
       </p:sp>
       <p:sp>
         <p:nvSpPr>
-          <p:cNvPr id="3" name="PlaceHolder 4"/>
+          <p:cNvPr id="5" name="PlaceHolder 6"/>
           <p:cNvSpPr>
             <a:spLocks noGrp="1"/>
           </p:cNvSpPr>
@@ -247,7 +604,7 @@
         <p:spPr>
           <a:xfrm>
             <a:off x="6553080" y="6356520"/>
-            <a:ext cx="2133360" cy="364680"/>
+            <a:ext cx="2131920" cy="363240"/>
           </a:xfrm>
           <a:prstGeom prst="rect">
             <a:avLst/>
@@ -267,6 +624,9 @@
                 <a:spcPct val="100000"/>
               </a:lnSpc>
               <a:buNone/>
+              <a:tabLst>
+                <a:tab algn="l" pos="0"/>
+              </a:tabLst>
               <a:defRPr b="0" lang="en-US" sz="1200" strike="noStrike" u="none">
                 <a:solidFill>
                   <a:schemeClr val="dk1">
@@ -285,8 +645,11 @@
                 <a:spcPct val="100000"/>
               </a:lnSpc>
               <a:buNone/>
-            </a:pPr>
-            <a:fld id="{68E7800B-1437-4ACC-B98F-49AE858783FD}" type="slidenum">
+              <a:tabLst>
+                <a:tab algn="l" pos="0"/>
+              </a:tabLst>
+            </a:pPr>
+            <a:fld id="{E39FF508-6A32-400C-A7AF-939038698154}" type="slidenum">
               <a:rPr b="0" lang="en-US" sz="1200" strike="noStrike" u="none">
                 <a:solidFill>
                   <a:schemeClr val="dk1">
@@ -317,7 +680,7 @@
 
 <file path=ppt/slideLayouts/slideLayout10.xml><?xml version="1.0" encoding="utf-8"?>
 <p:sldLayout xmlns:a="http://schemas.openxmlformats.org/drawingml/2006/main" xmlns:p="http://schemas.openxmlformats.org/presentationml/2006/main" xmlns:r="http://schemas.openxmlformats.org/officeDocument/2006/relationships" xmlns:p14="http://schemas.microsoft.com/office/powerpoint/2010/main" xmlns:p15="http://schemas.microsoft.com/office/powerpoint/2012/main" xmlns:mc="http://schemas.openxmlformats.org/markup-compatibility/2006" type="blank" preserve="1">
-  <p:cSld name="Content with Caption">
+  <p:cSld name="Blank">
     <p:bg>
       <p:bgPr>
         <a:solidFill>
@@ -341,324 +704,7 @@
       </p:grpSpPr>
       <p:sp>
         <p:nvSpPr>
-          <p:cNvPr id="45" name="PlaceHolder 1"/>
-          <p:cNvSpPr>
-            <a:spLocks noGrp="1"/>
-          </p:cNvSpPr>
-          <p:nvPr>
-            <p:ph type="title"/>
-          </p:nvPr>
-        </p:nvSpPr>
-        <p:spPr>
-          <a:xfrm>
-            <a:off x="457200" y="272880"/>
-            <a:ext cx="3007800" cy="1161720"/>
-          </a:xfrm>
-          <a:prstGeom prst="rect">
-            <a:avLst/>
-          </a:prstGeom>
-          <a:noFill/>
-          <a:ln w="0">
-            <a:noFill/>
-          </a:ln>
-        </p:spPr>
-        <p:txBody>
-          <a:bodyPr lIns="91440" rIns="91440" tIns="45720" bIns="45720" anchor="b">
-            <a:noAutofit/>
-          </a:bodyPr>
-          <a:p>
-            <a:pPr indent="0" defTabSz="914400">
-              <a:lnSpc>
-                <a:spcPct val="100000"/>
-              </a:lnSpc>
-              <a:buNone/>
-            </a:pPr>
-            <a:r>
-              <a:rPr b="1" lang="en-US" sz="2000" strike="noStrike" u="none">
-                <a:solidFill>
-                  <a:schemeClr val="dk1"/>
-                </a:solidFill>
-                <a:effectLst/>
-                <a:uFillTx/>
-                <a:latin typeface="Calibri"/>
-              </a:rPr>
-              <a:t>Click to edit Master title style</a:t>
-            </a:r>
-            <a:endParaRPr b="0" lang="en-US" sz="2000" strike="noStrike" u="none">
-              <a:solidFill>
-                <a:schemeClr val="dk1"/>
-              </a:solidFill>
-              <a:effectLst/>
-              <a:uFillTx/>
-              <a:latin typeface="Calibri"/>
-            </a:endParaRPr>
-          </a:p>
-        </p:txBody>
-      </p:sp>
-      <p:sp>
-        <p:nvSpPr>
-          <p:cNvPr id="46" name="PlaceHolder 2"/>
-          <p:cNvSpPr>
-            <a:spLocks noGrp="1"/>
-          </p:cNvSpPr>
-          <p:nvPr>
-            <p:ph type="body"/>
-          </p:nvPr>
-        </p:nvSpPr>
-        <p:spPr>
-          <a:xfrm>
-            <a:off x="3575160" y="272880"/>
-            <a:ext cx="5111280" cy="5852880"/>
-          </a:xfrm>
-          <a:prstGeom prst="rect">
-            <a:avLst/>
-          </a:prstGeom>
-          <a:noFill/>
-          <a:ln w="0">
-            <a:noFill/>
-          </a:ln>
-        </p:spPr>
-        <p:txBody>
-          <a:bodyPr lIns="91440" rIns="91440" tIns="45720" bIns="45720" anchor="t">
-            <a:noAutofit/>
-          </a:bodyPr>
-          <a:p>
-            <a:pPr marL="343080" indent="-343080" defTabSz="914400">
-              <a:lnSpc>
-                <a:spcPct val="100000"/>
-              </a:lnSpc>
-              <a:spcBef>
-                <a:spcPts val="641"/>
-              </a:spcBef>
-              <a:buClr>
-                <a:srgbClr val="000000"/>
-              </a:buClr>
-              <a:buFont typeface="Arial"/>
-              <a:buChar char="•"/>
-            </a:pPr>
-            <a:r>
-              <a:rPr b="0" lang="en-US" sz="3200" strike="noStrike" u="none">
-                <a:solidFill>
-                  <a:schemeClr val="dk1"/>
-                </a:solidFill>
-                <a:effectLst/>
-                <a:uFillTx/>
-                <a:latin typeface="Calibri"/>
-              </a:rPr>
-              <a:t>Click to edit Master text styles</a:t>
-            </a:r>
-            <a:endParaRPr b="0" lang="en-US" sz="3200" strike="noStrike" u="none">
-              <a:solidFill>
-                <a:schemeClr val="dk1"/>
-              </a:solidFill>
-              <a:effectLst/>
-              <a:uFillTx/>
-              <a:latin typeface="Calibri"/>
-            </a:endParaRPr>
-          </a:p>
-          <a:p>
-            <a:pPr lvl="1" marL="743040" indent="-285840" defTabSz="914400">
-              <a:lnSpc>
-                <a:spcPct val="100000"/>
-              </a:lnSpc>
-              <a:spcBef>
-                <a:spcPts val="561"/>
-              </a:spcBef>
-              <a:buClr>
-                <a:srgbClr val="000000"/>
-              </a:buClr>
-              <a:buFont typeface="Arial"/>
-              <a:buChar char="–"/>
-            </a:pPr>
-            <a:r>
-              <a:rPr b="0" lang="en-US" sz="2800" strike="noStrike" u="none">
-                <a:solidFill>
-                  <a:schemeClr val="dk1"/>
-                </a:solidFill>
-                <a:effectLst/>
-                <a:uFillTx/>
-                <a:latin typeface="Calibri"/>
-              </a:rPr>
-              <a:t>Second level</a:t>
-            </a:r>
-            <a:endParaRPr b="0" lang="en-US" sz="2800" strike="noStrike" u="none">
-              <a:solidFill>
-                <a:schemeClr val="dk1"/>
-              </a:solidFill>
-              <a:effectLst/>
-              <a:uFillTx/>
-              <a:latin typeface="Calibri"/>
-            </a:endParaRPr>
-          </a:p>
-          <a:p>
-            <a:pPr lvl="2" marL="1143000" indent="-228600" defTabSz="914400">
-              <a:lnSpc>
-                <a:spcPct val="100000"/>
-              </a:lnSpc>
-              <a:spcBef>
-                <a:spcPts val="479"/>
-              </a:spcBef>
-              <a:buClr>
-                <a:srgbClr val="000000"/>
-              </a:buClr>
-              <a:buFont typeface="Arial"/>
-              <a:buChar char="•"/>
-            </a:pPr>
-            <a:r>
-              <a:rPr b="0" lang="en-US" sz="2400" strike="noStrike" u="none">
-                <a:solidFill>
-                  <a:schemeClr val="dk1"/>
-                </a:solidFill>
-                <a:effectLst/>
-                <a:uFillTx/>
-                <a:latin typeface="Calibri"/>
-              </a:rPr>
-              <a:t>Third level</a:t>
-            </a:r>
-            <a:endParaRPr b="0" lang="en-US" sz="2400" strike="noStrike" u="none">
-              <a:solidFill>
-                <a:schemeClr val="dk1"/>
-              </a:solidFill>
-              <a:effectLst/>
-              <a:uFillTx/>
-              <a:latin typeface="Calibri"/>
-            </a:endParaRPr>
-          </a:p>
-          <a:p>
-            <a:pPr lvl="3" marL="1600200" indent="-228600" defTabSz="914400">
-              <a:lnSpc>
-                <a:spcPct val="100000"/>
-              </a:lnSpc>
-              <a:spcBef>
-                <a:spcPts val="400"/>
-              </a:spcBef>
-              <a:buClr>
-                <a:srgbClr val="000000"/>
-              </a:buClr>
-              <a:buFont typeface="Arial"/>
-              <a:buChar char="–"/>
-            </a:pPr>
-            <a:r>
-              <a:rPr b="0" lang="en-US" sz="2000" strike="noStrike" u="none">
-                <a:solidFill>
-                  <a:schemeClr val="dk1"/>
-                </a:solidFill>
-                <a:effectLst/>
-                <a:uFillTx/>
-                <a:latin typeface="Calibri"/>
-              </a:rPr>
-              <a:t>Fourth level</a:t>
-            </a:r>
-            <a:endParaRPr b="0" lang="en-US" sz="2000" strike="noStrike" u="none">
-              <a:solidFill>
-                <a:schemeClr val="dk1"/>
-              </a:solidFill>
-              <a:effectLst/>
-              <a:uFillTx/>
-              <a:latin typeface="Calibri"/>
-            </a:endParaRPr>
-          </a:p>
-          <a:p>
-            <a:pPr lvl="4" marL="2057400" indent="-228600" defTabSz="914400">
-              <a:lnSpc>
-                <a:spcPct val="100000"/>
-              </a:lnSpc>
-              <a:spcBef>
-                <a:spcPts val="400"/>
-              </a:spcBef>
-              <a:buClr>
-                <a:srgbClr val="000000"/>
-              </a:buClr>
-              <a:buFont typeface="Arial"/>
-              <a:buChar char="»"/>
-            </a:pPr>
-            <a:r>
-              <a:rPr b="0" lang="en-US" sz="2000" strike="noStrike" u="none">
-                <a:solidFill>
-                  <a:schemeClr val="dk1"/>
-                </a:solidFill>
-                <a:effectLst/>
-                <a:uFillTx/>
-                <a:latin typeface="Calibri"/>
-              </a:rPr>
-              <a:t>Fifth level</a:t>
-            </a:r>
-            <a:endParaRPr b="0" lang="en-US" sz="2000" strike="noStrike" u="none">
-              <a:solidFill>
-                <a:schemeClr val="dk1"/>
-              </a:solidFill>
-              <a:effectLst/>
-              <a:uFillTx/>
-              <a:latin typeface="Calibri"/>
-            </a:endParaRPr>
-          </a:p>
-        </p:txBody>
-      </p:sp>
-      <p:sp>
-        <p:nvSpPr>
-          <p:cNvPr id="47" name="PlaceHolder 3"/>
-          <p:cNvSpPr>
-            <a:spLocks noGrp="1"/>
-          </p:cNvSpPr>
-          <p:nvPr>
-            <p:ph type="body"/>
-          </p:nvPr>
-        </p:nvSpPr>
-        <p:spPr>
-          <a:xfrm>
-            <a:off x="457200" y="1434960"/>
-            <a:ext cx="3007800" cy="4690800"/>
-          </a:xfrm>
-          <a:prstGeom prst="rect">
-            <a:avLst/>
-          </a:prstGeom>
-          <a:noFill/>
-          <a:ln w="0">
-            <a:noFill/>
-          </a:ln>
-        </p:spPr>
-        <p:txBody>
-          <a:bodyPr lIns="91440" rIns="91440" tIns="45720" bIns="45720" anchor="t">
-            <a:noAutofit/>
-          </a:bodyPr>
-          <a:p>
-            <a:pPr indent="0" defTabSz="914400">
-              <a:lnSpc>
-                <a:spcPct val="100000"/>
-              </a:lnSpc>
-              <a:spcBef>
-                <a:spcPts val="281"/>
-              </a:spcBef>
-              <a:buNone/>
-              <a:tabLst>
-                <a:tab algn="l" pos="0"/>
-              </a:tabLst>
-            </a:pPr>
-            <a:r>
-              <a:rPr b="0" lang="en-US" sz="1400" strike="noStrike" u="none">
-                <a:solidFill>
-                  <a:schemeClr val="dk1"/>
-                </a:solidFill>
-                <a:effectLst/>
-                <a:uFillTx/>
-                <a:latin typeface="Calibri"/>
-              </a:rPr>
-              <a:t>Click to edit Master text styles</a:t>
-            </a:r>
-            <a:endParaRPr b="0" lang="en-US" sz="1400" strike="noStrike" u="none">
-              <a:solidFill>
-                <a:schemeClr val="dk1"/>
-              </a:solidFill>
-              <a:effectLst/>
-              <a:uFillTx/>
-              <a:latin typeface="Calibri"/>
-            </a:endParaRPr>
-          </a:p>
-        </p:txBody>
-      </p:sp>
-      <p:sp>
-        <p:nvSpPr>
-          <p:cNvPr id="48" name="PlaceHolder 4"/>
+          <p:cNvPr id="48" name="PlaceHolder 1"/>
           <p:cNvSpPr>
             <a:spLocks noGrp="1"/>
           </p:cNvSpPr>
@@ -669,7 +715,7 @@
         <p:spPr>
           <a:xfrm>
             <a:off x="457200" y="6356520"/>
-            <a:ext cx="2133360" cy="364680"/>
+            <a:ext cx="2131920" cy="363240"/>
           </a:xfrm>
           <a:prstGeom prst="rect">
             <a:avLst/>
@@ -689,6 +735,9 @@
                 <a:spcPct val="100000"/>
               </a:lnSpc>
               <a:buNone/>
+              <a:tabLst>
+                <a:tab algn="l" pos="0"/>
+              </a:tabLst>
               <a:defRPr b="0" lang="en-US" sz="1200" strike="noStrike" u="none">
                 <a:solidFill>
                   <a:schemeClr val="dk1">
@@ -707,6 +756,9 @@
                 <a:spcPct val="100000"/>
               </a:lnSpc>
               <a:buNone/>
+              <a:tabLst>
+                <a:tab algn="l" pos="0"/>
+              </a:tabLst>
             </a:pPr>
             <a:r>
               <a:rPr b="0" lang="en-US" sz="1200" strike="noStrike" u="none">
@@ -734,7 +786,7 @@
       </p:sp>
       <p:sp>
         <p:nvSpPr>
-          <p:cNvPr id="49" name="PlaceHolder 5"/>
+          <p:cNvPr id="49" name="PlaceHolder 2"/>
           <p:cNvSpPr>
             <a:spLocks noGrp="1"/>
           </p:cNvSpPr>
@@ -745,7 +797,7 @@
         <p:spPr>
           <a:xfrm>
             <a:off x="3124080" y="6356520"/>
-            <a:ext cx="2895120" cy="364680"/>
+            <a:ext cx="2893680" cy="363240"/>
           </a:xfrm>
           <a:prstGeom prst="rect">
             <a:avLst/>
@@ -761,7 +813,13 @@
           </a:bodyPr>
           <a:lstStyle>
             <a:lvl1pPr indent="0" algn="ctr">
-              <a:buNone/>
+              <a:lnSpc>
+                <a:spcPct val="100000"/>
+              </a:lnSpc>
+              <a:buNone/>
+              <a:tabLst>
+                <a:tab algn="l" pos="0"/>
+              </a:tabLst>
               <a:defRPr b="0" lang="pt-BR" sz="1400" strike="noStrike" u="none">
                 <a:solidFill>
                   <a:srgbClr val="000000"/>
@@ -774,7 +832,13 @@
           </a:lstStyle>
           <a:p>
             <a:pPr indent="0" algn="ctr">
-              <a:buNone/>
+              <a:lnSpc>
+                <a:spcPct val="100000"/>
+              </a:lnSpc>
+              <a:buNone/>
+              <a:tabLst>
+                <a:tab algn="l" pos="0"/>
+              </a:tabLst>
             </a:pPr>
             <a:r>
               <a:rPr b="0" lang="pt-BR" sz="1400" strike="noStrike" u="none">
@@ -800,7 +864,7 @@
       </p:sp>
       <p:sp>
         <p:nvSpPr>
-          <p:cNvPr id="50" name="PlaceHolder 6"/>
+          <p:cNvPr id="50" name="PlaceHolder 3"/>
           <p:cNvSpPr>
             <a:spLocks noGrp="1"/>
           </p:cNvSpPr>
@@ -811,7 +875,7 @@
         <p:spPr>
           <a:xfrm>
             <a:off x="6553080" y="6356520"/>
-            <a:ext cx="2133360" cy="364680"/>
+            <a:ext cx="2131920" cy="363240"/>
           </a:xfrm>
           <a:prstGeom prst="rect">
             <a:avLst/>
@@ -831,6 +895,9 @@
                 <a:spcPct val="100000"/>
               </a:lnSpc>
               <a:buNone/>
+              <a:tabLst>
+                <a:tab algn="l" pos="0"/>
+              </a:tabLst>
               <a:defRPr b="0" lang="en-US" sz="1200" strike="noStrike" u="none">
                 <a:solidFill>
                   <a:schemeClr val="dk1">
@@ -849,8 +916,11 @@
                 <a:spcPct val="100000"/>
               </a:lnSpc>
               <a:buNone/>
-            </a:pPr>
-            <a:fld id="{8B479DB4-68D7-4F4C-9EC5-1A837CE8674F}" type="slidenum">
+              <a:tabLst>
+                <a:tab algn="l" pos="0"/>
+              </a:tabLst>
+            </a:pPr>
+            <a:fld id="{489D9C7F-7AEF-42A1-80D8-0C09E1E10AF3}" type="slidenum">
               <a:rPr b="0" lang="en-US" sz="1200" strike="noStrike" u="none">
                 <a:solidFill>
                   <a:schemeClr val="dk1">
@@ -881,7 +951,7 @@
 
 <file path=ppt/slideLayouts/slideLayout11.xml><?xml version="1.0" encoding="utf-8"?>
 <p:sldLayout xmlns:a="http://schemas.openxmlformats.org/drawingml/2006/main" xmlns:p="http://schemas.openxmlformats.org/presentationml/2006/main" xmlns:r="http://schemas.openxmlformats.org/officeDocument/2006/relationships" xmlns:p14="http://schemas.microsoft.com/office/powerpoint/2010/main" xmlns:p15="http://schemas.microsoft.com/office/powerpoint/2012/main" xmlns:mc="http://schemas.openxmlformats.org/markup-compatibility/2006" type="blank" preserve="1">
-  <p:cSld name="Picture with Caption">
+  <p:cSld name="Content with Caption">
     <p:bg>
       <p:bgPr>
         <a:solidFill>
@@ -915,8 +985,8 @@
         </p:nvSpPr>
         <p:spPr>
           <a:xfrm>
-            <a:off x="1792440" y="4800600"/>
-            <a:ext cx="5486040" cy="566280"/>
+            <a:off x="457200" y="272880"/>
+            <a:ext cx="3006360" cy="1160280"/>
           </a:xfrm>
           <a:prstGeom prst="rect">
             <a:avLst/>
@@ -936,6 +1006,9 @@
                 <a:spcPct val="100000"/>
               </a:lnSpc>
               <a:buNone/>
+              <a:tabLst>
+                <a:tab algn="l" pos="0"/>
+              </a:tabLst>
             </a:pPr>
             <a:r>
               <a:rPr b="1" lang="en-US" sz="2000" strike="noStrike" u="none">
@@ -948,13 +1021,13 @@
               </a:rPr>
               <a:t>Click to edit Master title style</a:t>
             </a:r>
-            <a:endParaRPr b="0" lang="en-US" sz="2000" strike="noStrike" u="none">
-              <a:solidFill>
-                <a:schemeClr val="dk1"/>
-              </a:solidFill>
-              <a:effectLst/>
-              <a:uFillTx/>
-              <a:latin typeface="Calibri"/>
+            <a:endParaRPr b="0" lang="pt-BR" sz="2000" strike="noStrike" u="none">
+              <a:solidFill>
+                <a:srgbClr val="000000"/>
+              </a:solidFill>
+              <a:effectLst/>
+              <a:uFillTx/>
+              <a:latin typeface="Arial"/>
             </a:endParaRPr>
           </a:p>
         </p:txBody>
@@ -971,8 +1044,8 @@
         </p:nvSpPr>
         <p:spPr>
           <a:xfrm>
-            <a:off x="1792440" y="612720"/>
-            <a:ext cx="5486040" cy="4114440"/>
+            <a:off x="3575160" y="272880"/>
+            <a:ext cx="5109840" cy="5851440"/>
           </a:xfrm>
           <a:prstGeom prst="rect">
             <a:avLst/>
@@ -983,20 +1056,22 @@
           </a:ln>
         </p:spPr>
         <p:txBody>
-          <a:bodyPr lIns="90000" rIns="90000" tIns="45000" bIns="45000" anchor="t">
+          <a:bodyPr lIns="91440" rIns="91440" tIns="45720" bIns="45720" anchor="t">
             <a:noAutofit/>
           </a:bodyPr>
           <a:p>
-            <a:pPr marL="432000" indent="-324000">
+            <a:pPr marL="343080" indent="-343080" defTabSz="914400">
+              <a:lnSpc>
+                <a:spcPct val="100000"/>
+              </a:lnSpc>
               <a:spcBef>
-                <a:spcPts val="1417"/>
+                <a:spcPts val="641"/>
               </a:spcBef>
               <a:buClr>
                 <a:srgbClr val="000000"/>
               </a:buClr>
-              <a:buSzPct val="45000"/>
-              <a:buFont typeface="Wingdings" charset="2"/>
-              <a:buChar char=""/>
+              <a:buFont typeface="Arial"/>
+              <a:buChar char="•"/>
             </a:pPr>
             <a:r>
               <a:rPr b="0" lang="en-US" sz="3200" strike="noStrike" u="none">
@@ -1007,31 +1082,33 @@
                 <a:uFillTx/>
                 <a:latin typeface="Calibri"/>
               </a:rPr>
-              <a:t>Clique para editar o formato de texto dos tópicos</a:t>
-            </a:r>
-            <a:endParaRPr b="0" lang="en-US" sz="3200" strike="noStrike" u="none">
-              <a:solidFill>
-                <a:schemeClr val="dk1"/>
-              </a:solidFill>
-              <a:effectLst/>
-              <a:uFillTx/>
-              <a:latin typeface="Calibri"/>
-            </a:endParaRPr>
-          </a:p>
-          <a:p>
-            <a:pPr lvl="1" marL="864000" indent="-324000">
+              <a:t>Click to edit Master text styles</a:t>
+            </a:r>
+            <a:endParaRPr b="0" lang="pt-BR" sz="3200" strike="noStrike" u="none">
+              <a:solidFill>
+                <a:srgbClr val="000000"/>
+              </a:solidFill>
+              <a:effectLst/>
+              <a:uFillTx/>
+              <a:latin typeface="Arial"/>
+            </a:endParaRPr>
+          </a:p>
+          <a:p>
+            <a:pPr lvl="1" marL="743040" indent="-285840" defTabSz="914400">
+              <a:lnSpc>
+                <a:spcPct val="100000"/>
+              </a:lnSpc>
               <a:spcBef>
-                <a:spcPts val="1134"/>
+                <a:spcPts val="561"/>
               </a:spcBef>
               <a:buClr>
                 <a:srgbClr val="000000"/>
               </a:buClr>
-              <a:buSzPct val="75000"/>
-              <a:buFont typeface="Symbol" charset="2"/>
-              <a:buChar char=""/>
-            </a:pPr>
-            <a:r>
-              <a:rPr b="0" lang="en-US" sz="3200" strike="noStrike" u="none">
+              <a:buFont typeface="Arial"/>
+              <a:buChar char="–"/>
+            </a:pPr>
+            <a:r>
+              <a:rPr b="0" lang="en-US" sz="2800" strike="noStrike" u="none">
                 <a:solidFill>
                   <a:schemeClr val="dk1"/>
                 </a:solidFill>
@@ -1039,31 +1116,33 @@
                 <a:uFillTx/>
                 <a:latin typeface="Calibri"/>
               </a:rPr>
-              <a:t>2.º nível de tópicos</a:t>
-            </a:r>
-            <a:endParaRPr b="0" lang="en-US" sz="3200" strike="noStrike" u="none">
-              <a:solidFill>
-                <a:schemeClr val="dk1"/>
-              </a:solidFill>
-              <a:effectLst/>
-              <a:uFillTx/>
-              <a:latin typeface="Calibri"/>
-            </a:endParaRPr>
-          </a:p>
-          <a:p>
-            <a:pPr lvl="2" marL="1296000" indent="-288000">
+              <a:t>Second level</a:t>
+            </a:r>
+            <a:endParaRPr b="0" lang="pt-BR" sz="2800" strike="noStrike" u="none">
+              <a:solidFill>
+                <a:srgbClr val="000000"/>
+              </a:solidFill>
+              <a:effectLst/>
+              <a:uFillTx/>
+              <a:latin typeface="Arial"/>
+            </a:endParaRPr>
+          </a:p>
+          <a:p>
+            <a:pPr lvl="2" marL="1143000" indent="-228600" defTabSz="914400">
+              <a:lnSpc>
+                <a:spcPct val="100000"/>
+              </a:lnSpc>
               <a:spcBef>
-                <a:spcPts val="850"/>
+                <a:spcPts val="479"/>
               </a:spcBef>
               <a:buClr>
                 <a:srgbClr val="000000"/>
               </a:buClr>
-              <a:buSzPct val="45000"/>
-              <a:buFont typeface="Wingdings" charset="2"/>
-              <a:buChar char=""/>
-            </a:pPr>
-            <a:r>
-              <a:rPr b="0" lang="en-US" sz="3200" strike="noStrike" u="none">
+              <a:buFont typeface="Arial"/>
+              <a:buChar char="•"/>
+            </a:pPr>
+            <a:r>
+              <a:rPr b="0" lang="en-US" sz="2400" strike="noStrike" u="none">
                 <a:solidFill>
                   <a:schemeClr val="dk1"/>
                 </a:solidFill>
@@ -1071,31 +1150,33 @@
                 <a:uFillTx/>
                 <a:latin typeface="Calibri"/>
               </a:rPr>
-              <a:t>3.º nível de tópicos</a:t>
-            </a:r>
-            <a:endParaRPr b="0" lang="en-US" sz="3200" strike="noStrike" u="none">
-              <a:solidFill>
-                <a:schemeClr val="dk1"/>
-              </a:solidFill>
-              <a:effectLst/>
-              <a:uFillTx/>
-              <a:latin typeface="Calibri"/>
-            </a:endParaRPr>
-          </a:p>
-          <a:p>
-            <a:pPr lvl="3" marL="1728000" indent="-216000">
+              <a:t>Third level</a:t>
+            </a:r>
+            <a:endParaRPr b="0" lang="pt-BR" sz="2400" strike="noStrike" u="none">
+              <a:solidFill>
+                <a:srgbClr val="000000"/>
+              </a:solidFill>
+              <a:effectLst/>
+              <a:uFillTx/>
+              <a:latin typeface="Arial"/>
+            </a:endParaRPr>
+          </a:p>
+          <a:p>
+            <a:pPr lvl="3" marL="1600200" indent="-228600" defTabSz="914400">
+              <a:lnSpc>
+                <a:spcPct val="100000"/>
+              </a:lnSpc>
               <a:spcBef>
-                <a:spcPts val="567"/>
+                <a:spcPts val="400"/>
               </a:spcBef>
               <a:buClr>
                 <a:srgbClr val="000000"/>
               </a:buClr>
-              <a:buSzPct val="75000"/>
-              <a:buFont typeface="Symbol" charset="2"/>
-              <a:buChar char=""/>
-            </a:pPr>
-            <a:r>
-              <a:rPr b="0" lang="en-US" sz="3200" strike="noStrike" u="none">
+              <a:buFont typeface="Arial"/>
+              <a:buChar char="–"/>
+            </a:pPr>
+            <a:r>
+              <a:rPr b="0" lang="en-US" sz="2000" strike="noStrike" u="none">
                 <a:solidFill>
                   <a:schemeClr val="dk1"/>
                 </a:solidFill>
@@ -1103,31 +1184,33 @@
                 <a:uFillTx/>
                 <a:latin typeface="Calibri"/>
               </a:rPr>
-              <a:t>4.º nível de tópicos</a:t>
-            </a:r>
-            <a:endParaRPr b="0" lang="en-US" sz="3200" strike="noStrike" u="none">
-              <a:solidFill>
-                <a:schemeClr val="dk1"/>
-              </a:solidFill>
-              <a:effectLst/>
-              <a:uFillTx/>
-              <a:latin typeface="Calibri"/>
-            </a:endParaRPr>
-          </a:p>
-          <a:p>
-            <a:pPr lvl="4" marL="2160000" indent="-216000">
+              <a:t>Fourth level</a:t>
+            </a:r>
+            <a:endParaRPr b="0" lang="pt-BR" sz="2000" strike="noStrike" u="none">
+              <a:solidFill>
+                <a:srgbClr val="000000"/>
+              </a:solidFill>
+              <a:effectLst/>
+              <a:uFillTx/>
+              <a:latin typeface="Arial"/>
+            </a:endParaRPr>
+          </a:p>
+          <a:p>
+            <a:pPr lvl="4" marL="2057400" indent="-228600" defTabSz="914400">
+              <a:lnSpc>
+                <a:spcPct val="100000"/>
+              </a:lnSpc>
               <a:spcBef>
-                <a:spcPts val="283"/>
+                <a:spcPts val="400"/>
               </a:spcBef>
               <a:buClr>
                 <a:srgbClr val="000000"/>
               </a:buClr>
-              <a:buSzPct val="45000"/>
-              <a:buFont typeface="Wingdings" charset="2"/>
-              <a:buChar char=""/>
-            </a:pPr>
-            <a:r>
-              <a:rPr b="0" lang="en-US" sz="3200" strike="noStrike" u="none">
+              <a:buFont typeface="Arial"/>
+              <a:buChar char="»"/>
+            </a:pPr>
+            <a:r>
+              <a:rPr b="0" lang="en-US" sz="2000" strike="noStrike" u="none">
                 <a:solidFill>
                   <a:schemeClr val="dk1"/>
                 </a:solidFill>
@@ -1135,79 +1218,15 @@
                 <a:uFillTx/>
                 <a:latin typeface="Calibri"/>
               </a:rPr>
-              <a:t>5.º nível de tópicos</a:t>
-            </a:r>
-            <a:endParaRPr b="0" lang="en-US" sz="3200" strike="noStrike" u="none">
-              <a:solidFill>
-                <a:schemeClr val="dk1"/>
-              </a:solidFill>
-              <a:effectLst/>
-              <a:uFillTx/>
-              <a:latin typeface="Calibri"/>
-            </a:endParaRPr>
-          </a:p>
-          <a:p>
-            <a:pPr lvl="5" marL="2592000" indent="-216000">
-              <a:spcBef>
-                <a:spcPts val="283"/>
-              </a:spcBef>
-              <a:buClr>
-                <a:srgbClr val="000000"/>
-              </a:buClr>
-              <a:buSzPct val="45000"/>
-              <a:buFont typeface="Wingdings" charset="2"/>
-              <a:buChar char=""/>
-            </a:pPr>
-            <a:r>
-              <a:rPr b="0" lang="en-US" sz="3200" strike="noStrike" u="none">
-                <a:solidFill>
-                  <a:schemeClr val="dk1"/>
-                </a:solidFill>
-                <a:effectLst/>
-                <a:uFillTx/>
-                <a:latin typeface="Calibri"/>
-              </a:rPr>
-              <a:t>6.º nível de tópicos</a:t>
-            </a:r>
-            <a:endParaRPr b="0" lang="en-US" sz="3200" strike="noStrike" u="none">
-              <a:solidFill>
-                <a:schemeClr val="dk1"/>
-              </a:solidFill>
-              <a:effectLst/>
-              <a:uFillTx/>
-              <a:latin typeface="Calibri"/>
-            </a:endParaRPr>
-          </a:p>
-          <a:p>
-            <a:pPr lvl="6" marL="3024000" indent="-216000">
-              <a:spcBef>
-                <a:spcPts val="283"/>
-              </a:spcBef>
-              <a:buClr>
-                <a:srgbClr val="000000"/>
-              </a:buClr>
-              <a:buSzPct val="45000"/>
-              <a:buFont typeface="Wingdings" charset="2"/>
-              <a:buChar char=""/>
-            </a:pPr>
-            <a:r>
-              <a:rPr b="0" lang="en-US" sz="3200" strike="noStrike" u="none">
-                <a:solidFill>
-                  <a:schemeClr val="dk1"/>
-                </a:solidFill>
-                <a:effectLst/>
-                <a:uFillTx/>
-                <a:latin typeface="Calibri"/>
-              </a:rPr>
-              <a:t>7.º nível de tópicos</a:t>
-            </a:r>
-            <a:endParaRPr b="0" lang="en-US" sz="3200" strike="noStrike" u="none">
-              <a:solidFill>
-                <a:schemeClr val="dk1"/>
-              </a:solidFill>
-              <a:effectLst/>
-              <a:uFillTx/>
-              <a:latin typeface="Calibri"/>
+              <a:t>Fifth level</a:t>
+            </a:r>
+            <a:endParaRPr b="0" lang="pt-BR" sz="2000" strike="noStrike" u="none">
+              <a:solidFill>
+                <a:srgbClr val="000000"/>
+              </a:solidFill>
+              <a:effectLst/>
+              <a:uFillTx/>
+              <a:latin typeface="Arial"/>
             </a:endParaRPr>
           </a:p>
         </p:txBody>
@@ -1224,8 +1243,8 @@
         </p:nvSpPr>
         <p:spPr>
           <a:xfrm>
-            <a:off x="1792440" y="5367240"/>
-            <a:ext cx="5486040" cy="804600"/>
+            <a:off x="457200" y="1434960"/>
+            <a:ext cx="3006360" cy="4689360"/>
           </a:xfrm>
           <a:prstGeom prst="rect">
             <a:avLst/>
@@ -1263,13 +1282,13 @@
               </a:rPr>
               <a:t>Click to edit Master text styles</a:t>
             </a:r>
-            <a:endParaRPr b="0" lang="en-US" sz="1400" strike="noStrike" u="none">
-              <a:solidFill>
-                <a:schemeClr val="dk1"/>
-              </a:solidFill>
-              <a:effectLst/>
-              <a:uFillTx/>
-              <a:latin typeface="Calibri"/>
+            <a:endParaRPr b="0" lang="pt-BR" sz="1400" strike="noStrike" u="none">
+              <a:solidFill>
+                <a:srgbClr val="000000"/>
+              </a:solidFill>
+              <a:effectLst/>
+              <a:uFillTx/>
+              <a:latin typeface="Arial"/>
             </a:endParaRPr>
           </a:p>
         </p:txBody>
@@ -1287,7 +1306,7 @@
         <p:spPr>
           <a:xfrm>
             <a:off x="457200" y="6356520"/>
-            <a:ext cx="2133360" cy="364680"/>
+            <a:ext cx="2131920" cy="363240"/>
           </a:xfrm>
           <a:prstGeom prst="rect">
             <a:avLst/>
@@ -1307,6 +1326,9 @@
                 <a:spcPct val="100000"/>
               </a:lnSpc>
               <a:buNone/>
+              <a:tabLst>
+                <a:tab algn="l" pos="0"/>
+              </a:tabLst>
               <a:defRPr b="0" lang="en-US" sz="1200" strike="noStrike" u="none">
                 <a:solidFill>
                   <a:schemeClr val="dk1">
@@ -1325,6 +1347,9 @@
                 <a:spcPct val="100000"/>
               </a:lnSpc>
               <a:buNone/>
+              <a:tabLst>
+                <a:tab algn="l" pos="0"/>
+              </a:tabLst>
             </a:pPr>
             <a:r>
               <a:rPr b="0" lang="en-US" sz="1200" strike="noStrike" u="none">
@@ -1363,7 +1388,7 @@
         <p:spPr>
           <a:xfrm>
             <a:off x="3124080" y="6356520"/>
-            <a:ext cx="2895120" cy="364680"/>
+            <a:ext cx="2893680" cy="363240"/>
           </a:xfrm>
           <a:prstGeom prst="rect">
             <a:avLst/>
@@ -1379,7 +1404,13 @@
           </a:bodyPr>
           <a:lstStyle>
             <a:lvl1pPr indent="0" algn="ctr">
-              <a:buNone/>
+              <a:lnSpc>
+                <a:spcPct val="100000"/>
+              </a:lnSpc>
+              <a:buNone/>
+              <a:tabLst>
+                <a:tab algn="l" pos="0"/>
+              </a:tabLst>
               <a:defRPr b="0" lang="pt-BR" sz="1400" strike="noStrike" u="none">
                 <a:solidFill>
                   <a:srgbClr val="000000"/>
@@ -1392,7 +1423,13 @@
           </a:lstStyle>
           <a:p>
             <a:pPr indent="0" algn="ctr">
-              <a:buNone/>
+              <a:lnSpc>
+                <a:spcPct val="100000"/>
+              </a:lnSpc>
+              <a:buNone/>
+              <a:tabLst>
+                <a:tab algn="l" pos="0"/>
+              </a:tabLst>
             </a:pPr>
             <a:r>
               <a:rPr b="0" lang="pt-BR" sz="1400" strike="noStrike" u="none">
@@ -1429,7 +1466,7 @@
         <p:spPr>
           <a:xfrm>
             <a:off x="6553080" y="6356520"/>
-            <a:ext cx="2133360" cy="364680"/>
+            <a:ext cx="2131920" cy="363240"/>
           </a:xfrm>
           <a:prstGeom prst="rect">
             <a:avLst/>
@@ -1449,6 +1486,9 @@
                 <a:spcPct val="100000"/>
               </a:lnSpc>
               <a:buNone/>
+              <a:tabLst>
+                <a:tab algn="l" pos="0"/>
+              </a:tabLst>
               <a:defRPr b="0" lang="en-US" sz="1200" strike="noStrike" u="none">
                 <a:solidFill>
                   <a:schemeClr val="dk1">
@@ -1467,8 +1507,11 @@
                 <a:spcPct val="100000"/>
               </a:lnSpc>
               <a:buNone/>
-            </a:pPr>
-            <a:fld id="{F7E9257B-B13C-460B-AD90-98152D3B7A3F}" type="slidenum">
+              <a:tabLst>
+                <a:tab algn="l" pos="0"/>
+              </a:tabLst>
+            </a:pPr>
+            <a:fld id="{0832E7C0-EB31-4AD4-81F6-94628A011DD6}" type="slidenum">
               <a:rPr b="0" lang="en-US" sz="1200" strike="noStrike" u="none">
                 <a:solidFill>
                   <a:schemeClr val="dk1">
@@ -1498,6 +1541,336 @@
 </file>
 
 <file path=ppt/slideLayouts/slideLayout2.xml><?xml version="1.0" encoding="utf-8"?>
+<p:sldLayout xmlns:a="http://schemas.openxmlformats.org/drawingml/2006/main" xmlns:p="http://schemas.openxmlformats.org/presentationml/2006/main" xmlns:r="http://schemas.openxmlformats.org/officeDocument/2006/relationships" xmlns:p14="http://schemas.microsoft.com/office/powerpoint/2010/main" xmlns:p15="http://schemas.microsoft.com/office/powerpoint/2012/main" xmlns:mc="http://schemas.openxmlformats.org/markup-compatibility/2006" type="title" preserve="1">
+  <p:cSld name="Title Slide">
+    <p:bg>
+      <p:bgPr>
+        <a:solidFill>
+          <a:srgbClr val="ffffff"/>
+        </a:solidFill>
+      </p:bgPr>
+    </p:bg>
+    <p:spTree>
+      <p:nvGrpSpPr>
+        <p:cNvPr id="1" name=""/>
+        <p:cNvGrpSpPr/>
+        <p:nvPr/>
+      </p:nvGrpSpPr>
+      <p:grpSpPr>
+        <a:xfrm>
+          <a:off x="0" y="0"/>
+          <a:ext cx="0" cy="0"/>
+          <a:chOff x="0" y="0"/>
+          <a:chExt cx="0" cy="0"/>
+        </a:xfrm>
+      </p:grpSpPr>
+      <p:sp>
+        <p:nvSpPr>
+          <p:cNvPr id="6" name="PlaceHolder 1"/>
+          <p:cNvSpPr>
+            <a:spLocks noGrp="1"/>
+          </p:cNvSpPr>
+          <p:nvPr>
+            <p:ph type="title"/>
+          </p:nvPr>
+        </p:nvSpPr>
+        <p:spPr>
+          <a:xfrm>
+            <a:off x="685800" y="2130480"/>
+            <a:ext cx="7770600" cy="1468080"/>
+          </a:xfrm>
+          <a:prstGeom prst="rect">
+            <a:avLst/>
+          </a:prstGeom>
+          <a:noFill/>
+          <a:ln w="0">
+            <a:noFill/>
+          </a:ln>
+        </p:spPr>
+        <p:txBody>
+          <a:bodyPr lIns="91440" rIns="91440" tIns="45720" bIns="45720" anchor="ctr">
+            <a:noAutofit/>
+          </a:bodyPr>
+          <a:p>
+            <a:pPr indent="0" algn="ctr" defTabSz="914400">
+              <a:lnSpc>
+                <a:spcPct val="100000"/>
+              </a:lnSpc>
+              <a:buNone/>
+              <a:tabLst>
+                <a:tab algn="l" pos="0"/>
+              </a:tabLst>
+            </a:pPr>
+            <a:r>
+              <a:rPr b="0" lang="en-US" sz="4400" strike="noStrike" u="none">
+                <a:solidFill>
+                  <a:schemeClr val="dk1"/>
+                </a:solidFill>
+                <a:effectLst/>
+                <a:uFillTx/>
+                <a:latin typeface="Calibri"/>
+              </a:rPr>
+              <a:t>Click to edit Master title style</a:t>
+            </a:r>
+            <a:endParaRPr b="0" lang="pt-BR" sz="4400" strike="noStrike" u="none">
+              <a:solidFill>
+                <a:srgbClr val="000000"/>
+              </a:solidFill>
+              <a:effectLst/>
+              <a:uFillTx/>
+              <a:latin typeface="Arial"/>
+            </a:endParaRPr>
+          </a:p>
+        </p:txBody>
+      </p:sp>
+      <p:sp>
+        <p:nvSpPr>
+          <p:cNvPr id="7" name="PlaceHolder 2"/>
+          <p:cNvSpPr>
+            <a:spLocks noGrp="1"/>
+          </p:cNvSpPr>
+          <p:nvPr>
+            <p:ph type="dt" idx="4"/>
+          </p:nvPr>
+        </p:nvSpPr>
+        <p:spPr>
+          <a:xfrm>
+            <a:off x="457200" y="6356520"/>
+            <a:ext cx="2131920" cy="363240"/>
+          </a:xfrm>
+          <a:prstGeom prst="rect">
+            <a:avLst/>
+          </a:prstGeom>
+          <a:noFill/>
+          <a:ln w="0">
+            <a:noFill/>
+          </a:ln>
+        </p:spPr>
+        <p:txBody>
+          <a:bodyPr lIns="91440" rIns="91440" tIns="45720" bIns="45720" anchor="ctr">
+            <a:noAutofit/>
+          </a:bodyPr>
+          <a:lstStyle>
+            <a:lvl1pPr indent="0" defTabSz="914400">
+              <a:lnSpc>
+                <a:spcPct val="100000"/>
+              </a:lnSpc>
+              <a:buNone/>
+              <a:tabLst>
+                <a:tab algn="l" pos="0"/>
+              </a:tabLst>
+              <a:defRPr b="0" lang="en-US" sz="1200" strike="noStrike" u="none">
+                <a:solidFill>
+                  <a:schemeClr val="dk1">
+                    <a:tint val="75000"/>
+                  </a:schemeClr>
+                </a:solidFill>
+                <a:effectLst/>
+                <a:uFillTx/>
+                <a:latin typeface="Calibri"/>
+              </a:defRPr>
+            </a:lvl1pPr>
+          </a:lstStyle>
+          <a:p>
+            <a:pPr indent="0" defTabSz="914400">
+              <a:lnSpc>
+                <a:spcPct val="100000"/>
+              </a:lnSpc>
+              <a:buNone/>
+              <a:tabLst>
+                <a:tab algn="l" pos="0"/>
+              </a:tabLst>
+            </a:pPr>
+            <a:r>
+              <a:rPr b="0" lang="en-US" sz="1200" strike="noStrike" u="none">
+                <a:solidFill>
+                  <a:schemeClr val="dk1">
+                    <a:tint val="75000"/>
+                  </a:schemeClr>
+                </a:solidFill>
+                <a:effectLst/>
+                <a:uFillTx/>
+                <a:latin typeface="Calibri"/>
+              </a:rPr>
+              <a:t>&lt;data/hora&gt;</a:t>
+            </a:r>
+            <a:endParaRPr b="0" lang="pt-BR" sz="1200" strike="noStrike" u="none">
+              <a:solidFill>
+                <a:srgbClr val="000000"/>
+              </a:solidFill>
+              <a:effectLst/>
+              <a:uFillTx/>
+              <a:latin typeface="Times New Roman"/>
+            </a:endParaRPr>
+          </a:p>
+        </p:txBody>
+      </p:sp>
+      <p:sp>
+        <p:nvSpPr>
+          <p:cNvPr id="8" name="PlaceHolder 3"/>
+          <p:cNvSpPr>
+            <a:spLocks noGrp="1"/>
+          </p:cNvSpPr>
+          <p:nvPr>
+            <p:ph type="ftr" idx="5"/>
+          </p:nvPr>
+        </p:nvSpPr>
+        <p:spPr>
+          <a:xfrm>
+            <a:off x="3124080" y="6356520"/>
+            <a:ext cx="2893680" cy="363240"/>
+          </a:xfrm>
+          <a:prstGeom prst="rect">
+            <a:avLst/>
+          </a:prstGeom>
+          <a:noFill/>
+          <a:ln w="0">
+            <a:noFill/>
+          </a:ln>
+        </p:spPr>
+        <p:txBody>
+          <a:bodyPr lIns="91440" rIns="91440" tIns="45720" bIns="45720" anchor="ctr">
+            <a:noAutofit/>
+          </a:bodyPr>
+          <a:lstStyle>
+            <a:lvl1pPr indent="0" algn="ctr">
+              <a:lnSpc>
+                <a:spcPct val="100000"/>
+              </a:lnSpc>
+              <a:buNone/>
+              <a:tabLst>
+                <a:tab algn="l" pos="0"/>
+              </a:tabLst>
+              <a:defRPr b="0" lang="pt-BR" sz="1400" strike="noStrike" u="none">
+                <a:solidFill>
+                  <a:srgbClr val="000000"/>
+                </a:solidFill>
+                <a:effectLst/>
+                <a:uFillTx/>
+                <a:latin typeface="Times New Roman"/>
+              </a:defRPr>
+            </a:lvl1pPr>
+          </a:lstStyle>
+          <a:p>
+            <a:pPr indent="0" algn="ctr">
+              <a:lnSpc>
+                <a:spcPct val="100000"/>
+              </a:lnSpc>
+              <a:buNone/>
+              <a:tabLst>
+                <a:tab algn="l" pos="0"/>
+              </a:tabLst>
+            </a:pPr>
+            <a:r>
+              <a:rPr b="0" lang="pt-BR" sz="1400" strike="noStrike" u="none">
+                <a:solidFill>
+                  <a:srgbClr val="000000"/>
+                </a:solidFill>
+                <a:effectLst/>
+                <a:uFillTx/>
+                <a:latin typeface="Times New Roman"/>
+              </a:rPr>
+              <a:t>&lt;rodapé&gt;</a:t>
+            </a:r>
+            <a:endParaRPr b="0" lang="pt-BR" sz="1400" strike="noStrike" u="none">
+              <a:solidFill>
+                <a:srgbClr val="000000"/>
+              </a:solidFill>
+              <a:effectLst/>
+              <a:uFillTx/>
+              <a:latin typeface="Times New Roman"/>
+            </a:endParaRPr>
+          </a:p>
+        </p:txBody>
+      </p:sp>
+      <p:sp>
+        <p:nvSpPr>
+          <p:cNvPr id="9" name="PlaceHolder 4"/>
+          <p:cNvSpPr>
+            <a:spLocks noGrp="1"/>
+          </p:cNvSpPr>
+          <p:nvPr>
+            <p:ph type="sldNum" idx="6"/>
+          </p:nvPr>
+        </p:nvSpPr>
+        <p:spPr>
+          <a:xfrm>
+            <a:off x="6553080" y="6356520"/>
+            <a:ext cx="2131920" cy="363240"/>
+          </a:xfrm>
+          <a:prstGeom prst="rect">
+            <a:avLst/>
+          </a:prstGeom>
+          <a:noFill/>
+          <a:ln w="0">
+            <a:noFill/>
+          </a:ln>
+        </p:spPr>
+        <p:txBody>
+          <a:bodyPr lIns="91440" rIns="91440" tIns="45720" bIns="45720" anchor="ctr">
+            <a:noAutofit/>
+          </a:bodyPr>
+          <a:lstStyle>
+            <a:lvl1pPr indent="0" algn="r" defTabSz="914400">
+              <a:lnSpc>
+                <a:spcPct val="100000"/>
+              </a:lnSpc>
+              <a:buNone/>
+              <a:tabLst>
+                <a:tab algn="l" pos="0"/>
+              </a:tabLst>
+              <a:defRPr b="0" lang="en-US" sz="1200" strike="noStrike" u="none">
+                <a:solidFill>
+                  <a:schemeClr val="dk1">
+                    <a:tint val="75000"/>
+                  </a:schemeClr>
+                </a:solidFill>
+                <a:effectLst/>
+                <a:uFillTx/>
+                <a:latin typeface="Calibri"/>
+              </a:defRPr>
+            </a:lvl1pPr>
+          </a:lstStyle>
+          <a:p>
+            <a:pPr indent="0" algn="r" defTabSz="914400">
+              <a:lnSpc>
+                <a:spcPct val="100000"/>
+              </a:lnSpc>
+              <a:buNone/>
+              <a:tabLst>
+                <a:tab algn="l" pos="0"/>
+              </a:tabLst>
+            </a:pPr>
+            <a:fld id="{D6B9F2AE-9B35-4660-A689-2D6DF2F47F95}" type="slidenum">
+              <a:rPr b="0" lang="en-US" sz="1200" strike="noStrike" u="none">
+                <a:solidFill>
+                  <a:schemeClr val="dk1">
+                    <a:tint val="75000"/>
+                  </a:schemeClr>
+                </a:solidFill>
+                <a:effectLst/>
+                <a:uFillTx/>
+                <a:latin typeface="Calibri"/>
+              </a:rPr>
+              <a:t>&lt;número&gt;</a:t>
+            </a:fld>
+            <a:endParaRPr b="0" lang="pt-BR" sz="1200" strike="noStrike" u="none">
+              <a:solidFill>
+                <a:srgbClr val="000000"/>
+              </a:solidFill>
+              <a:effectLst/>
+              <a:uFillTx/>
+              <a:latin typeface="Times New Roman"/>
+            </a:endParaRPr>
+          </a:p>
+        </p:txBody>
+      </p:sp>
+    </p:spTree>
+  </p:cSld>
+</p:sldLayout>
+</file>
+
+<file path=ppt/slideLayouts/slideLayout3.xml><?xml version="1.0" encoding="utf-8"?>
 <p:sldLayout xmlns:a="http://schemas.openxmlformats.org/drawingml/2006/main" xmlns:p="http://schemas.openxmlformats.org/presentationml/2006/main" xmlns:r="http://schemas.openxmlformats.org/officeDocument/2006/relationships" xmlns:p14="http://schemas.microsoft.com/office/powerpoint/2010/main" xmlns:p15="http://schemas.microsoft.com/office/powerpoint/2012/main" xmlns:mc="http://schemas.openxmlformats.org/markup-compatibility/2006" type="vertTx" preserve="1">
   <p:cSld name="Title and Vertical Text">
     <p:bg>
@@ -1523,7 +1896,7 @@
       </p:grpSpPr>
       <p:sp>
         <p:nvSpPr>
-          <p:cNvPr id="4" name="PlaceHolder 1"/>
+          <p:cNvPr id="10" name="PlaceHolder 1"/>
           <p:cNvSpPr>
             <a:spLocks noGrp="1"/>
           </p:cNvSpPr>
@@ -1534,7 +1907,7 @@
         <p:spPr>
           <a:xfrm>
             <a:off x="457200" y="274680"/>
-            <a:ext cx="8229240" cy="1142640"/>
+            <a:ext cx="8227800" cy="1141200"/>
           </a:xfrm>
           <a:prstGeom prst="rect">
             <a:avLst/>
@@ -1554,6 +1927,9 @@
                 <a:spcPct val="100000"/>
               </a:lnSpc>
               <a:buNone/>
+              <a:tabLst>
+                <a:tab algn="l" pos="0"/>
+              </a:tabLst>
             </a:pPr>
             <a:r>
               <a:rPr b="0" lang="en-US" sz="4400" strike="noStrike" u="none">
@@ -1566,20 +1942,20 @@
               </a:rPr>
               <a:t>Click to edit Master title style</a:t>
             </a:r>
-            <a:endParaRPr b="0" lang="en-US" sz="4400" strike="noStrike" u="none">
-              <a:solidFill>
-                <a:schemeClr val="dk1"/>
-              </a:solidFill>
-              <a:effectLst/>
-              <a:uFillTx/>
-              <a:latin typeface="Calibri"/>
+            <a:endParaRPr b="0" lang="pt-BR" sz="4400" strike="noStrike" u="none">
+              <a:solidFill>
+                <a:srgbClr val="000000"/>
+              </a:solidFill>
+              <a:effectLst/>
+              <a:uFillTx/>
+              <a:latin typeface="Arial"/>
             </a:endParaRPr>
           </a:p>
         </p:txBody>
       </p:sp>
       <p:sp>
         <p:nvSpPr>
-          <p:cNvPr id="5" name="PlaceHolder 2"/>
+          <p:cNvPr id="11" name="PlaceHolder 2"/>
           <p:cNvSpPr>
             <a:spLocks noGrp="1"/>
           </p:cNvSpPr>
@@ -1590,7 +1966,7 @@
         <p:spPr>
           <a:xfrm>
             <a:off x="457200" y="1600200"/>
-            <a:ext cx="8229240" cy="4525560"/>
+            <a:ext cx="8227800" cy="4524120"/>
           </a:xfrm>
           <a:prstGeom prst="rect">
             <a:avLst/>
@@ -1629,13 +2005,13 @@
               </a:rPr>
               <a:t>Click to edit Master text styles</a:t>
             </a:r>
-            <a:endParaRPr b="0" lang="en-US" sz="3200" strike="noStrike" u="none">
-              <a:solidFill>
-                <a:schemeClr val="dk1"/>
-              </a:solidFill>
-              <a:effectLst/>
-              <a:uFillTx/>
-              <a:latin typeface="Calibri"/>
+            <a:endParaRPr b="0" lang="pt-BR" sz="3200" strike="noStrike" u="none">
+              <a:solidFill>
+                <a:srgbClr val="000000"/>
+              </a:solidFill>
+              <a:effectLst/>
+              <a:uFillTx/>
+              <a:latin typeface="Arial"/>
             </a:endParaRPr>
           </a:p>
           <a:p>
@@ -1663,13 +2039,13 @@
               </a:rPr>
               <a:t>Second level</a:t>
             </a:r>
-            <a:endParaRPr b="0" lang="en-US" sz="2800" strike="noStrike" u="none">
-              <a:solidFill>
-                <a:schemeClr val="dk1"/>
-              </a:solidFill>
-              <a:effectLst/>
-              <a:uFillTx/>
-              <a:latin typeface="Calibri"/>
+            <a:endParaRPr b="0" lang="pt-BR" sz="2800" strike="noStrike" u="none">
+              <a:solidFill>
+                <a:srgbClr val="000000"/>
+              </a:solidFill>
+              <a:effectLst/>
+              <a:uFillTx/>
+              <a:latin typeface="Arial"/>
             </a:endParaRPr>
           </a:p>
           <a:p>
@@ -1697,13 +2073,13 @@
               </a:rPr>
               <a:t>Third level</a:t>
             </a:r>
-            <a:endParaRPr b="0" lang="en-US" sz="2400" strike="noStrike" u="none">
-              <a:solidFill>
-                <a:schemeClr val="dk1"/>
-              </a:solidFill>
-              <a:effectLst/>
-              <a:uFillTx/>
-              <a:latin typeface="Calibri"/>
+            <a:endParaRPr b="0" lang="pt-BR" sz="2400" strike="noStrike" u="none">
+              <a:solidFill>
+                <a:srgbClr val="000000"/>
+              </a:solidFill>
+              <a:effectLst/>
+              <a:uFillTx/>
+              <a:latin typeface="Arial"/>
             </a:endParaRPr>
           </a:p>
           <a:p>
@@ -1731,13 +2107,13 @@
               </a:rPr>
               <a:t>Fourth level</a:t>
             </a:r>
-            <a:endParaRPr b="0" lang="en-US" sz="2000" strike="noStrike" u="none">
-              <a:solidFill>
-                <a:schemeClr val="dk1"/>
-              </a:solidFill>
-              <a:effectLst/>
-              <a:uFillTx/>
-              <a:latin typeface="Calibri"/>
+            <a:endParaRPr b="0" lang="pt-BR" sz="2000" strike="noStrike" u="none">
+              <a:solidFill>
+                <a:srgbClr val="000000"/>
+              </a:solidFill>
+              <a:effectLst/>
+              <a:uFillTx/>
+              <a:latin typeface="Arial"/>
             </a:endParaRPr>
           </a:p>
           <a:p>
@@ -1765,31 +2141,31 @@
               </a:rPr>
               <a:t>Fifth level</a:t>
             </a:r>
-            <a:endParaRPr b="0" lang="en-US" sz="2000" strike="noStrike" u="none">
-              <a:solidFill>
-                <a:schemeClr val="dk1"/>
-              </a:solidFill>
-              <a:effectLst/>
-              <a:uFillTx/>
-              <a:latin typeface="Calibri"/>
+            <a:endParaRPr b="0" lang="pt-BR" sz="2000" strike="noStrike" u="none">
+              <a:solidFill>
+                <a:srgbClr val="000000"/>
+              </a:solidFill>
+              <a:effectLst/>
+              <a:uFillTx/>
+              <a:latin typeface="Arial"/>
             </a:endParaRPr>
           </a:p>
         </p:txBody>
       </p:sp>
       <p:sp>
         <p:nvSpPr>
-          <p:cNvPr id="6" name="PlaceHolder 3"/>
+          <p:cNvPr id="12" name="PlaceHolder 3"/>
           <p:cNvSpPr>
             <a:spLocks noGrp="1"/>
           </p:cNvSpPr>
           <p:nvPr>
-            <p:ph type="dt" idx="4"/>
+            <p:ph type="dt" idx="7"/>
           </p:nvPr>
         </p:nvSpPr>
         <p:spPr>
           <a:xfrm>
             <a:off x="457200" y="6356520"/>
-            <a:ext cx="2133360" cy="364680"/>
+            <a:ext cx="2131920" cy="363240"/>
           </a:xfrm>
           <a:prstGeom prst="rect">
             <a:avLst/>
@@ -1809,6 +2185,9 @@
                 <a:spcPct val="100000"/>
               </a:lnSpc>
               <a:buNone/>
+              <a:tabLst>
+                <a:tab algn="l" pos="0"/>
+              </a:tabLst>
               <a:defRPr b="0" lang="en-US" sz="1200" strike="noStrike" u="none">
                 <a:solidFill>
                   <a:schemeClr val="dk1">
@@ -1827,6 +2206,9 @@
                 <a:spcPct val="100000"/>
               </a:lnSpc>
               <a:buNone/>
+              <a:tabLst>
+                <a:tab algn="l" pos="0"/>
+              </a:tabLst>
             </a:pPr>
             <a:r>
               <a:rPr b="0" lang="en-US" sz="1200" strike="noStrike" u="none">
@@ -1854,18 +2236,18 @@
       </p:sp>
       <p:sp>
         <p:nvSpPr>
-          <p:cNvPr id="7" name="PlaceHolder 4"/>
+          <p:cNvPr id="13" name="PlaceHolder 4"/>
           <p:cNvSpPr>
             <a:spLocks noGrp="1"/>
           </p:cNvSpPr>
           <p:nvPr>
-            <p:ph type="ftr" idx="5"/>
+            <p:ph type="ftr" idx="8"/>
           </p:nvPr>
         </p:nvSpPr>
         <p:spPr>
           <a:xfrm>
             <a:off x="3124080" y="6356520"/>
-            <a:ext cx="2895120" cy="364680"/>
+            <a:ext cx="2893680" cy="363240"/>
           </a:xfrm>
           <a:prstGeom prst="rect">
             <a:avLst/>
@@ -1881,7 +2263,13 @@
           </a:bodyPr>
           <a:lstStyle>
             <a:lvl1pPr indent="0" algn="ctr">
-              <a:buNone/>
+              <a:lnSpc>
+                <a:spcPct val="100000"/>
+              </a:lnSpc>
+              <a:buNone/>
+              <a:tabLst>
+                <a:tab algn="l" pos="0"/>
+              </a:tabLst>
               <a:defRPr b="0" lang="pt-BR" sz="1400" strike="noStrike" u="none">
                 <a:solidFill>
                   <a:srgbClr val="000000"/>
@@ -1894,7 +2282,13 @@
           </a:lstStyle>
           <a:p>
             <a:pPr indent="0" algn="ctr">
-              <a:buNone/>
+              <a:lnSpc>
+                <a:spcPct val="100000"/>
+              </a:lnSpc>
+              <a:buNone/>
+              <a:tabLst>
+                <a:tab algn="l" pos="0"/>
+              </a:tabLst>
             </a:pPr>
             <a:r>
               <a:rPr b="0" lang="pt-BR" sz="1400" strike="noStrike" u="none">
@@ -1920,18 +2314,18 @@
       </p:sp>
       <p:sp>
         <p:nvSpPr>
-          <p:cNvPr id="8" name="PlaceHolder 5"/>
+          <p:cNvPr id="14" name="PlaceHolder 5"/>
           <p:cNvSpPr>
             <a:spLocks noGrp="1"/>
           </p:cNvSpPr>
           <p:nvPr>
-            <p:ph type="sldNum" idx="6"/>
+            <p:ph type="sldNum" idx="9"/>
           </p:nvPr>
         </p:nvSpPr>
         <p:spPr>
           <a:xfrm>
             <a:off x="6553080" y="6356520"/>
-            <a:ext cx="2133360" cy="364680"/>
+            <a:ext cx="2131920" cy="363240"/>
           </a:xfrm>
           <a:prstGeom prst="rect">
             <a:avLst/>
@@ -1951,6 +2345,9 @@
                 <a:spcPct val="100000"/>
               </a:lnSpc>
               <a:buNone/>
+              <a:tabLst>
+                <a:tab algn="l" pos="0"/>
+              </a:tabLst>
               <a:defRPr b="0" lang="en-US" sz="1200" strike="noStrike" u="none">
                 <a:solidFill>
                   <a:schemeClr val="dk1">
@@ -1969,8 +2366,11 @@
                 <a:spcPct val="100000"/>
               </a:lnSpc>
               <a:buNone/>
-            </a:pPr>
-            <a:fld id="{6019D064-0570-427A-B11D-6DF6DE5E6568}" type="slidenum">
+              <a:tabLst>
+                <a:tab algn="l" pos="0"/>
+              </a:tabLst>
+            </a:pPr>
+            <a:fld id="{B9C6B8D1-616B-4AF3-9930-3584619EC818}" type="slidenum">
               <a:rPr b="0" lang="en-US" sz="1200" strike="noStrike" u="none">
                 <a:solidFill>
                   <a:schemeClr val="dk1">
@@ -1999,7 +2399,7 @@
 </p:sldLayout>
 </file>
 
-<file path=ppt/slideLayouts/slideLayout3.xml><?xml version="1.0" encoding="utf-8"?>
+<file path=ppt/slideLayouts/slideLayout4.xml><?xml version="1.0" encoding="utf-8"?>
 <p:sldLayout xmlns:a="http://schemas.openxmlformats.org/drawingml/2006/main" xmlns:p="http://schemas.openxmlformats.org/presentationml/2006/main" xmlns:r="http://schemas.openxmlformats.org/officeDocument/2006/relationships" xmlns:p14="http://schemas.microsoft.com/office/powerpoint/2010/main" xmlns:p15="http://schemas.microsoft.com/office/powerpoint/2012/main" xmlns:mc="http://schemas.openxmlformats.org/markup-compatibility/2006" type="vertTitleAndTx" preserve="1">
   <p:cSld name="Vertical Title and Text">
     <p:bg>
@@ -2025,7 +2425,7 @@
       </p:grpSpPr>
       <p:sp>
         <p:nvSpPr>
-          <p:cNvPr id="9" name="PlaceHolder 1"/>
+          <p:cNvPr id="15" name="PlaceHolder 1"/>
           <p:cNvSpPr>
             <a:spLocks noGrp="1"/>
           </p:cNvSpPr>
@@ -2036,7 +2436,7 @@
         <p:spPr>
           <a:xfrm>
             <a:off x="6629400" y="274680"/>
-            <a:ext cx="2057040" cy="5851080"/>
+            <a:ext cx="2055600" cy="5849640"/>
           </a:xfrm>
           <a:prstGeom prst="rect">
             <a:avLst/>
@@ -2056,6 +2456,9 @@
                 <a:spcPct val="100000"/>
               </a:lnSpc>
               <a:buNone/>
+              <a:tabLst>
+                <a:tab algn="l" pos="0"/>
+              </a:tabLst>
             </a:pPr>
             <a:r>
               <a:rPr b="0" lang="en-US" sz="4400" strike="noStrike" u="none">
@@ -2068,20 +2471,20 @@
               </a:rPr>
               <a:t>Click to edit Master title style</a:t>
             </a:r>
-            <a:endParaRPr b="0" lang="en-US" sz="4400" strike="noStrike" u="none">
-              <a:solidFill>
-                <a:schemeClr val="dk1"/>
-              </a:solidFill>
-              <a:effectLst/>
-              <a:uFillTx/>
-              <a:latin typeface="Calibri"/>
+            <a:endParaRPr b="0" lang="pt-BR" sz="4400" strike="noStrike" u="none">
+              <a:solidFill>
+                <a:srgbClr val="000000"/>
+              </a:solidFill>
+              <a:effectLst/>
+              <a:uFillTx/>
+              <a:latin typeface="Arial"/>
             </a:endParaRPr>
           </a:p>
         </p:txBody>
       </p:sp>
       <p:sp>
         <p:nvSpPr>
-          <p:cNvPr id="10" name="PlaceHolder 2"/>
+          <p:cNvPr id="16" name="PlaceHolder 2"/>
           <p:cNvSpPr>
             <a:spLocks noGrp="1"/>
           </p:cNvSpPr>
@@ -2092,7 +2495,7 @@
         <p:spPr>
           <a:xfrm>
             <a:off x="457200" y="274680"/>
-            <a:ext cx="6019560" cy="5851080"/>
+            <a:ext cx="6018120" cy="5849640"/>
           </a:xfrm>
           <a:prstGeom prst="rect">
             <a:avLst/>
@@ -2131,13 +2534,13 @@
               </a:rPr>
               <a:t>Click to edit Master text styles</a:t>
             </a:r>
-            <a:endParaRPr b="0" lang="en-US" sz="3200" strike="noStrike" u="none">
-              <a:solidFill>
-                <a:schemeClr val="dk1"/>
-              </a:solidFill>
-              <a:effectLst/>
-              <a:uFillTx/>
-              <a:latin typeface="Calibri"/>
+            <a:endParaRPr b="0" lang="pt-BR" sz="3200" strike="noStrike" u="none">
+              <a:solidFill>
+                <a:srgbClr val="000000"/>
+              </a:solidFill>
+              <a:effectLst/>
+              <a:uFillTx/>
+              <a:latin typeface="Arial"/>
             </a:endParaRPr>
           </a:p>
           <a:p>
@@ -2165,13 +2568,13 @@
               </a:rPr>
               <a:t>Second level</a:t>
             </a:r>
-            <a:endParaRPr b="0" lang="en-US" sz="2800" strike="noStrike" u="none">
-              <a:solidFill>
-                <a:schemeClr val="dk1"/>
-              </a:solidFill>
-              <a:effectLst/>
-              <a:uFillTx/>
-              <a:latin typeface="Calibri"/>
+            <a:endParaRPr b="0" lang="pt-BR" sz="2800" strike="noStrike" u="none">
+              <a:solidFill>
+                <a:srgbClr val="000000"/>
+              </a:solidFill>
+              <a:effectLst/>
+              <a:uFillTx/>
+              <a:latin typeface="Arial"/>
             </a:endParaRPr>
           </a:p>
           <a:p>
@@ -2199,13 +2602,13 @@
               </a:rPr>
               <a:t>Third level</a:t>
             </a:r>
-            <a:endParaRPr b="0" lang="en-US" sz="2400" strike="noStrike" u="none">
-              <a:solidFill>
-                <a:schemeClr val="dk1"/>
-              </a:solidFill>
-              <a:effectLst/>
-              <a:uFillTx/>
-              <a:latin typeface="Calibri"/>
+            <a:endParaRPr b="0" lang="pt-BR" sz="2400" strike="noStrike" u="none">
+              <a:solidFill>
+                <a:srgbClr val="000000"/>
+              </a:solidFill>
+              <a:effectLst/>
+              <a:uFillTx/>
+              <a:latin typeface="Arial"/>
             </a:endParaRPr>
           </a:p>
           <a:p>
@@ -2233,13 +2636,13 @@
               </a:rPr>
               <a:t>Fourth level</a:t>
             </a:r>
-            <a:endParaRPr b="0" lang="en-US" sz="2000" strike="noStrike" u="none">
-              <a:solidFill>
-                <a:schemeClr val="dk1"/>
-              </a:solidFill>
-              <a:effectLst/>
-              <a:uFillTx/>
-              <a:latin typeface="Calibri"/>
+            <a:endParaRPr b="0" lang="pt-BR" sz="2000" strike="noStrike" u="none">
+              <a:solidFill>
+                <a:srgbClr val="000000"/>
+              </a:solidFill>
+              <a:effectLst/>
+              <a:uFillTx/>
+              <a:latin typeface="Arial"/>
             </a:endParaRPr>
           </a:p>
           <a:p>
@@ -2267,31 +2670,31 @@
               </a:rPr>
               <a:t>Fifth level</a:t>
             </a:r>
-            <a:endParaRPr b="0" lang="en-US" sz="2000" strike="noStrike" u="none">
-              <a:solidFill>
-                <a:schemeClr val="dk1"/>
-              </a:solidFill>
-              <a:effectLst/>
-              <a:uFillTx/>
-              <a:latin typeface="Calibri"/>
+            <a:endParaRPr b="0" lang="pt-BR" sz="2000" strike="noStrike" u="none">
+              <a:solidFill>
+                <a:srgbClr val="000000"/>
+              </a:solidFill>
+              <a:effectLst/>
+              <a:uFillTx/>
+              <a:latin typeface="Arial"/>
             </a:endParaRPr>
           </a:p>
         </p:txBody>
       </p:sp>
       <p:sp>
         <p:nvSpPr>
-          <p:cNvPr id="11" name="PlaceHolder 3"/>
+          <p:cNvPr id="17" name="PlaceHolder 3"/>
           <p:cNvSpPr>
             <a:spLocks noGrp="1"/>
           </p:cNvSpPr>
           <p:nvPr>
-            <p:ph type="dt" idx="7"/>
+            <p:ph type="dt" idx="10"/>
           </p:nvPr>
         </p:nvSpPr>
         <p:spPr>
           <a:xfrm>
             <a:off x="457200" y="6356520"/>
-            <a:ext cx="2133360" cy="364680"/>
+            <a:ext cx="2131920" cy="363240"/>
           </a:xfrm>
           <a:prstGeom prst="rect">
             <a:avLst/>
@@ -2311,6 +2714,9 @@
                 <a:spcPct val="100000"/>
               </a:lnSpc>
               <a:buNone/>
+              <a:tabLst>
+                <a:tab algn="l" pos="0"/>
+              </a:tabLst>
               <a:defRPr b="0" lang="en-US" sz="1200" strike="noStrike" u="none">
                 <a:solidFill>
                   <a:schemeClr val="dk1">
@@ -2329,6 +2735,9 @@
                 <a:spcPct val="100000"/>
               </a:lnSpc>
               <a:buNone/>
+              <a:tabLst>
+                <a:tab algn="l" pos="0"/>
+              </a:tabLst>
             </a:pPr>
             <a:r>
               <a:rPr b="0" lang="en-US" sz="1200" strike="noStrike" u="none">
@@ -2356,18 +2765,18 @@
       </p:sp>
       <p:sp>
         <p:nvSpPr>
-          <p:cNvPr id="12" name="PlaceHolder 4"/>
+          <p:cNvPr id="18" name="PlaceHolder 4"/>
           <p:cNvSpPr>
             <a:spLocks noGrp="1"/>
           </p:cNvSpPr>
           <p:nvPr>
-            <p:ph type="ftr" idx="8"/>
+            <p:ph type="ftr" idx="11"/>
           </p:nvPr>
         </p:nvSpPr>
         <p:spPr>
           <a:xfrm>
             <a:off x="3124080" y="6356520"/>
-            <a:ext cx="2895120" cy="364680"/>
+            <a:ext cx="2893680" cy="363240"/>
           </a:xfrm>
           <a:prstGeom prst="rect">
             <a:avLst/>
@@ -2383,7 +2792,13 @@
           </a:bodyPr>
           <a:lstStyle>
             <a:lvl1pPr indent="0" algn="ctr">
-              <a:buNone/>
+              <a:lnSpc>
+                <a:spcPct val="100000"/>
+              </a:lnSpc>
+              <a:buNone/>
+              <a:tabLst>
+                <a:tab algn="l" pos="0"/>
+              </a:tabLst>
               <a:defRPr b="0" lang="pt-BR" sz="1400" strike="noStrike" u="none">
                 <a:solidFill>
                   <a:srgbClr val="000000"/>
@@ -2396,7 +2811,13 @@
           </a:lstStyle>
           <a:p>
             <a:pPr indent="0" algn="ctr">
-              <a:buNone/>
+              <a:lnSpc>
+                <a:spcPct val="100000"/>
+              </a:lnSpc>
+              <a:buNone/>
+              <a:tabLst>
+                <a:tab algn="l" pos="0"/>
+              </a:tabLst>
             </a:pPr>
             <a:r>
               <a:rPr b="0" lang="pt-BR" sz="1400" strike="noStrike" u="none">
@@ -2422,18 +2843,18 @@
       </p:sp>
       <p:sp>
         <p:nvSpPr>
-          <p:cNvPr id="13" name="PlaceHolder 5"/>
+          <p:cNvPr id="19" name="PlaceHolder 5"/>
           <p:cNvSpPr>
             <a:spLocks noGrp="1"/>
           </p:cNvSpPr>
           <p:nvPr>
-            <p:ph type="sldNum" idx="9"/>
+            <p:ph type="sldNum" idx="12"/>
           </p:nvPr>
         </p:nvSpPr>
         <p:spPr>
           <a:xfrm>
             <a:off x="6553080" y="6356520"/>
-            <a:ext cx="2133360" cy="364680"/>
+            <a:ext cx="2131920" cy="363240"/>
           </a:xfrm>
           <a:prstGeom prst="rect">
             <a:avLst/>
@@ -2453,6 +2874,9 @@
                 <a:spcPct val="100000"/>
               </a:lnSpc>
               <a:buNone/>
+              <a:tabLst>
+                <a:tab algn="l" pos="0"/>
+              </a:tabLst>
               <a:defRPr b="0" lang="en-US" sz="1200" strike="noStrike" u="none">
                 <a:solidFill>
                   <a:schemeClr val="dk1">
@@ -2471,8 +2895,11 @@
                 <a:spcPct val="100000"/>
               </a:lnSpc>
               <a:buNone/>
-            </a:pPr>
-            <a:fld id="{230A36AD-0F5A-4E19-BE90-4258DF4D2148}" type="slidenum">
+              <a:tabLst>
+                <a:tab algn="l" pos="0"/>
+              </a:tabLst>
+            </a:pPr>
+            <a:fld id="{8129D6CA-ED4A-4DEE-9D69-E7067BB1A769}" type="slidenum">
               <a:rPr b="0" lang="en-US" sz="1200" strike="noStrike" u="none">
                 <a:solidFill>
                   <a:schemeClr val="dk1">
@@ -2501,7 +2928,7 @@
 </p:sldLayout>
 </file>
 
-<file path=ppt/slideLayouts/slideLayout4.xml><?xml version="1.0" encoding="utf-8"?>
+<file path=ppt/slideLayouts/slideLayout5.xml><?xml version="1.0" encoding="utf-8"?>
 <p:sldLayout xmlns:a="http://schemas.openxmlformats.org/drawingml/2006/main" xmlns:p="http://schemas.openxmlformats.org/presentationml/2006/main" xmlns:r="http://schemas.openxmlformats.org/officeDocument/2006/relationships" xmlns:p14="http://schemas.microsoft.com/office/powerpoint/2010/main" xmlns:p15="http://schemas.microsoft.com/office/powerpoint/2012/main" xmlns:mc="http://schemas.openxmlformats.org/markup-compatibility/2006" type="obj" preserve="1">
   <p:cSld name="Title and Content">
     <p:bg>
@@ -2527,7 +2954,7 @@
       </p:grpSpPr>
       <p:sp>
         <p:nvSpPr>
-          <p:cNvPr id="14" name="PlaceHolder 1"/>
+          <p:cNvPr id="20" name="PlaceHolder 1"/>
           <p:cNvSpPr>
             <a:spLocks noGrp="1"/>
           </p:cNvSpPr>
@@ -2538,7 +2965,7 @@
         <p:spPr>
           <a:xfrm>
             <a:off x="457200" y="274680"/>
-            <a:ext cx="8229240" cy="1142640"/>
+            <a:ext cx="8227800" cy="1141200"/>
           </a:xfrm>
           <a:prstGeom prst="rect">
             <a:avLst/>
@@ -2558,6 +2985,9 @@
                 <a:spcPct val="100000"/>
               </a:lnSpc>
               <a:buNone/>
+              <a:tabLst>
+                <a:tab algn="l" pos="0"/>
+              </a:tabLst>
             </a:pPr>
             <a:r>
               <a:rPr b="0" lang="en-US" sz="4400" strike="noStrike" u="none">
@@ -2570,20 +3000,20 @@
               </a:rPr>
               <a:t>Click to edit Master title style</a:t>
             </a:r>
-            <a:endParaRPr b="0" lang="en-US" sz="4400" strike="noStrike" u="none">
-              <a:solidFill>
-                <a:schemeClr val="dk1"/>
-              </a:solidFill>
-              <a:effectLst/>
-              <a:uFillTx/>
-              <a:latin typeface="Calibri"/>
+            <a:endParaRPr b="0" lang="pt-BR" sz="4400" strike="noStrike" u="none">
+              <a:solidFill>
+                <a:srgbClr val="000000"/>
+              </a:solidFill>
+              <a:effectLst/>
+              <a:uFillTx/>
+              <a:latin typeface="Arial"/>
             </a:endParaRPr>
           </a:p>
         </p:txBody>
       </p:sp>
       <p:sp>
         <p:nvSpPr>
-          <p:cNvPr id="15" name="PlaceHolder 2"/>
+          <p:cNvPr id="21" name="PlaceHolder 2"/>
           <p:cNvSpPr>
             <a:spLocks noGrp="1"/>
           </p:cNvSpPr>
@@ -2594,7 +3024,7 @@
         <p:spPr>
           <a:xfrm>
             <a:off x="457200" y="1600200"/>
-            <a:ext cx="8229240" cy="4525560"/>
+            <a:ext cx="8227800" cy="4524120"/>
           </a:xfrm>
           <a:prstGeom prst="rect">
             <a:avLst/>
@@ -2633,13 +3063,13 @@
               </a:rPr>
               <a:t>Click to edit Master text styles</a:t>
             </a:r>
-            <a:endParaRPr b="0" lang="en-US" sz="3200" strike="noStrike" u="none">
-              <a:solidFill>
-                <a:schemeClr val="dk1"/>
-              </a:solidFill>
-              <a:effectLst/>
-              <a:uFillTx/>
-              <a:latin typeface="Calibri"/>
+            <a:endParaRPr b="0" lang="pt-BR" sz="3200" strike="noStrike" u="none">
+              <a:solidFill>
+                <a:srgbClr val="000000"/>
+              </a:solidFill>
+              <a:effectLst/>
+              <a:uFillTx/>
+              <a:latin typeface="Arial"/>
             </a:endParaRPr>
           </a:p>
           <a:p>
@@ -2667,13 +3097,13 @@
               </a:rPr>
               <a:t>Second level</a:t>
             </a:r>
-            <a:endParaRPr b="0" lang="en-US" sz="2800" strike="noStrike" u="none">
-              <a:solidFill>
-                <a:schemeClr val="dk1"/>
-              </a:solidFill>
-              <a:effectLst/>
-              <a:uFillTx/>
-              <a:latin typeface="Calibri"/>
+            <a:endParaRPr b="0" lang="pt-BR" sz="2800" strike="noStrike" u="none">
+              <a:solidFill>
+                <a:srgbClr val="000000"/>
+              </a:solidFill>
+              <a:effectLst/>
+              <a:uFillTx/>
+              <a:latin typeface="Arial"/>
             </a:endParaRPr>
           </a:p>
           <a:p>
@@ -2701,13 +3131,13 @@
               </a:rPr>
               <a:t>Third level</a:t>
             </a:r>
-            <a:endParaRPr b="0" lang="en-US" sz="2400" strike="noStrike" u="none">
-              <a:solidFill>
-                <a:schemeClr val="dk1"/>
-              </a:solidFill>
-              <a:effectLst/>
-              <a:uFillTx/>
-              <a:latin typeface="Calibri"/>
+            <a:endParaRPr b="0" lang="pt-BR" sz="2400" strike="noStrike" u="none">
+              <a:solidFill>
+                <a:srgbClr val="000000"/>
+              </a:solidFill>
+              <a:effectLst/>
+              <a:uFillTx/>
+              <a:latin typeface="Arial"/>
             </a:endParaRPr>
           </a:p>
           <a:p>
@@ -2735,13 +3165,13 @@
               </a:rPr>
               <a:t>Fourth level</a:t>
             </a:r>
-            <a:endParaRPr b="0" lang="en-US" sz="2000" strike="noStrike" u="none">
-              <a:solidFill>
-                <a:schemeClr val="dk1"/>
-              </a:solidFill>
-              <a:effectLst/>
-              <a:uFillTx/>
-              <a:latin typeface="Calibri"/>
+            <a:endParaRPr b="0" lang="pt-BR" sz="2000" strike="noStrike" u="none">
+              <a:solidFill>
+                <a:srgbClr val="000000"/>
+              </a:solidFill>
+              <a:effectLst/>
+              <a:uFillTx/>
+              <a:latin typeface="Arial"/>
             </a:endParaRPr>
           </a:p>
           <a:p>
@@ -2769,31 +3199,31 @@
               </a:rPr>
               <a:t>Fifth level</a:t>
             </a:r>
-            <a:endParaRPr b="0" lang="en-US" sz="2000" strike="noStrike" u="none">
-              <a:solidFill>
-                <a:schemeClr val="dk1"/>
-              </a:solidFill>
-              <a:effectLst/>
-              <a:uFillTx/>
-              <a:latin typeface="Calibri"/>
+            <a:endParaRPr b="0" lang="pt-BR" sz="2000" strike="noStrike" u="none">
+              <a:solidFill>
+                <a:srgbClr val="000000"/>
+              </a:solidFill>
+              <a:effectLst/>
+              <a:uFillTx/>
+              <a:latin typeface="Arial"/>
             </a:endParaRPr>
           </a:p>
         </p:txBody>
       </p:sp>
       <p:sp>
         <p:nvSpPr>
-          <p:cNvPr id="16" name="PlaceHolder 3"/>
+          <p:cNvPr id="22" name="PlaceHolder 3"/>
           <p:cNvSpPr>
             <a:spLocks noGrp="1"/>
           </p:cNvSpPr>
           <p:nvPr>
-            <p:ph type="dt" idx="10"/>
+            <p:ph type="dt" idx="13"/>
           </p:nvPr>
         </p:nvSpPr>
         <p:spPr>
           <a:xfrm>
             <a:off x="457200" y="6356520"/>
-            <a:ext cx="2133360" cy="364680"/>
+            <a:ext cx="2131920" cy="363240"/>
           </a:xfrm>
           <a:prstGeom prst="rect">
             <a:avLst/>
@@ -2813,6 +3243,9 @@
                 <a:spcPct val="100000"/>
               </a:lnSpc>
               <a:buNone/>
+              <a:tabLst>
+                <a:tab algn="l" pos="0"/>
+              </a:tabLst>
               <a:defRPr b="0" lang="en-US" sz="1200" strike="noStrike" u="none">
                 <a:solidFill>
                   <a:schemeClr val="dk1">
@@ -2831,6 +3264,9 @@
                 <a:spcPct val="100000"/>
               </a:lnSpc>
               <a:buNone/>
+              <a:tabLst>
+                <a:tab algn="l" pos="0"/>
+              </a:tabLst>
             </a:pPr>
             <a:r>
               <a:rPr b="0" lang="en-US" sz="1200" strike="noStrike" u="none">
@@ -2858,18 +3294,18 @@
       </p:sp>
       <p:sp>
         <p:nvSpPr>
-          <p:cNvPr id="17" name="PlaceHolder 4"/>
+          <p:cNvPr id="23" name="PlaceHolder 4"/>
           <p:cNvSpPr>
             <a:spLocks noGrp="1"/>
           </p:cNvSpPr>
           <p:nvPr>
-            <p:ph type="ftr" idx="11"/>
+            <p:ph type="ftr" idx="14"/>
           </p:nvPr>
         </p:nvSpPr>
         <p:spPr>
           <a:xfrm>
             <a:off x="3124080" y="6356520"/>
-            <a:ext cx="2895120" cy="364680"/>
+            <a:ext cx="2893680" cy="363240"/>
           </a:xfrm>
           <a:prstGeom prst="rect">
             <a:avLst/>
@@ -2885,7 +3321,13 @@
           </a:bodyPr>
           <a:lstStyle>
             <a:lvl1pPr indent="0" algn="ctr">
-              <a:buNone/>
+              <a:lnSpc>
+                <a:spcPct val="100000"/>
+              </a:lnSpc>
+              <a:buNone/>
+              <a:tabLst>
+                <a:tab algn="l" pos="0"/>
+              </a:tabLst>
               <a:defRPr b="0" lang="pt-BR" sz="1400" strike="noStrike" u="none">
                 <a:solidFill>
                   <a:srgbClr val="000000"/>
@@ -2898,7 +3340,13 @@
           </a:lstStyle>
           <a:p>
             <a:pPr indent="0" algn="ctr">
-              <a:buNone/>
+              <a:lnSpc>
+                <a:spcPct val="100000"/>
+              </a:lnSpc>
+              <a:buNone/>
+              <a:tabLst>
+                <a:tab algn="l" pos="0"/>
+              </a:tabLst>
             </a:pPr>
             <a:r>
               <a:rPr b="0" lang="pt-BR" sz="1400" strike="noStrike" u="none">
@@ -2924,18 +3372,18 @@
       </p:sp>
       <p:sp>
         <p:nvSpPr>
-          <p:cNvPr id="18" name="PlaceHolder 5"/>
+          <p:cNvPr id="24" name="PlaceHolder 5"/>
           <p:cNvSpPr>
             <a:spLocks noGrp="1"/>
           </p:cNvSpPr>
           <p:nvPr>
-            <p:ph type="sldNum" idx="12"/>
+            <p:ph type="sldNum" idx="15"/>
           </p:nvPr>
         </p:nvSpPr>
         <p:spPr>
           <a:xfrm>
             <a:off x="6553080" y="6356520"/>
-            <a:ext cx="2133360" cy="364680"/>
+            <a:ext cx="2131920" cy="363240"/>
           </a:xfrm>
           <a:prstGeom prst="rect">
             <a:avLst/>
@@ -2955,6 +3403,9 @@
                 <a:spcPct val="100000"/>
               </a:lnSpc>
               <a:buNone/>
+              <a:tabLst>
+                <a:tab algn="l" pos="0"/>
+              </a:tabLst>
               <a:defRPr b="0" lang="en-US" sz="1200" strike="noStrike" u="none">
                 <a:solidFill>
                   <a:schemeClr val="dk1">
@@ -2973,8 +3424,11 @@
                 <a:spcPct val="100000"/>
               </a:lnSpc>
               <a:buNone/>
-            </a:pPr>
-            <a:fld id="{8ED7A20E-8742-41A9-86B4-9B43F462C740}" type="slidenum">
+              <a:tabLst>
+                <a:tab algn="l" pos="0"/>
+              </a:tabLst>
+            </a:pPr>
+            <a:fld id="{8CB136EB-D7E9-4D0A-AFC7-3653CAE07FF3}" type="slidenum">
               <a:rPr b="0" lang="en-US" sz="1200" strike="noStrike" u="none">
                 <a:solidFill>
                   <a:schemeClr val="dk1">
@@ -3003,7 +3457,7 @@
 </p:sldLayout>
 </file>
 
-<file path=ppt/slideLayouts/slideLayout5.xml><?xml version="1.0" encoding="utf-8"?>
+<file path=ppt/slideLayouts/slideLayout6.xml><?xml version="1.0" encoding="utf-8"?>
 <p:sldLayout xmlns:a="http://schemas.openxmlformats.org/drawingml/2006/main" xmlns:p="http://schemas.openxmlformats.org/presentationml/2006/main" xmlns:r="http://schemas.openxmlformats.org/officeDocument/2006/relationships" xmlns:p14="http://schemas.microsoft.com/office/powerpoint/2010/main" xmlns:p15="http://schemas.microsoft.com/office/powerpoint/2012/main" xmlns:mc="http://schemas.openxmlformats.org/markup-compatibility/2006" type="blank" preserve="1">
   <p:cSld name="Section Header">
     <p:bg>
@@ -3029,7 +3483,7 @@
       </p:grpSpPr>
       <p:sp>
         <p:nvSpPr>
-          <p:cNvPr id="19" name="PlaceHolder 1"/>
+          <p:cNvPr id="25" name="PlaceHolder 1"/>
           <p:cNvSpPr>
             <a:spLocks noGrp="1"/>
           </p:cNvSpPr>
@@ -3040,7 +3494,7 @@
         <p:spPr>
           <a:xfrm>
             <a:off x="722160" y="4406760"/>
-            <a:ext cx="7772040" cy="1361880"/>
+            <a:ext cx="7770600" cy="1360440"/>
           </a:xfrm>
           <a:prstGeom prst="rect">
             <a:avLst/>
@@ -3060,6 +3514,9 @@
                 <a:spcPct val="100000"/>
               </a:lnSpc>
               <a:buNone/>
+              <a:tabLst>
+                <a:tab algn="l" pos="0"/>
+              </a:tabLst>
             </a:pPr>
             <a:r>
               <a:rPr b="1" lang="en-US" sz="4000" strike="noStrike" u="none" cap="all">
@@ -3072,20 +3529,20 @@
               </a:rPr>
               <a:t>Click to edit Master title style</a:t>
             </a:r>
-            <a:endParaRPr b="0" lang="en-US" sz="4000" strike="noStrike" u="none">
-              <a:solidFill>
-                <a:schemeClr val="dk1"/>
-              </a:solidFill>
-              <a:effectLst/>
-              <a:uFillTx/>
-              <a:latin typeface="Calibri"/>
+            <a:endParaRPr b="0" lang="pt-BR" sz="4000" strike="noStrike" u="none">
+              <a:solidFill>
+                <a:srgbClr val="000000"/>
+              </a:solidFill>
+              <a:effectLst/>
+              <a:uFillTx/>
+              <a:latin typeface="Arial"/>
             </a:endParaRPr>
           </a:p>
         </p:txBody>
       </p:sp>
       <p:sp>
         <p:nvSpPr>
-          <p:cNvPr id="20" name="PlaceHolder 2"/>
+          <p:cNvPr id="26" name="PlaceHolder 2"/>
           <p:cNvSpPr>
             <a:spLocks noGrp="1"/>
           </p:cNvSpPr>
@@ -3096,7 +3553,7 @@
         <p:spPr>
           <a:xfrm>
             <a:off x="722160" y="2906640"/>
-            <a:ext cx="7772040" cy="1499760"/>
+            <a:ext cx="7770600" cy="1498320"/>
           </a:xfrm>
           <a:prstGeom prst="rect">
             <a:avLst/>
@@ -3136,31 +3593,31 @@
               </a:rPr>
               <a:t>Click to edit Master text styles</a:t>
             </a:r>
-            <a:endParaRPr b="0" lang="en-US" sz="2000" strike="noStrike" u="none">
-              <a:solidFill>
-                <a:schemeClr val="dk1"/>
-              </a:solidFill>
-              <a:effectLst/>
-              <a:uFillTx/>
-              <a:latin typeface="Calibri"/>
+            <a:endParaRPr b="0" lang="pt-BR" sz="2000" strike="noStrike" u="none">
+              <a:solidFill>
+                <a:srgbClr val="000000"/>
+              </a:solidFill>
+              <a:effectLst/>
+              <a:uFillTx/>
+              <a:latin typeface="Arial"/>
             </a:endParaRPr>
           </a:p>
         </p:txBody>
       </p:sp>
       <p:sp>
         <p:nvSpPr>
-          <p:cNvPr id="21" name="PlaceHolder 3"/>
+          <p:cNvPr id="27" name="PlaceHolder 3"/>
           <p:cNvSpPr>
             <a:spLocks noGrp="1"/>
           </p:cNvSpPr>
           <p:nvPr>
-            <p:ph type="dt" idx="13"/>
+            <p:ph type="dt" idx="16"/>
           </p:nvPr>
         </p:nvSpPr>
         <p:spPr>
           <a:xfrm>
             <a:off x="457200" y="6356520"/>
-            <a:ext cx="2133360" cy="364680"/>
+            <a:ext cx="2131920" cy="363240"/>
           </a:xfrm>
           <a:prstGeom prst="rect">
             <a:avLst/>
@@ -3180,6 +3637,9 @@
                 <a:spcPct val="100000"/>
               </a:lnSpc>
               <a:buNone/>
+              <a:tabLst>
+                <a:tab algn="l" pos="0"/>
+              </a:tabLst>
               <a:defRPr b="0" lang="en-US" sz="1200" strike="noStrike" u="none">
                 <a:solidFill>
                   <a:schemeClr val="dk1">
@@ -3198,6 +3658,9 @@
                 <a:spcPct val="100000"/>
               </a:lnSpc>
               <a:buNone/>
+              <a:tabLst>
+                <a:tab algn="l" pos="0"/>
+              </a:tabLst>
             </a:pPr>
             <a:r>
               <a:rPr b="0" lang="en-US" sz="1200" strike="noStrike" u="none">
@@ -3225,18 +3688,18 @@
       </p:sp>
       <p:sp>
         <p:nvSpPr>
-          <p:cNvPr id="22" name="PlaceHolder 4"/>
+          <p:cNvPr id="28" name="PlaceHolder 4"/>
           <p:cNvSpPr>
             <a:spLocks noGrp="1"/>
           </p:cNvSpPr>
           <p:nvPr>
-            <p:ph type="ftr" idx="14"/>
+            <p:ph type="ftr" idx="17"/>
           </p:nvPr>
         </p:nvSpPr>
         <p:spPr>
           <a:xfrm>
             <a:off x="3124080" y="6356520"/>
-            <a:ext cx="2895120" cy="364680"/>
+            <a:ext cx="2893680" cy="363240"/>
           </a:xfrm>
           <a:prstGeom prst="rect">
             <a:avLst/>
@@ -3252,7 +3715,13 @@
           </a:bodyPr>
           <a:lstStyle>
             <a:lvl1pPr indent="0" algn="ctr">
-              <a:buNone/>
+              <a:lnSpc>
+                <a:spcPct val="100000"/>
+              </a:lnSpc>
+              <a:buNone/>
+              <a:tabLst>
+                <a:tab algn="l" pos="0"/>
+              </a:tabLst>
               <a:defRPr b="0" lang="pt-BR" sz="1400" strike="noStrike" u="none">
                 <a:solidFill>
                   <a:srgbClr val="000000"/>
@@ -3265,7 +3734,13 @@
           </a:lstStyle>
           <a:p>
             <a:pPr indent="0" algn="ctr">
-              <a:buNone/>
+              <a:lnSpc>
+                <a:spcPct val="100000"/>
+              </a:lnSpc>
+              <a:buNone/>
+              <a:tabLst>
+                <a:tab algn="l" pos="0"/>
+              </a:tabLst>
             </a:pPr>
             <a:r>
               <a:rPr b="0" lang="pt-BR" sz="1400" strike="noStrike" u="none">
@@ -3291,18 +3766,18 @@
       </p:sp>
       <p:sp>
         <p:nvSpPr>
-          <p:cNvPr id="23" name="PlaceHolder 5"/>
+          <p:cNvPr id="29" name="PlaceHolder 5"/>
           <p:cNvSpPr>
             <a:spLocks noGrp="1"/>
           </p:cNvSpPr>
           <p:nvPr>
-            <p:ph type="sldNum" idx="15"/>
+            <p:ph type="sldNum" idx="18"/>
           </p:nvPr>
         </p:nvSpPr>
         <p:spPr>
           <a:xfrm>
             <a:off x="6553080" y="6356520"/>
-            <a:ext cx="2133360" cy="364680"/>
+            <a:ext cx="2131920" cy="363240"/>
           </a:xfrm>
           <a:prstGeom prst="rect">
             <a:avLst/>
@@ -3322,6 +3797,9 @@
                 <a:spcPct val="100000"/>
               </a:lnSpc>
               <a:buNone/>
+              <a:tabLst>
+                <a:tab algn="l" pos="0"/>
+              </a:tabLst>
               <a:defRPr b="0" lang="en-US" sz="1200" strike="noStrike" u="none">
                 <a:solidFill>
                   <a:schemeClr val="dk1">
@@ -3340,709 +3818,11 @@
                 <a:spcPct val="100000"/>
               </a:lnSpc>
               <a:buNone/>
-            </a:pPr>
-            <a:fld id="{E6DAAED6-B075-4ED4-985F-7728EEB36A57}" type="slidenum">
-              <a:rPr b="0" lang="en-US" sz="1200" strike="noStrike" u="none">
-                <a:solidFill>
-                  <a:schemeClr val="dk1">
-                    <a:tint val="75000"/>
-                  </a:schemeClr>
-                </a:solidFill>
-                <a:effectLst/>
-                <a:uFillTx/>
-                <a:latin typeface="Calibri"/>
-              </a:rPr>
-              <a:t>&lt;número&gt;</a:t>
-            </a:fld>
-            <a:endParaRPr b="0" lang="pt-BR" sz="1200" strike="noStrike" u="none">
-              <a:solidFill>
-                <a:srgbClr val="000000"/>
-              </a:solidFill>
-              <a:effectLst/>
-              <a:uFillTx/>
-              <a:latin typeface="Times New Roman"/>
-            </a:endParaRPr>
-          </a:p>
-        </p:txBody>
-      </p:sp>
-    </p:spTree>
-  </p:cSld>
-</p:sldLayout>
-</file>
-
-<file path=ppt/slideLayouts/slideLayout6.xml><?xml version="1.0" encoding="utf-8"?>
-<p:sldLayout xmlns:a="http://schemas.openxmlformats.org/drawingml/2006/main" xmlns:p="http://schemas.openxmlformats.org/presentationml/2006/main" xmlns:r="http://schemas.openxmlformats.org/officeDocument/2006/relationships" xmlns:p14="http://schemas.microsoft.com/office/powerpoint/2010/main" xmlns:p15="http://schemas.microsoft.com/office/powerpoint/2012/main" xmlns:mc="http://schemas.openxmlformats.org/markup-compatibility/2006" type="twoObj" preserve="1">
-  <p:cSld name="Two Content">
-    <p:bg>
-      <p:bgPr>
-        <a:solidFill>
-          <a:srgbClr val="ffffff"/>
-        </a:solidFill>
-      </p:bgPr>
-    </p:bg>
-    <p:spTree>
-      <p:nvGrpSpPr>
-        <p:cNvPr id="1" name=""/>
-        <p:cNvGrpSpPr/>
-        <p:nvPr/>
-      </p:nvGrpSpPr>
-      <p:grpSpPr>
-        <a:xfrm>
-          <a:off x="0" y="0"/>
-          <a:ext cx="0" cy="0"/>
-          <a:chOff x="0" y="0"/>
-          <a:chExt cx="0" cy="0"/>
-        </a:xfrm>
-      </p:grpSpPr>
-      <p:sp>
-        <p:nvSpPr>
-          <p:cNvPr id="24" name="PlaceHolder 1"/>
-          <p:cNvSpPr>
-            <a:spLocks noGrp="1"/>
-          </p:cNvSpPr>
-          <p:nvPr>
-            <p:ph type="title"/>
-          </p:nvPr>
-        </p:nvSpPr>
-        <p:spPr>
-          <a:xfrm>
-            <a:off x="457200" y="274680"/>
-            <a:ext cx="8229240" cy="1142640"/>
-          </a:xfrm>
-          <a:prstGeom prst="rect">
-            <a:avLst/>
-          </a:prstGeom>
-          <a:noFill/>
-          <a:ln w="0">
-            <a:noFill/>
-          </a:ln>
-        </p:spPr>
-        <p:txBody>
-          <a:bodyPr lIns="91440" rIns="91440" tIns="45720" bIns="45720" anchor="ctr">
-            <a:noAutofit/>
-          </a:bodyPr>
-          <a:p>
-            <a:pPr indent="0" algn="ctr" defTabSz="914400">
-              <a:lnSpc>
-                <a:spcPct val="100000"/>
-              </a:lnSpc>
-              <a:buNone/>
-            </a:pPr>
-            <a:r>
-              <a:rPr b="0" lang="en-US" sz="4400" strike="noStrike" u="none">
-                <a:solidFill>
-                  <a:schemeClr val="dk1"/>
-                </a:solidFill>
-                <a:effectLst/>
-                <a:uFillTx/>
-                <a:latin typeface="Calibri"/>
-              </a:rPr>
-              <a:t>Click to edit Master title style</a:t>
-            </a:r>
-            <a:endParaRPr b="0" lang="en-US" sz="4400" strike="noStrike" u="none">
-              <a:solidFill>
-                <a:schemeClr val="dk1"/>
-              </a:solidFill>
-              <a:effectLst/>
-              <a:uFillTx/>
-              <a:latin typeface="Calibri"/>
-            </a:endParaRPr>
-          </a:p>
-        </p:txBody>
-      </p:sp>
-      <p:sp>
-        <p:nvSpPr>
-          <p:cNvPr id="25" name="PlaceHolder 2"/>
-          <p:cNvSpPr>
-            <a:spLocks noGrp="1"/>
-          </p:cNvSpPr>
-          <p:nvPr>
-            <p:ph type="body"/>
-          </p:nvPr>
-        </p:nvSpPr>
-        <p:spPr>
-          <a:xfrm>
-            <a:off x="457200" y="1600200"/>
-            <a:ext cx="4038120" cy="4525560"/>
-          </a:xfrm>
-          <a:prstGeom prst="rect">
-            <a:avLst/>
-          </a:prstGeom>
-          <a:noFill/>
-          <a:ln w="0">
-            <a:noFill/>
-          </a:ln>
-        </p:spPr>
-        <p:txBody>
-          <a:bodyPr lIns="91440" rIns="91440" tIns="45720" bIns="45720" anchor="t">
-            <a:noAutofit/>
-          </a:bodyPr>
-          <a:p>
-            <a:pPr marL="343080" indent="-343080" defTabSz="914400">
-              <a:lnSpc>
-                <a:spcPct val="100000"/>
-              </a:lnSpc>
-              <a:spcBef>
-                <a:spcPts val="561"/>
-              </a:spcBef>
-              <a:buClr>
-                <a:srgbClr val="000000"/>
-              </a:buClr>
-              <a:buFont typeface="Arial"/>
-              <a:buChar char="•"/>
-            </a:pPr>
-            <a:r>
-              <a:rPr b="0" lang="en-US" sz="2800" strike="noStrike" u="none">
-                <a:solidFill>
-                  <a:schemeClr val="dk1"/>
-                </a:solidFill>
-                <a:effectLst/>
-                <a:uFillTx/>
-                <a:latin typeface="Calibri"/>
-              </a:rPr>
-              <a:t>Click to edit Master text styles</a:t>
-            </a:r>
-            <a:endParaRPr b="0" lang="en-US" sz="2800" strike="noStrike" u="none">
-              <a:solidFill>
-                <a:schemeClr val="dk1"/>
-              </a:solidFill>
-              <a:effectLst/>
-              <a:uFillTx/>
-              <a:latin typeface="Calibri"/>
-            </a:endParaRPr>
-          </a:p>
-          <a:p>
-            <a:pPr lvl="1" marL="743040" indent="-285840" defTabSz="914400">
-              <a:lnSpc>
-                <a:spcPct val="100000"/>
-              </a:lnSpc>
-              <a:spcBef>
-                <a:spcPts val="479"/>
-              </a:spcBef>
-              <a:buClr>
-                <a:srgbClr val="000000"/>
-              </a:buClr>
-              <a:buFont typeface="Arial"/>
-              <a:buChar char="–"/>
-            </a:pPr>
-            <a:r>
-              <a:rPr b="0" lang="en-US" sz="2400" strike="noStrike" u="none">
-                <a:solidFill>
-                  <a:schemeClr val="dk1"/>
-                </a:solidFill>
-                <a:effectLst/>
-                <a:uFillTx/>
-                <a:latin typeface="Calibri"/>
-              </a:rPr>
-              <a:t>Second level</a:t>
-            </a:r>
-            <a:endParaRPr b="0" lang="en-US" sz="2400" strike="noStrike" u="none">
-              <a:solidFill>
-                <a:schemeClr val="dk1"/>
-              </a:solidFill>
-              <a:effectLst/>
-              <a:uFillTx/>
-              <a:latin typeface="Calibri"/>
-            </a:endParaRPr>
-          </a:p>
-          <a:p>
-            <a:pPr lvl="2" marL="1143000" indent="-228600" defTabSz="914400">
-              <a:lnSpc>
-                <a:spcPct val="100000"/>
-              </a:lnSpc>
-              <a:spcBef>
-                <a:spcPts val="400"/>
-              </a:spcBef>
-              <a:buClr>
-                <a:srgbClr val="000000"/>
-              </a:buClr>
-              <a:buFont typeface="Arial"/>
-              <a:buChar char="•"/>
-            </a:pPr>
-            <a:r>
-              <a:rPr b="0" lang="en-US" sz="2000" strike="noStrike" u="none">
-                <a:solidFill>
-                  <a:schemeClr val="dk1"/>
-                </a:solidFill>
-                <a:effectLst/>
-                <a:uFillTx/>
-                <a:latin typeface="Calibri"/>
-              </a:rPr>
-              <a:t>Third level</a:t>
-            </a:r>
-            <a:endParaRPr b="0" lang="en-US" sz="2000" strike="noStrike" u="none">
-              <a:solidFill>
-                <a:schemeClr val="dk1"/>
-              </a:solidFill>
-              <a:effectLst/>
-              <a:uFillTx/>
-              <a:latin typeface="Calibri"/>
-            </a:endParaRPr>
-          </a:p>
-          <a:p>
-            <a:pPr lvl="3" marL="1600200" indent="-228600" defTabSz="914400">
-              <a:lnSpc>
-                <a:spcPct val="100000"/>
-              </a:lnSpc>
-              <a:spcBef>
-                <a:spcPts val="360"/>
-              </a:spcBef>
-              <a:buClr>
-                <a:srgbClr val="000000"/>
-              </a:buClr>
-              <a:buFont typeface="Arial"/>
-              <a:buChar char="–"/>
-            </a:pPr>
-            <a:r>
-              <a:rPr b="0" lang="en-US" sz="1800" strike="noStrike" u="none">
-                <a:solidFill>
-                  <a:schemeClr val="dk1"/>
-                </a:solidFill>
-                <a:effectLst/>
-                <a:uFillTx/>
-                <a:latin typeface="Calibri"/>
-              </a:rPr>
-              <a:t>Fourth level</a:t>
-            </a:r>
-            <a:endParaRPr b="0" lang="en-US" sz="1800" strike="noStrike" u="none">
-              <a:solidFill>
-                <a:schemeClr val="dk1"/>
-              </a:solidFill>
-              <a:effectLst/>
-              <a:uFillTx/>
-              <a:latin typeface="Calibri"/>
-            </a:endParaRPr>
-          </a:p>
-          <a:p>
-            <a:pPr lvl="4" marL="2057400" indent="-228600" defTabSz="914400">
-              <a:lnSpc>
-                <a:spcPct val="100000"/>
-              </a:lnSpc>
-              <a:spcBef>
-                <a:spcPts val="360"/>
-              </a:spcBef>
-              <a:buClr>
-                <a:srgbClr val="000000"/>
-              </a:buClr>
-              <a:buFont typeface="Arial"/>
-              <a:buChar char="»"/>
-            </a:pPr>
-            <a:r>
-              <a:rPr b="0" lang="en-US" sz="1800" strike="noStrike" u="none">
-                <a:solidFill>
-                  <a:schemeClr val="dk1"/>
-                </a:solidFill>
-                <a:effectLst/>
-                <a:uFillTx/>
-                <a:latin typeface="Calibri"/>
-              </a:rPr>
-              <a:t>Fifth level</a:t>
-            </a:r>
-            <a:endParaRPr b="0" lang="en-US" sz="1800" strike="noStrike" u="none">
-              <a:solidFill>
-                <a:schemeClr val="dk1"/>
-              </a:solidFill>
-              <a:effectLst/>
-              <a:uFillTx/>
-              <a:latin typeface="Calibri"/>
-            </a:endParaRPr>
-          </a:p>
-        </p:txBody>
-      </p:sp>
-      <p:sp>
-        <p:nvSpPr>
-          <p:cNvPr id="26" name="PlaceHolder 3"/>
-          <p:cNvSpPr>
-            <a:spLocks noGrp="1"/>
-          </p:cNvSpPr>
-          <p:nvPr>
-            <p:ph type="body"/>
-          </p:nvPr>
-        </p:nvSpPr>
-        <p:spPr>
-          <a:xfrm>
-            <a:off x="4648320" y="1600200"/>
-            <a:ext cx="4038120" cy="4525560"/>
-          </a:xfrm>
-          <a:prstGeom prst="rect">
-            <a:avLst/>
-          </a:prstGeom>
-          <a:noFill/>
-          <a:ln w="0">
-            <a:noFill/>
-          </a:ln>
-        </p:spPr>
-        <p:txBody>
-          <a:bodyPr lIns="91440" rIns="91440" tIns="45720" bIns="45720" anchor="t">
-            <a:noAutofit/>
-          </a:bodyPr>
-          <a:p>
-            <a:pPr marL="343080" indent="-343080" defTabSz="914400">
-              <a:lnSpc>
-                <a:spcPct val="100000"/>
-              </a:lnSpc>
-              <a:spcBef>
-                <a:spcPts val="561"/>
-              </a:spcBef>
-              <a:buClr>
-                <a:srgbClr val="000000"/>
-              </a:buClr>
-              <a:buFont typeface="Arial"/>
-              <a:buChar char="•"/>
-            </a:pPr>
-            <a:r>
-              <a:rPr b="0" lang="en-US" sz="2800" strike="noStrike" u="none">
-                <a:solidFill>
-                  <a:schemeClr val="dk1"/>
-                </a:solidFill>
-                <a:effectLst/>
-                <a:uFillTx/>
-                <a:latin typeface="Calibri"/>
-              </a:rPr>
-              <a:t>Click to edit Master text styles</a:t>
-            </a:r>
-            <a:endParaRPr b="0" lang="en-US" sz="2800" strike="noStrike" u="none">
-              <a:solidFill>
-                <a:schemeClr val="dk1"/>
-              </a:solidFill>
-              <a:effectLst/>
-              <a:uFillTx/>
-              <a:latin typeface="Calibri"/>
-            </a:endParaRPr>
-          </a:p>
-          <a:p>
-            <a:pPr lvl="1" marL="743040" indent="-285840" defTabSz="914400">
-              <a:lnSpc>
-                <a:spcPct val="100000"/>
-              </a:lnSpc>
-              <a:spcBef>
-                <a:spcPts val="479"/>
-              </a:spcBef>
-              <a:buClr>
-                <a:srgbClr val="000000"/>
-              </a:buClr>
-              <a:buFont typeface="Arial"/>
-              <a:buChar char="–"/>
-            </a:pPr>
-            <a:r>
-              <a:rPr b="0" lang="en-US" sz="2400" strike="noStrike" u="none">
-                <a:solidFill>
-                  <a:schemeClr val="dk1"/>
-                </a:solidFill>
-                <a:effectLst/>
-                <a:uFillTx/>
-                <a:latin typeface="Calibri"/>
-              </a:rPr>
-              <a:t>Second level</a:t>
-            </a:r>
-            <a:endParaRPr b="0" lang="en-US" sz="2400" strike="noStrike" u="none">
-              <a:solidFill>
-                <a:schemeClr val="dk1"/>
-              </a:solidFill>
-              <a:effectLst/>
-              <a:uFillTx/>
-              <a:latin typeface="Calibri"/>
-            </a:endParaRPr>
-          </a:p>
-          <a:p>
-            <a:pPr lvl="2" marL="1143000" indent="-228600" defTabSz="914400">
-              <a:lnSpc>
-                <a:spcPct val="100000"/>
-              </a:lnSpc>
-              <a:spcBef>
-                <a:spcPts val="400"/>
-              </a:spcBef>
-              <a:buClr>
-                <a:srgbClr val="000000"/>
-              </a:buClr>
-              <a:buFont typeface="Arial"/>
-              <a:buChar char="•"/>
-            </a:pPr>
-            <a:r>
-              <a:rPr b="0" lang="en-US" sz="2000" strike="noStrike" u="none">
-                <a:solidFill>
-                  <a:schemeClr val="dk1"/>
-                </a:solidFill>
-                <a:effectLst/>
-                <a:uFillTx/>
-                <a:latin typeface="Calibri"/>
-              </a:rPr>
-              <a:t>Third level</a:t>
-            </a:r>
-            <a:endParaRPr b="0" lang="en-US" sz="2000" strike="noStrike" u="none">
-              <a:solidFill>
-                <a:schemeClr val="dk1"/>
-              </a:solidFill>
-              <a:effectLst/>
-              <a:uFillTx/>
-              <a:latin typeface="Calibri"/>
-            </a:endParaRPr>
-          </a:p>
-          <a:p>
-            <a:pPr lvl="3" marL="1600200" indent="-228600" defTabSz="914400">
-              <a:lnSpc>
-                <a:spcPct val="100000"/>
-              </a:lnSpc>
-              <a:spcBef>
-                <a:spcPts val="360"/>
-              </a:spcBef>
-              <a:buClr>
-                <a:srgbClr val="000000"/>
-              </a:buClr>
-              <a:buFont typeface="Arial"/>
-              <a:buChar char="–"/>
-            </a:pPr>
-            <a:r>
-              <a:rPr b="0" lang="en-US" sz="1800" strike="noStrike" u="none">
-                <a:solidFill>
-                  <a:schemeClr val="dk1"/>
-                </a:solidFill>
-                <a:effectLst/>
-                <a:uFillTx/>
-                <a:latin typeface="Calibri"/>
-              </a:rPr>
-              <a:t>Fourth level</a:t>
-            </a:r>
-            <a:endParaRPr b="0" lang="en-US" sz="1800" strike="noStrike" u="none">
-              <a:solidFill>
-                <a:schemeClr val="dk1"/>
-              </a:solidFill>
-              <a:effectLst/>
-              <a:uFillTx/>
-              <a:latin typeface="Calibri"/>
-            </a:endParaRPr>
-          </a:p>
-          <a:p>
-            <a:pPr lvl="4" marL="2057400" indent="-228600" defTabSz="914400">
-              <a:lnSpc>
-                <a:spcPct val="100000"/>
-              </a:lnSpc>
-              <a:spcBef>
-                <a:spcPts val="360"/>
-              </a:spcBef>
-              <a:buClr>
-                <a:srgbClr val="000000"/>
-              </a:buClr>
-              <a:buFont typeface="Arial"/>
-              <a:buChar char="»"/>
-            </a:pPr>
-            <a:r>
-              <a:rPr b="0" lang="en-US" sz="1800" strike="noStrike" u="none">
-                <a:solidFill>
-                  <a:schemeClr val="dk1"/>
-                </a:solidFill>
-                <a:effectLst/>
-                <a:uFillTx/>
-                <a:latin typeface="Calibri"/>
-              </a:rPr>
-              <a:t>Fifth level</a:t>
-            </a:r>
-            <a:endParaRPr b="0" lang="en-US" sz="1800" strike="noStrike" u="none">
-              <a:solidFill>
-                <a:schemeClr val="dk1"/>
-              </a:solidFill>
-              <a:effectLst/>
-              <a:uFillTx/>
-              <a:latin typeface="Calibri"/>
-            </a:endParaRPr>
-          </a:p>
-        </p:txBody>
-      </p:sp>
-      <p:sp>
-        <p:nvSpPr>
-          <p:cNvPr id="27" name="PlaceHolder 4"/>
-          <p:cNvSpPr>
-            <a:spLocks noGrp="1"/>
-          </p:cNvSpPr>
-          <p:nvPr>
-            <p:ph type="dt" idx="16"/>
-          </p:nvPr>
-        </p:nvSpPr>
-        <p:spPr>
-          <a:xfrm>
-            <a:off x="457200" y="6356520"/>
-            <a:ext cx="2133360" cy="364680"/>
-          </a:xfrm>
-          <a:prstGeom prst="rect">
-            <a:avLst/>
-          </a:prstGeom>
-          <a:noFill/>
-          <a:ln w="0">
-            <a:noFill/>
-          </a:ln>
-        </p:spPr>
-        <p:txBody>
-          <a:bodyPr lIns="91440" rIns="91440" tIns="45720" bIns="45720" anchor="ctr">
-            <a:noAutofit/>
-          </a:bodyPr>
-          <a:lstStyle>
-            <a:lvl1pPr indent="0" defTabSz="914400">
-              <a:lnSpc>
-                <a:spcPct val="100000"/>
-              </a:lnSpc>
-              <a:buNone/>
-              <a:defRPr b="0" lang="en-US" sz="1200" strike="noStrike" u="none">
-                <a:solidFill>
-                  <a:schemeClr val="dk1">
-                    <a:tint val="75000"/>
-                  </a:schemeClr>
-                </a:solidFill>
-                <a:effectLst/>
-                <a:uFillTx/>
-                <a:latin typeface="Calibri"/>
-              </a:defRPr>
-            </a:lvl1pPr>
-          </a:lstStyle>
-          <a:p>
-            <a:pPr indent="0" defTabSz="914400">
-              <a:lnSpc>
-                <a:spcPct val="100000"/>
-              </a:lnSpc>
-              <a:buNone/>
-            </a:pPr>
-            <a:r>
-              <a:rPr b="0" lang="en-US" sz="1200" strike="noStrike" u="none">
-                <a:solidFill>
-                  <a:schemeClr val="dk1">
-                    <a:tint val="75000"/>
-                  </a:schemeClr>
-                </a:solidFill>
-                <a:effectLst/>
-                <a:uFillTx/>
-                <a:latin typeface="Calibri"/>
-              </a:rPr>
-              <a:t>&lt;data/hora&gt;</a:t>
-            </a:r>
-            <a:endParaRPr b="0" lang="pt-BR" sz="1200" strike="noStrike" u="none">
-              <a:solidFill>
-                <a:srgbClr val="000000"/>
-              </a:solidFill>
-              <a:effectLst/>
-              <a:uFillTx/>
-              <a:latin typeface="Times New Roman"/>
-            </a:endParaRPr>
-          </a:p>
-        </p:txBody>
-      </p:sp>
-      <p:sp>
-        <p:nvSpPr>
-          <p:cNvPr id="28" name="PlaceHolder 5"/>
-          <p:cNvSpPr>
-            <a:spLocks noGrp="1"/>
-          </p:cNvSpPr>
-          <p:nvPr>
-            <p:ph type="ftr" idx="17"/>
-          </p:nvPr>
-        </p:nvSpPr>
-        <p:spPr>
-          <a:xfrm>
-            <a:off x="3124080" y="6356520"/>
-            <a:ext cx="2895120" cy="364680"/>
-          </a:xfrm>
-          <a:prstGeom prst="rect">
-            <a:avLst/>
-          </a:prstGeom>
-          <a:noFill/>
-          <a:ln w="0">
-            <a:noFill/>
-          </a:ln>
-        </p:spPr>
-        <p:txBody>
-          <a:bodyPr lIns="91440" rIns="91440" tIns="45720" bIns="45720" anchor="ctr">
-            <a:noAutofit/>
-          </a:bodyPr>
-          <a:lstStyle>
-            <a:lvl1pPr indent="0" algn="ctr">
-              <a:buNone/>
-              <a:defRPr b="0" lang="pt-BR" sz="1400" strike="noStrike" u="none">
-                <a:solidFill>
-                  <a:srgbClr val="000000"/>
-                </a:solidFill>
-                <a:effectLst/>
-                <a:uFillTx/>
-                <a:latin typeface="Times New Roman"/>
-              </a:defRPr>
-            </a:lvl1pPr>
-          </a:lstStyle>
-          <a:p>
-            <a:pPr indent="0" algn="ctr">
-              <a:buNone/>
-            </a:pPr>
-            <a:r>
-              <a:rPr b="0" lang="pt-BR" sz="1400" strike="noStrike" u="none">
-                <a:solidFill>
-                  <a:srgbClr val="000000"/>
-                </a:solidFill>
-                <a:effectLst/>
-                <a:uFillTx/>
-                <a:latin typeface="Times New Roman"/>
-              </a:rPr>
-              <a:t>&lt;rodapé&gt;</a:t>
-            </a:r>
-            <a:endParaRPr b="0" lang="pt-BR" sz="1400" strike="noStrike" u="none">
-              <a:solidFill>
-                <a:srgbClr val="000000"/>
-              </a:solidFill>
-              <a:effectLst/>
-              <a:uFillTx/>
-              <a:latin typeface="Times New Roman"/>
-            </a:endParaRPr>
-          </a:p>
-        </p:txBody>
-      </p:sp>
-      <p:sp>
-        <p:nvSpPr>
-          <p:cNvPr id="29" name="PlaceHolder 6"/>
-          <p:cNvSpPr>
-            <a:spLocks noGrp="1"/>
-          </p:cNvSpPr>
-          <p:nvPr>
-            <p:ph type="sldNum" idx="18"/>
-          </p:nvPr>
-        </p:nvSpPr>
-        <p:spPr>
-          <a:xfrm>
-            <a:off x="6553080" y="6356520"/>
-            <a:ext cx="2133360" cy="364680"/>
-          </a:xfrm>
-          <a:prstGeom prst="rect">
-            <a:avLst/>
-          </a:prstGeom>
-          <a:noFill/>
-          <a:ln w="0">
-            <a:noFill/>
-          </a:ln>
-        </p:spPr>
-        <p:txBody>
-          <a:bodyPr lIns="91440" rIns="91440" tIns="45720" bIns="45720" anchor="ctr">
-            <a:noAutofit/>
-          </a:bodyPr>
-          <a:lstStyle>
-            <a:lvl1pPr indent="0" algn="r" defTabSz="914400">
-              <a:lnSpc>
-                <a:spcPct val="100000"/>
-              </a:lnSpc>
-              <a:buNone/>
-              <a:defRPr b="0" lang="en-US" sz="1200" strike="noStrike" u="none">
-                <a:solidFill>
-                  <a:schemeClr val="dk1">
-                    <a:tint val="75000"/>
-                  </a:schemeClr>
-                </a:solidFill>
-                <a:effectLst/>
-                <a:uFillTx/>
-                <a:latin typeface="Calibri"/>
-              </a:defRPr>
-            </a:lvl1pPr>
-          </a:lstStyle>
-          <a:p>
-            <a:pPr indent="0" algn="r" defTabSz="914400">
-              <a:lnSpc>
-                <a:spcPct val="100000"/>
-              </a:lnSpc>
-              <a:buNone/>
-            </a:pPr>
-            <a:fld id="{0E41F0D6-694A-4335-9BE8-08DC0451E386}" type="slidenum">
+              <a:tabLst>
+                <a:tab algn="l" pos="0"/>
+              </a:tabLst>
+            </a:pPr>
+            <a:fld id="{668CD4BE-A6E7-4B66-8A93-52A6C4E545DC}" type="slidenum">
               <a:rPr b="0" lang="en-US" sz="1200" strike="noStrike" u="none">
                 <a:solidFill>
                   <a:schemeClr val="dk1">
@@ -4072,8 +3852,8 @@
 </file>
 
 <file path=ppt/slideLayouts/slideLayout7.xml><?xml version="1.0" encoding="utf-8"?>
-<p:sldLayout xmlns:a="http://schemas.openxmlformats.org/drawingml/2006/main" xmlns:p="http://schemas.openxmlformats.org/presentationml/2006/main" xmlns:r="http://schemas.openxmlformats.org/officeDocument/2006/relationships" xmlns:p14="http://schemas.microsoft.com/office/powerpoint/2010/main" xmlns:p15="http://schemas.microsoft.com/office/powerpoint/2012/main" xmlns:mc="http://schemas.openxmlformats.org/markup-compatibility/2006" type="blank" preserve="1">
-  <p:cSld name="Comparison">
+<p:sldLayout xmlns:a="http://schemas.openxmlformats.org/drawingml/2006/main" xmlns:p="http://schemas.openxmlformats.org/presentationml/2006/main" xmlns:r="http://schemas.openxmlformats.org/officeDocument/2006/relationships" xmlns:p14="http://schemas.microsoft.com/office/powerpoint/2010/main" xmlns:p15="http://schemas.microsoft.com/office/powerpoint/2012/main" xmlns:mc="http://schemas.openxmlformats.org/markup-compatibility/2006" type="twoObj" preserve="1">
+  <p:cSld name="Two Content">
     <p:bg>
       <p:bgPr>
         <a:solidFill>
@@ -4108,7 +3888,7 @@
         <p:spPr>
           <a:xfrm>
             <a:off x="457200" y="274680"/>
-            <a:ext cx="8229240" cy="1142640"/>
+            <a:ext cx="8227800" cy="1141200"/>
           </a:xfrm>
           <a:prstGeom prst="rect">
             <a:avLst/>
@@ -4128,6 +3908,9 @@
                 <a:spcPct val="100000"/>
               </a:lnSpc>
               <a:buNone/>
+              <a:tabLst>
+                <a:tab algn="l" pos="0"/>
+              </a:tabLst>
             </a:pPr>
             <a:r>
               <a:rPr b="0" lang="en-US" sz="4400" strike="noStrike" u="none">
@@ -4140,13 +3923,13 @@
               </a:rPr>
               <a:t>Click to edit Master title style</a:t>
             </a:r>
-            <a:endParaRPr b="0" lang="en-US" sz="4400" strike="noStrike" u="none">
-              <a:solidFill>
-                <a:schemeClr val="dk1"/>
-              </a:solidFill>
-              <a:effectLst/>
-              <a:uFillTx/>
-              <a:latin typeface="Calibri"/>
+            <a:endParaRPr b="0" lang="pt-BR" sz="4400" strike="noStrike" u="none">
+              <a:solidFill>
+                <a:srgbClr val="000000"/>
+              </a:solidFill>
+              <a:effectLst/>
+              <a:uFillTx/>
+              <a:latin typeface="Arial"/>
             </a:endParaRPr>
           </a:p>
         </p:txBody>
@@ -4163,8 +3946,8 @@
         </p:nvSpPr>
         <p:spPr>
           <a:xfrm>
-            <a:off x="457200" y="1535040"/>
-            <a:ext cx="4039920" cy="639360"/>
+            <a:off x="457200" y="1600200"/>
+            <a:ext cx="4036680" cy="4524120"/>
           </a:xfrm>
           <a:prstGeom prst="rect">
             <a:avLst/>
@@ -4175,24 +3958,59 @@
           </a:ln>
         </p:spPr>
         <p:txBody>
-          <a:bodyPr lIns="91440" rIns="91440" tIns="45720" bIns="45720" anchor="b">
+          <a:bodyPr lIns="91440" rIns="91440" tIns="45720" bIns="45720" anchor="t">
             <a:noAutofit/>
           </a:bodyPr>
           <a:p>
-            <a:pPr indent="0" defTabSz="914400">
+            <a:pPr marL="343080" indent="-343080" defTabSz="914400">
+              <a:lnSpc>
+                <a:spcPct val="100000"/>
+              </a:lnSpc>
+              <a:spcBef>
+                <a:spcPts val="561"/>
+              </a:spcBef>
+              <a:buClr>
+                <a:srgbClr val="000000"/>
+              </a:buClr>
+              <a:buFont typeface="Arial"/>
+              <a:buChar char="•"/>
+            </a:pPr>
+            <a:r>
+              <a:rPr b="0" lang="en-US" sz="2800" strike="noStrike" u="none">
+                <a:solidFill>
+                  <a:schemeClr val="dk1"/>
+                </a:solidFill>
+                <a:effectLst/>
+                <a:uFillTx/>
+                <a:latin typeface="Calibri"/>
+              </a:rPr>
+              <a:t>Click to edit Master text styles</a:t>
+            </a:r>
+            <a:endParaRPr b="0" lang="pt-BR" sz="2800" strike="noStrike" u="none">
+              <a:solidFill>
+                <a:srgbClr val="000000"/>
+              </a:solidFill>
+              <a:effectLst/>
+              <a:uFillTx/>
+              <a:latin typeface="Arial"/>
+            </a:endParaRPr>
+          </a:p>
+          <a:p>
+            <a:pPr lvl="1" marL="743040" indent="-285840" defTabSz="914400">
               <a:lnSpc>
                 <a:spcPct val="100000"/>
               </a:lnSpc>
               <a:spcBef>
                 <a:spcPts val="479"/>
               </a:spcBef>
-              <a:buNone/>
-              <a:tabLst>
-                <a:tab algn="l" pos="0"/>
-              </a:tabLst>
-            </a:pPr>
-            <a:r>
-              <a:rPr b="1" lang="en-US" sz="2400" strike="noStrike" u="none">
+              <a:buClr>
+                <a:srgbClr val="000000"/>
+              </a:buClr>
+              <a:buFont typeface="Arial"/>
+              <a:buChar char="–"/>
+            </a:pPr>
+            <a:r>
+              <a:rPr b="0" lang="en-US" sz="2400" strike="noStrike" u="none">
                 <a:solidFill>
                   <a:schemeClr val="dk1"/>
                 </a:solidFill>
@@ -4200,15 +4018,117 @@
                 <a:uFillTx/>
                 <a:latin typeface="Calibri"/>
               </a:rPr>
-              <a:t>Click to edit Master text styles</a:t>
-            </a:r>
-            <a:endParaRPr b="0" lang="en-US" sz="2400" strike="noStrike" u="none">
-              <a:solidFill>
-                <a:schemeClr val="dk1"/>
-              </a:solidFill>
-              <a:effectLst/>
-              <a:uFillTx/>
-              <a:latin typeface="Calibri"/>
+              <a:t>Second level</a:t>
+            </a:r>
+            <a:endParaRPr b="0" lang="pt-BR" sz="2400" strike="noStrike" u="none">
+              <a:solidFill>
+                <a:srgbClr val="000000"/>
+              </a:solidFill>
+              <a:effectLst/>
+              <a:uFillTx/>
+              <a:latin typeface="Arial"/>
+            </a:endParaRPr>
+          </a:p>
+          <a:p>
+            <a:pPr lvl="2" marL="1143000" indent="-228600" defTabSz="914400">
+              <a:lnSpc>
+                <a:spcPct val="100000"/>
+              </a:lnSpc>
+              <a:spcBef>
+                <a:spcPts val="400"/>
+              </a:spcBef>
+              <a:buClr>
+                <a:srgbClr val="000000"/>
+              </a:buClr>
+              <a:buFont typeface="Arial"/>
+              <a:buChar char="•"/>
+            </a:pPr>
+            <a:r>
+              <a:rPr b="0" lang="en-US" sz="2000" strike="noStrike" u="none">
+                <a:solidFill>
+                  <a:schemeClr val="dk1"/>
+                </a:solidFill>
+                <a:effectLst/>
+                <a:uFillTx/>
+                <a:latin typeface="Calibri"/>
+              </a:rPr>
+              <a:t>Third level</a:t>
+            </a:r>
+            <a:endParaRPr b="0" lang="pt-BR" sz="2000" strike="noStrike" u="none">
+              <a:solidFill>
+                <a:srgbClr val="000000"/>
+              </a:solidFill>
+              <a:effectLst/>
+              <a:uFillTx/>
+              <a:latin typeface="Arial"/>
+            </a:endParaRPr>
+          </a:p>
+          <a:p>
+            <a:pPr lvl="3" marL="1600200" indent="-228600" defTabSz="914400">
+              <a:lnSpc>
+                <a:spcPct val="100000"/>
+              </a:lnSpc>
+              <a:spcBef>
+                <a:spcPts val="360"/>
+              </a:spcBef>
+              <a:buClr>
+                <a:srgbClr val="000000"/>
+              </a:buClr>
+              <a:buFont typeface="Arial"/>
+              <a:buChar char="–"/>
+            </a:pPr>
+            <a:r>
+              <a:rPr b="0" lang="en-US" sz="1800" strike="noStrike" u="none">
+                <a:solidFill>
+                  <a:schemeClr val="dk1"/>
+                </a:solidFill>
+                <a:effectLst/>
+                <a:uFillTx/>
+                <a:latin typeface="Calibri"/>
+              </a:rPr>
+              <a:t>Fourth level</a:t>
+            </a:r>
+            <a:endParaRPr b="0" lang="pt-BR" sz="1800" strike="noStrike" u="none">
+              <a:solidFill>
+                <a:srgbClr val="000000"/>
+              </a:solidFill>
+              <a:effectLst/>
+              <a:uFillTx/>
+              <a:latin typeface="Arial"/>
+            </a:endParaRPr>
+          </a:p>
+          <a:p>
+            <a:pPr lvl="4" marL="2057400" indent="-228600" defTabSz="914400">
+              <a:lnSpc>
+                <a:spcPct val="100000"/>
+              </a:lnSpc>
+              <a:spcBef>
+                <a:spcPts val="360"/>
+              </a:spcBef>
+              <a:buClr>
+                <a:srgbClr val="000000"/>
+              </a:buClr>
+              <a:buFont typeface="Arial"/>
+              <a:buChar char="»"/>
+            </a:pPr>
+            <a:r>
+              <a:rPr b="0" lang="en-US" sz="1800" strike="noStrike" u="none">
+                <a:solidFill>
+                  <a:schemeClr val="dk1"/>
+                </a:solidFill>
+                <a:effectLst/>
+                <a:uFillTx/>
+                <a:latin typeface="Calibri"/>
+              </a:rPr>
+              <a:t>Fifth level</a:t>
+            </a:r>
+            <a:endParaRPr b="0" lang="pt-BR" sz="1800" strike="noStrike" u="none">
+              <a:solidFill>
+                <a:srgbClr val="000000"/>
+              </a:solidFill>
+              <a:effectLst/>
+              <a:uFillTx/>
+              <a:latin typeface="Arial"/>
             </a:endParaRPr>
           </a:p>
         </p:txBody>
@@ -4225,8 +4145,8 @@
         </p:nvSpPr>
         <p:spPr>
           <a:xfrm>
-            <a:off x="457200" y="2174760"/>
-            <a:ext cx="4039920" cy="3951000"/>
+            <a:off x="4648320" y="1600200"/>
+            <a:ext cx="4036680" cy="4524120"/>
           </a:xfrm>
           <a:prstGeom prst="rect">
             <a:avLst/>
@@ -4246,13 +4166,47 @@
                 <a:spcPct val="100000"/>
               </a:lnSpc>
               <a:spcBef>
+                <a:spcPts val="561"/>
+              </a:spcBef>
+              <a:buClr>
+                <a:srgbClr val="000000"/>
+              </a:buClr>
+              <a:buFont typeface="Arial"/>
+              <a:buChar char="•"/>
+            </a:pPr>
+            <a:r>
+              <a:rPr b="0" lang="en-US" sz="2800" strike="noStrike" u="none">
+                <a:solidFill>
+                  <a:schemeClr val="dk1"/>
+                </a:solidFill>
+                <a:effectLst/>
+                <a:uFillTx/>
+                <a:latin typeface="Calibri"/>
+              </a:rPr>
+              <a:t>Click to edit Master text styles</a:t>
+            </a:r>
+            <a:endParaRPr b="0" lang="pt-BR" sz="2800" strike="noStrike" u="none">
+              <a:solidFill>
+                <a:srgbClr val="000000"/>
+              </a:solidFill>
+              <a:effectLst/>
+              <a:uFillTx/>
+              <a:latin typeface="Arial"/>
+            </a:endParaRPr>
+          </a:p>
+          <a:p>
+            <a:pPr lvl="1" marL="743040" indent="-285840" defTabSz="914400">
+              <a:lnSpc>
+                <a:spcPct val="100000"/>
+              </a:lnSpc>
+              <a:spcBef>
                 <a:spcPts val="479"/>
               </a:spcBef>
               <a:buClr>
                 <a:srgbClr val="000000"/>
               </a:buClr>
               <a:buFont typeface="Arial"/>
-              <a:buChar char="•"/>
+              <a:buChar char="–"/>
             </a:pPr>
             <a:r>
               <a:rPr b="0" lang="en-US" sz="2400" strike="noStrike" u="none">
@@ -4263,19 +4217,19 @@
                 <a:uFillTx/>
                 <a:latin typeface="Calibri"/>
               </a:rPr>
-              <a:t>Click to edit Master text styles</a:t>
-            </a:r>
-            <a:endParaRPr b="0" lang="en-US" sz="2400" strike="noStrike" u="none">
-              <a:solidFill>
-                <a:schemeClr val="dk1"/>
-              </a:solidFill>
-              <a:effectLst/>
-              <a:uFillTx/>
-              <a:latin typeface="Calibri"/>
-            </a:endParaRPr>
-          </a:p>
-          <a:p>
-            <a:pPr lvl="1" marL="743040" indent="-285840" defTabSz="914400">
+              <a:t>Second level</a:t>
+            </a:r>
+            <a:endParaRPr b="0" lang="pt-BR" sz="2400" strike="noStrike" u="none">
+              <a:solidFill>
+                <a:srgbClr val="000000"/>
+              </a:solidFill>
+              <a:effectLst/>
+              <a:uFillTx/>
+              <a:latin typeface="Arial"/>
+            </a:endParaRPr>
+          </a:p>
+          <a:p>
+            <a:pPr lvl="2" marL="1143000" indent="-228600" defTabSz="914400">
               <a:lnSpc>
                 <a:spcPct val="100000"/>
               </a:lnSpc>
@@ -4286,7 +4240,7 @@
                 <a:srgbClr val="000000"/>
               </a:buClr>
               <a:buFont typeface="Arial"/>
-              <a:buChar char="–"/>
+              <a:buChar char="•"/>
             </a:pPr>
             <a:r>
               <a:rPr b="0" lang="en-US" sz="2000" strike="noStrike" u="none">
@@ -4297,19 +4251,19 @@
                 <a:uFillTx/>
                 <a:latin typeface="Calibri"/>
               </a:rPr>
-              <a:t>Second level</a:t>
-            </a:r>
-            <a:endParaRPr b="0" lang="en-US" sz="2000" strike="noStrike" u="none">
-              <a:solidFill>
-                <a:schemeClr val="dk1"/>
-              </a:solidFill>
-              <a:effectLst/>
-              <a:uFillTx/>
-              <a:latin typeface="Calibri"/>
-            </a:endParaRPr>
-          </a:p>
-          <a:p>
-            <a:pPr lvl="2" marL="1143000" indent="-228600" defTabSz="914400">
+              <a:t>Third level</a:t>
+            </a:r>
+            <a:endParaRPr b="0" lang="pt-BR" sz="2000" strike="noStrike" u="none">
+              <a:solidFill>
+                <a:srgbClr val="000000"/>
+              </a:solidFill>
+              <a:effectLst/>
+              <a:uFillTx/>
+              <a:latin typeface="Arial"/>
+            </a:endParaRPr>
+          </a:p>
+          <a:p>
+            <a:pPr lvl="3" marL="1600200" indent="-228600" defTabSz="914400">
               <a:lnSpc>
                 <a:spcPct val="100000"/>
               </a:lnSpc>
@@ -4320,7 +4274,7 @@
                 <a:srgbClr val="000000"/>
               </a:buClr>
               <a:buFont typeface="Arial"/>
-              <a:buChar char="•"/>
+              <a:buChar char="–"/>
             </a:pPr>
             <a:r>
               <a:rPr b="0" lang="en-US" sz="1800" strike="noStrike" u="none">
@@ -4331,58 +4285,24 @@
                 <a:uFillTx/>
                 <a:latin typeface="Calibri"/>
               </a:rPr>
-              <a:t>Third level</a:t>
-            </a:r>
-            <a:endParaRPr b="0" lang="en-US" sz="1800" strike="noStrike" u="none">
-              <a:solidFill>
-                <a:schemeClr val="dk1"/>
-              </a:solidFill>
-              <a:effectLst/>
-              <a:uFillTx/>
-              <a:latin typeface="Calibri"/>
-            </a:endParaRPr>
-          </a:p>
-          <a:p>
-            <a:pPr lvl="3" marL="1600200" indent="-228600" defTabSz="914400">
+              <a:t>Fourth level</a:t>
+            </a:r>
+            <a:endParaRPr b="0" lang="pt-BR" sz="1800" strike="noStrike" u="none">
+              <a:solidFill>
+                <a:srgbClr val="000000"/>
+              </a:solidFill>
+              <a:effectLst/>
+              <a:uFillTx/>
+              <a:latin typeface="Arial"/>
+            </a:endParaRPr>
+          </a:p>
+          <a:p>
+            <a:pPr lvl="4" marL="2057400" indent="-228600" defTabSz="914400">
               <a:lnSpc>
                 <a:spcPct val="100000"/>
               </a:lnSpc>
               <a:spcBef>
-                <a:spcPts val="320"/>
-              </a:spcBef>
-              <a:buClr>
-                <a:srgbClr val="000000"/>
-              </a:buClr>
-              <a:buFont typeface="Arial"/>
-              <a:buChar char="–"/>
-            </a:pPr>
-            <a:r>
-              <a:rPr b="0" lang="en-US" sz="1600" strike="noStrike" u="none">
-                <a:solidFill>
-                  <a:schemeClr val="dk1"/>
-                </a:solidFill>
-                <a:effectLst/>
-                <a:uFillTx/>
-                <a:latin typeface="Calibri"/>
-              </a:rPr>
-              <a:t>Fourth level</a:t>
-            </a:r>
-            <a:endParaRPr b="0" lang="en-US" sz="1600" strike="noStrike" u="none">
-              <a:solidFill>
-                <a:schemeClr val="dk1"/>
-              </a:solidFill>
-              <a:effectLst/>
-              <a:uFillTx/>
-              <a:latin typeface="Calibri"/>
-            </a:endParaRPr>
-          </a:p>
-          <a:p>
-            <a:pPr lvl="4" marL="2057400" indent="-228600" defTabSz="914400">
-              <a:lnSpc>
-                <a:spcPct val="100000"/>
-              </a:lnSpc>
-              <a:spcBef>
-                <a:spcPts val="320"/>
+                <a:spcPts val="360"/>
               </a:spcBef>
               <a:buClr>
                 <a:srgbClr val="000000"/>
@@ -4391,7 +4311,7 @@
               <a:buChar char="»"/>
             </a:pPr>
             <a:r>
-              <a:rPr b="0" lang="en-US" sz="1600" strike="noStrike" u="none">
+              <a:rPr b="0" lang="en-US" sz="1800" strike="noStrike" u="none">
                 <a:solidFill>
                   <a:schemeClr val="dk1"/>
                 </a:solidFill>
@@ -4401,13 +4321,13 @@
               </a:rPr>
               <a:t>Fifth level</a:t>
             </a:r>
-            <a:endParaRPr b="0" lang="en-US" sz="1600" strike="noStrike" u="none">
-              <a:solidFill>
-                <a:schemeClr val="dk1"/>
-              </a:solidFill>
-              <a:effectLst/>
-              <a:uFillTx/>
-              <a:latin typeface="Calibri"/>
+            <a:endParaRPr b="0" lang="pt-BR" sz="1800" strike="noStrike" u="none">
+              <a:solidFill>
+                <a:srgbClr val="000000"/>
+              </a:solidFill>
+              <a:effectLst/>
+              <a:uFillTx/>
+              <a:latin typeface="Arial"/>
             </a:endParaRPr>
           </a:p>
         </p:txBody>
@@ -4415,267 +4335,6 @@
       <p:sp>
         <p:nvSpPr>
           <p:cNvPr id="33" name="PlaceHolder 4"/>
-          <p:cNvSpPr>
-            <a:spLocks noGrp="1"/>
-          </p:cNvSpPr>
-          <p:nvPr>
-            <p:ph type="body"/>
-          </p:nvPr>
-        </p:nvSpPr>
-        <p:spPr>
-          <a:xfrm>
-            <a:off x="4645080" y="1535040"/>
-            <a:ext cx="4041360" cy="639360"/>
-          </a:xfrm>
-          <a:prstGeom prst="rect">
-            <a:avLst/>
-          </a:prstGeom>
-          <a:noFill/>
-          <a:ln w="0">
-            <a:noFill/>
-          </a:ln>
-        </p:spPr>
-        <p:txBody>
-          <a:bodyPr lIns="91440" rIns="91440" tIns="45720" bIns="45720" anchor="b">
-            <a:noAutofit/>
-          </a:bodyPr>
-          <a:p>
-            <a:pPr indent="0" defTabSz="914400">
-              <a:lnSpc>
-                <a:spcPct val="100000"/>
-              </a:lnSpc>
-              <a:spcBef>
-                <a:spcPts val="479"/>
-              </a:spcBef>
-              <a:buNone/>
-              <a:tabLst>
-                <a:tab algn="l" pos="0"/>
-              </a:tabLst>
-            </a:pPr>
-            <a:r>
-              <a:rPr b="1" lang="en-US" sz="2400" strike="noStrike" u="none">
-                <a:solidFill>
-                  <a:schemeClr val="dk1"/>
-                </a:solidFill>
-                <a:effectLst/>
-                <a:uFillTx/>
-                <a:latin typeface="Calibri"/>
-              </a:rPr>
-              <a:t>Click to edit Master text styles</a:t>
-            </a:r>
-            <a:endParaRPr b="0" lang="en-US" sz="2400" strike="noStrike" u="none">
-              <a:solidFill>
-                <a:schemeClr val="dk1"/>
-              </a:solidFill>
-              <a:effectLst/>
-              <a:uFillTx/>
-              <a:latin typeface="Calibri"/>
-            </a:endParaRPr>
-          </a:p>
-        </p:txBody>
-      </p:sp>
-      <p:sp>
-        <p:nvSpPr>
-          <p:cNvPr id="34" name="PlaceHolder 5"/>
-          <p:cNvSpPr>
-            <a:spLocks noGrp="1"/>
-          </p:cNvSpPr>
-          <p:nvPr>
-            <p:ph type="body"/>
-          </p:nvPr>
-        </p:nvSpPr>
-        <p:spPr>
-          <a:xfrm>
-            <a:off x="4645080" y="2174760"/>
-            <a:ext cx="4041360" cy="3951000"/>
-          </a:xfrm>
-          <a:prstGeom prst="rect">
-            <a:avLst/>
-          </a:prstGeom>
-          <a:noFill/>
-          <a:ln w="0">
-            <a:noFill/>
-          </a:ln>
-        </p:spPr>
-        <p:txBody>
-          <a:bodyPr lIns="91440" rIns="91440" tIns="45720" bIns="45720" anchor="t">
-            <a:noAutofit/>
-          </a:bodyPr>
-          <a:p>
-            <a:pPr marL="343080" indent="-343080" defTabSz="914400">
-              <a:lnSpc>
-                <a:spcPct val="100000"/>
-              </a:lnSpc>
-              <a:spcBef>
-                <a:spcPts val="479"/>
-              </a:spcBef>
-              <a:buClr>
-                <a:srgbClr val="000000"/>
-              </a:buClr>
-              <a:buFont typeface="Arial"/>
-              <a:buChar char="•"/>
-            </a:pPr>
-            <a:r>
-              <a:rPr b="0" lang="en-US" sz="2400" strike="noStrike" u="none">
-                <a:solidFill>
-                  <a:schemeClr val="dk1"/>
-                </a:solidFill>
-                <a:effectLst/>
-                <a:uFillTx/>
-                <a:latin typeface="Calibri"/>
-              </a:rPr>
-              <a:t>Click to edit Master text styles</a:t>
-            </a:r>
-            <a:endParaRPr b="0" lang="en-US" sz="2400" strike="noStrike" u="none">
-              <a:solidFill>
-                <a:schemeClr val="dk1"/>
-              </a:solidFill>
-              <a:effectLst/>
-              <a:uFillTx/>
-              <a:latin typeface="Calibri"/>
-            </a:endParaRPr>
-          </a:p>
-          <a:p>
-            <a:pPr lvl="1" marL="743040" indent="-285840" defTabSz="914400">
-              <a:lnSpc>
-                <a:spcPct val="100000"/>
-              </a:lnSpc>
-              <a:spcBef>
-                <a:spcPts val="400"/>
-              </a:spcBef>
-              <a:buClr>
-                <a:srgbClr val="000000"/>
-              </a:buClr>
-              <a:buFont typeface="Arial"/>
-              <a:buChar char="–"/>
-            </a:pPr>
-            <a:r>
-              <a:rPr b="0" lang="en-US" sz="2000" strike="noStrike" u="none">
-                <a:solidFill>
-                  <a:schemeClr val="dk1"/>
-                </a:solidFill>
-                <a:effectLst/>
-                <a:uFillTx/>
-                <a:latin typeface="Calibri"/>
-              </a:rPr>
-              <a:t>Second level</a:t>
-            </a:r>
-            <a:endParaRPr b="0" lang="en-US" sz="2000" strike="noStrike" u="none">
-              <a:solidFill>
-                <a:schemeClr val="dk1"/>
-              </a:solidFill>
-              <a:effectLst/>
-              <a:uFillTx/>
-              <a:latin typeface="Calibri"/>
-            </a:endParaRPr>
-          </a:p>
-          <a:p>
-            <a:pPr lvl="2" marL="1143000" indent="-228600" defTabSz="914400">
-              <a:lnSpc>
-                <a:spcPct val="100000"/>
-              </a:lnSpc>
-              <a:spcBef>
-                <a:spcPts val="360"/>
-              </a:spcBef>
-              <a:buClr>
-                <a:srgbClr val="000000"/>
-              </a:buClr>
-              <a:buFont typeface="Arial"/>
-              <a:buChar char="•"/>
-            </a:pPr>
-            <a:r>
-              <a:rPr b="0" lang="en-US" sz="1800" strike="noStrike" u="none">
-                <a:solidFill>
-                  <a:schemeClr val="dk1"/>
-                </a:solidFill>
-                <a:effectLst/>
-                <a:uFillTx/>
-                <a:latin typeface="Calibri"/>
-              </a:rPr>
-              <a:t>Third level</a:t>
-            </a:r>
-            <a:endParaRPr b="0" lang="en-US" sz="1800" strike="noStrike" u="none">
-              <a:solidFill>
-                <a:schemeClr val="dk1"/>
-              </a:solidFill>
-              <a:effectLst/>
-              <a:uFillTx/>
-              <a:latin typeface="Calibri"/>
-            </a:endParaRPr>
-          </a:p>
-          <a:p>
-            <a:pPr lvl="3" marL="1600200" indent="-228600" defTabSz="914400">
-              <a:lnSpc>
-                <a:spcPct val="100000"/>
-              </a:lnSpc>
-              <a:spcBef>
-                <a:spcPts val="320"/>
-              </a:spcBef>
-              <a:buClr>
-                <a:srgbClr val="000000"/>
-              </a:buClr>
-              <a:buFont typeface="Arial"/>
-              <a:buChar char="–"/>
-            </a:pPr>
-            <a:r>
-              <a:rPr b="0" lang="en-US" sz="1600" strike="noStrike" u="none">
-                <a:solidFill>
-                  <a:schemeClr val="dk1"/>
-                </a:solidFill>
-                <a:effectLst/>
-                <a:uFillTx/>
-                <a:latin typeface="Calibri"/>
-              </a:rPr>
-              <a:t>Fourth level</a:t>
-            </a:r>
-            <a:endParaRPr b="0" lang="en-US" sz="1600" strike="noStrike" u="none">
-              <a:solidFill>
-                <a:schemeClr val="dk1"/>
-              </a:solidFill>
-              <a:effectLst/>
-              <a:uFillTx/>
-              <a:latin typeface="Calibri"/>
-            </a:endParaRPr>
-          </a:p>
-          <a:p>
-            <a:pPr lvl="4" marL="2057400" indent="-228600" defTabSz="914400">
-              <a:lnSpc>
-                <a:spcPct val="100000"/>
-              </a:lnSpc>
-              <a:spcBef>
-                <a:spcPts val="320"/>
-              </a:spcBef>
-              <a:buClr>
-                <a:srgbClr val="000000"/>
-              </a:buClr>
-              <a:buFont typeface="Arial"/>
-              <a:buChar char="»"/>
-            </a:pPr>
-            <a:r>
-              <a:rPr b="0" lang="en-US" sz="1600" strike="noStrike" u="none">
-                <a:solidFill>
-                  <a:schemeClr val="dk1"/>
-                </a:solidFill>
-                <a:effectLst/>
-                <a:uFillTx/>
-                <a:latin typeface="Calibri"/>
-              </a:rPr>
-              <a:t>Fifth level</a:t>
-            </a:r>
-            <a:endParaRPr b="0" lang="en-US" sz="1600" strike="noStrike" u="none">
-              <a:solidFill>
-                <a:schemeClr val="dk1"/>
-              </a:solidFill>
-              <a:effectLst/>
-              <a:uFillTx/>
-              <a:latin typeface="Calibri"/>
-            </a:endParaRPr>
-          </a:p>
-        </p:txBody>
-      </p:sp>
-      <p:sp>
-        <p:nvSpPr>
-          <p:cNvPr id="35" name="PlaceHolder 6"/>
           <p:cNvSpPr>
             <a:spLocks noGrp="1"/>
           </p:cNvSpPr>
@@ -4686,7 +4345,7 @@
         <p:spPr>
           <a:xfrm>
             <a:off x="457200" y="6356520"/>
-            <a:ext cx="2133360" cy="364680"/>
+            <a:ext cx="2131920" cy="363240"/>
           </a:xfrm>
           <a:prstGeom prst="rect">
             <a:avLst/>
@@ -4706,6 +4365,9 @@
                 <a:spcPct val="100000"/>
               </a:lnSpc>
               <a:buNone/>
+              <a:tabLst>
+                <a:tab algn="l" pos="0"/>
+              </a:tabLst>
               <a:defRPr b="0" lang="en-US" sz="1200" strike="noStrike" u="none">
                 <a:solidFill>
                   <a:schemeClr val="dk1">
@@ -4724,6 +4386,9 @@
                 <a:spcPct val="100000"/>
               </a:lnSpc>
               <a:buNone/>
+              <a:tabLst>
+                <a:tab algn="l" pos="0"/>
+              </a:tabLst>
             </a:pPr>
             <a:r>
               <a:rPr b="0" lang="en-US" sz="1200" strike="noStrike" u="none">
@@ -4751,7 +4416,7 @@
       </p:sp>
       <p:sp>
         <p:nvSpPr>
-          <p:cNvPr id="36" name="PlaceHolder 7"/>
+          <p:cNvPr id="34" name="PlaceHolder 5"/>
           <p:cNvSpPr>
             <a:spLocks noGrp="1"/>
           </p:cNvSpPr>
@@ -4762,7 +4427,7 @@
         <p:spPr>
           <a:xfrm>
             <a:off x="3124080" y="6356520"/>
-            <a:ext cx="2895120" cy="364680"/>
+            <a:ext cx="2893680" cy="363240"/>
           </a:xfrm>
           <a:prstGeom prst="rect">
             <a:avLst/>
@@ -4778,7 +4443,13 @@
           </a:bodyPr>
           <a:lstStyle>
             <a:lvl1pPr indent="0" algn="ctr">
-              <a:buNone/>
+              <a:lnSpc>
+                <a:spcPct val="100000"/>
+              </a:lnSpc>
+              <a:buNone/>
+              <a:tabLst>
+                <a:tab algn="l" pos="0"/>
+              </a:tabLst>
               <a:defRPr b="0" lang="pt-BR" sz="1400" strike="noStrike" u="none">
                 <a:solidFill>
                   <a:srgbClr val="000000"/>
@@ -4791,7 +4462,13 @@
           </a:lstStyle>
           <a:p>
             <a:pPr indent="0" algn="ctr">
-              <a:buNone/>
+              <a:lnSpc>
+                <a:spcPct val="100000"/>
+              </a:lnSpc>
+              <a:buNone/>
+              <a:tabLst>
+                <a:tab algn="l" pos="0"/>
+              </a:tabLst>
             </a:pPr>
             <a:r>
               <a:rPr b="0" lang="pt-BR" sz="1400" strike="noStrike" u="none">
@@ -4817,7 +4494,7 @@
       </p:sp>
       <p:sp>
         <p:nvSpPr>
-          <p:cNvPr id="37" name="PlaceHolder 8"/>
+          <p:cNvPr id="35" name="PlaceHolder 6"/>
           <p:cNvSpPr>
             <a:spLocks noGrp="1"/>
           </p:cNvSpPr>
@@ -4828,7 +4505,7 @@
         <p:spPr>
           <a:xfrm>
             <a:off x="6553080" y="6356520"/>
-            <a:ext cx="2133360" cy="364680"/>
+            <a:ext cx="2131920" cy="363240"/>
           </a:xfrm>
           <a:prstGeom prst="rect">
             <a:avLst/>
@@ -4848,6 +4525,9 @@
                 <a:spcPct val="100000"/>
               </a:lnSpc>
               <a:buNone/>
+              <a:tabLst>
+                <a:tab algn="l" pos="0"/>
+              </a:tabLst>
               <a:defRPr b="0" lang="en-US" sz="1200" strike="noStrike" u="none">
                 <a:solidFill>
                   <a:schemeClr val="dk1">
@@ -4866,8 +4546,11 @@
                 <a:spcPct val="100000"/>
               </a:lnSpc>
               <a:buNone/>
-            </a:pPr>
-            <a:fld id="{72129CC6-DB94-4E75-B518-422A186FA65B}" type="slidenum">
+              <a:tabLst>
+                <a:tab algn="l" pos="0"/>
+              </a:tabLst>
+            </a:pPr>
+            <a:fld id="{D90D145E-517E-40E6-B364-B0ECA7911A41}" type="slidenum">
               <a:rPr b="0" lang="en-US" sz="1200" strike="noStrike" u="none">
                 <a:solidFill>
                   <a:schemeClr val="dk1">
@@ -4897,6 +4580,858 @@
 </file>
 
 <file path=ppt/slideLayouts/slideLayout8.xml><?xml version="1.0" encoding="utf-8"?>
+<p:sldLayout xmlns:a="http://schemas.openxmlformats.org/drawingml/2006/main" xmlns:p="http://schemas.openxmlformats.org/presentationml/2006/main" xmlns:r="http://schemas.openxmlformats.org/officeDocument/2006/relationships" xmlns:p14="http://schemas.microsoft.com/office/powerpoint/2010/main" xmlns:p15="http://schemas.microsoft.com/office/powerpoint/2012/main" xmlns:mc="http://schemas.openxmlformats.org/markup-compatibility/2006" type="blank" preserve="1">
+  <p:cSld name="Comparison">
+    <p:bg>
+      <p:bgPr>
+        <a:solidFill>
+          <a:srgbClr val="ffffff"/>
+        </a:solidFill>
+      </p:bgPr>
+    </p:bg>
+    <p:spTree>
+      <p:nvGrpSpPr>
+        <p:cNvPr id="1" name=""/>
+        <p:cNvGrpSpPr/>
+        <p:nvPr/>
+      </p:nvGrpSpPr>
+      <p:grpSpPr>
+        <a:xfrm>
+          <a:off x="0" y="0"/>
+          <a:ext cx="0" cy="0"/>
+          <a:chOff x="0" y="0"/>
+          <a:chExt cx="0" cy="0"/>
+        </a:xfrm>
+      </p:grpSpPr>
+      <p:sp>
+        <p:nvSpPr>
+          <p:cNvPr id="36" name="PlaceHolder 1"/>
+          <p:cNvSpPr>
+            <a:spLocks noGrp="1"/>
+          </p:cNvSpPr>
+          <p:nvPr>
+            <p:ph type="title"/>
+          </p:nvPr>
+        </p:nvSpPr>
+        <p:spPr>
+          <a:xfrm>
+            <a:off x="457200" y="274680"/>
+            <a:ext cx="8227800" cy="1141200"/>
+          </a:xfrm>
+          <a:prstGeom prst="rect">
+            <a:avLst/>
+          </a:prstGeom>
+          <a:noFill/>
+          <a:ln w="0">
+            <a:noFill/>
+          </a:ln>
+        </p:spPr>
+        <p:txBody>
+          <a:bodyPr lIns="91440" rIns="91440" tIns="45720" bIns="45720" anchor="ctr">
+            <a:noAutofit/>
+          </a:bodyPr>
+          <a:p>
+            <a:pPr indent="0" algn="ctr" defTabSz="914400">
+              <a:lnSpc>
+                <a:spcPct val="100000"/>
+              </a:lnSpc>
+              <a:buNone/>
+              <a:tabLst>
+                <a:tab algn="l" pos="0"/>
+              </a:tabLst>
+            </a:pPr>
+            <a:r>
+              <a:rPr b="0" lang="en-US" sz="4400" strike="noStrike" u="none">
+                <a:solidFill>
+                  <a:schemeClr val="dk1"/>
+                </a:solidFill>
+                <a:effectLst/>
+                <a:uFillTx/>
+                <a:latin typeface="Calibri"/>
+              </a:rPr>
+              <a:t>Click to edit Master title style</a:t>
+            </a:r>
+            <a:endParaRPr b="0" lang="pt-BR" sz="4400" strike="noStrike" u="none">
+              <a:solidFill>
+                <a:srgbClr val="000000"/>
+              </a:solidFill>
+              <a:effectLst/>
+              <a:uFillTx/>
+              <a:latin typeface="Arial"/>
+            </a:endParaRPr>
+          </a:p>
+        </p:txBody>
+      </p:sp>
+      <p:sp>
+        <p:nvSpPr>
+          <p:cNvPr id="37" name="PlaceHolder 2"/>
+          <p:cNvSpPr>
+            <a:spLocks noGrp="1"/>
+          </p:cNvSpPr>
+          <p:nvPr>
+            <p:ph type="body"/>
+          </p:nvPr>
+        </p:nvSpPr>
+        <p:spPr>
+          <a:xfrm>
+            <a:off x="457200" y="1535040"/>
+            <a:ext cx="4038480" cy="637920"/>
+          </a:xfrm>
+          <a:prstGeom prst="rect">
+            <a:avLst/>
+          </a:prstGeom>
+          <a:noFill/>
+          <a:ln w="0">
+            <a:noFill/>
+          </a:ln>
+        </p:spPr>
+        <p:txBody>
+          <a:bodyPr lIns="91440" rIns="91440" tIns="45720" bIns="45720" anchor="b">
+            <a:noAutofit/>
+          </a:bodyPr>
+          <a:p>
+            <a:pPr indent="0" defTabSz="914400">
+              <a:lnSpc>
+                <a:spcPct val="100000"/>
+              </a:lnSpc>
+              <a:spcBef>
+                <a:spcPts val="479"/>
+              </a:spcBef>
+              <a:buNone/>
+              <a:tabLst>
+                <a:tab algn="l" pos="0"/>
+              </a:tabLst>
+            </a:pPr>
+            <a:r>
+              <a:rPr b="1" lang="en-US" sz="2400" strike="noStrike" u="none">
+                <a:solidFill>
+                  <a:schemeClr val="dk1"/>
+                </a:solidFill>
+                <a:effectLst/>
+                <a:uFillTx/>
+                <a:latin typeface="Calibri"/>
+              </a:rPr>
+              <a:t>Click to edit Master text styles</a:t>
+            </a:r>
+            <a:endParaRPr b="0" lang="pt-BR" sz="2400" strike="noStrike" u="none">
+              <a:solidFill>
+                <a:srgbClr val="000000"/>
+              </a:solidFill>
+              <a:effectLst/>
+              <a:uFillTx/>
+              <a:latin typeface="Arial"/>
+            </a:endParaRPr>
+          </a:p>
+        </p:txBody>
+      </p:sp>
+      <p:sp>
+        <p:nvSpPr>
+          <p:cNvPr id="38" name="PlaceHolder 3"/>
+          <p:cNvSpPr>
+            <a:spLocks noGrp="1"/>
+          </p:cNvSpPr>
+          <p:nvPr>
+            <p:ph type="body"/>
+          </p:nvPr>
+        </p:nvSpPr>
+        <p:spPr>
+          <a:xfrm>
+            <a:off x="457200" y="2174760"/>
+            <a:ext cx="4038480" cy="3949560"/>
+          </a:xfrm>
+          <a:prstGeom prst="rect">
+            <a:avLst/>
+          </a:prstGeom>
+          <a:noFill/>
+          <a:ln w="0">
+            <a:noFill/>
+          </a:ln>
+        </p:spPr>
+        <p:txBody>
+          <a:bodyPr lIns="91440" rIns="91440" tIns="45720" bIns="45720" anchor="t">
+            <a:noAutofit/>
+          </a:bodyPr>
+          <a:p>
+            <a:pPr marL="343080" indent="-343080" defTabSz="914400">
+              <a:lnSpc>
+                <a:spcPct val="100000"/>
+              </a:lnSpc>
+              <a:spcBef>
+                <a:spcPts val="479"/>
+              </a:spcBef>
+              <a:buClr>
+                <a:srgbClr val="000000"/>
+              </a:buClr>
+              <a:buFont typeface="Arial"/>
+              <a:buChar char="•"/>
+            </a:pPr>
+            <a:r>
+              <a:rPr b="0" lang="en-US" sz="2400" strike="noStrike" u="none">
+                <a:solidFill>
+                  <a:schemeClr val="dk1"/>
+                </a:solidFill>
+                <a:effectLst/>
+                <a:uFillTx/>
+                <a:latin typeface="Calibri"/>
+              </a:rPr>
+              <a:t>Click to edit Master text styles</a:t>
+            </a:r>
+            <a:endParaRPr b="0" lang="pt-BR" sz="2400" strike="noStrike" u="none">
+              <a:solidFill>
+                <a:srgbClr val="000000"/>
+              </a:solidFill>
+              <a:effectLst/>
+              <a:uFillTx/>
+              <a:latin typeface="Arial"/>
+            </a:endParaRPr>
+          </a:p>
+          <a:p>
+            <a:pPr lvl="1" marL="743040" indent="-285840" defTabSz="914400">
+              <a:lnSpc>
+                <a:spcPct val="100000"/>
+              </a:lnSpc>
+              <a:spcBef>
+                <a:spcPts val="400"/>
+              </a:spcBef>
+              <a:buClr>
+                <a:srgbClr val="000000"/>
+              </a:buClr>
+              <a:buFont typeface="Arial"/>
+              <a:buChar char="–"/>
+            </a:pPr>
+            <a:r>
+              <a:rPr b="0" lang="en-US" sz="2000" strike="noStrike" u="none">
+                <a:solidFill>
+                  <a:schemeClr val="dk1"/>
+                </a:solidFill>
+                <a:effectLst/>
+                <a:uFillTx/>
+                <a:latin typeface="Calibri"/>
+              </a:rPr>
+              <a:t>Second level</a:t>
+            </a:r>
+            <a:endParaRPr b="0" lang="pt-BR" sz="2000" strike="noStrike" u="none">
+              <a:solidFill>
+                <a:srgbClr val="000000"/>
+              </a:solidFill>
+              <a:effectLst/>
+              <a:uFillTx/>
+              <a:latin typeface="Arial"/>
+            </a:endParaRPr>
+          </a:p>
+          <a:p>
+            <a:pPr lvl="2" marL="1143000" indent="-228600" defTabSz="914400">
+              <a:lnSpc>
+                <a:spcPct val="100000"/>
+              </a:lnSpc>
+              <a:spcBef>
+                <a:spcPts val="360"/>
+              </a:spcBef>
+              <a:buClr>
+                <a:srgbClr val="000000"/>
+              </a:buClr>
+              <a:buFont typeface="Arial"/>
+              <a:buChar char="•"/>
+            </a:pPr>
+            <a:r>
+              <a:rPr b="0" lang="en-US" sz="1800" strike="noStrike" u="none">
+                <a:solidFill>
+                  <a:schemeClr val="dk1"/>
+                </a:solidFill>
+                <a:effectLst/>
+                <a:uFillTx/>
+                <a:latin typeface="Calibri"/>
+              </a:rPr>
+              <a:t>Third level</a:t>
+            </a:r>
+            <a:endParaRPr b="0" lang="pt-BR" sz="1800" strike="noStrike" u="none">
+              <a:solidFill>
+                <a:srgbClr val="000000"/>
+              </a:solidFill>
+              <a:effectLst/>
+              <a:uFillTx/>
+              <a:latin typeface="Arial"/>
+            </a:endParaRPr>
+          </a:p>
+          <a:p>
+            <a:pPr lvl="3" marL="1600200" indent="-228600" defTabSz="914400">
+              <a:lnSpc>
+                <a:spcPct val="100000"/>
+              </a:lnSpc>
+              <a:spcBef>
+                <a:spcPts val="320"/>
+              </a:spcBef>
+              <a:buClr>
+                <a:srgbClr val="000000"/>
+              </a:buClr>
+              <a:buFont typeface="Arial"/>
+              <a:buChar char="–"/>
+            </a:pPr>
+            <a:r>
+              <a:rPr b="0" lang="en-US" sz="1600" strike="noStrike" u="none">
+                <a:solidFill>
+                  <a:schemeClr val="dk1"/>
+                </a:solidFill>
+                <a:effectLst/>
+                <a:uFillTx/>
+                <a:latin typeface="Calibri"/>
+              </a:rPr>
+              <a:t>Fourth level</a:t>
+            </a:r>
+            <a:endParaRPr b="0" lang="pt-BR" sz="1600" strike="noStrike" u="none">
+              <a:solidFill>
+                <a:srgbClr val="000000"/>
+              </a:solidFill>
+              <a:effectLst/>
+              <a:uFillTx/>
+              <a:latin typeface="Arial"/>
+            </a:endParaRPr>
+          </a:p>
+          <a:p>
+            <a:pPr lvl="4" marL="2057400" indent="-228600" defTabSz="914400">
+              <a:lnSpc>
+                <a:spcPct val="100000"/>
+              </a:lnSpc>
+              <a:spcBef>
+                <a:spcPts val="320"/>
+              </a:spcBef>
+              <a:buClr>
+                <a:srgbClr val="000000"/>
+              </a:buClr>
+              <a:buFont typeface="Arial"/>
+              <a:buChar char="»"/>
+            </a:pPr>
+            <a:r>
+              <a:rPr b="0" lang="en-US" sz="1600" strike="noStrike" u="none">
+                <a:solidFill>
+                  <a:schemeClr val="dk1"/>
+                </a:solidFill>
+                <a:effectLst/>
+                <a:uFillTx/>
+                <a:latin typeface="Calibri"/>
+              </a:rPr>
+              <a:t>Fifth level</a:t>
+            </a:r>
+            <a:endParaRPr b="0" lang="pt-BR" sz="1600" strike="noStrike" u="none">
+              <a:solidFill>
+                <a:srgbClr val="000000"/>
+              </a:solidFill>
+              <a:effectLst/>
+              <a:uFillTx/>
+              <a:latin typeface="Arial"/>
+            </a:endParaRPr>
+          </a:p>
+        </p:txBody>
+      </p:sp>
+      <p:sp>
+        <p:nvSpPr>
+          <p:cNvPr id="39" name="PlaceHolder 4"/>
+          <p:cNvSpPr>
+            <a:spLocks noGrp="1"/>
+          </p:cNvSpPr>
+          <p:nvPr>
+            <p:ph type="body"/>
+          </p:nvPr>
+        </p:nvSpPr>
+        <p:spPr>
+          <a:xfrm>
+            <a:off x="4645080" y="1535040"/>
+            <a:ext cx="4039920" cy="637920"/>
+          </a:xfrm>
+          <a:prstGeom prst="rect">
+            <a:avLst/>
+          </a:prstGeom>
+          <a:noFill/>
+          <a:ln w="0">
+            <a:noFill/>
+          </a:ln>
+        </p:spPr>
+        <p:txBody>
+          <a:bodyPr lIns="91440" rIns="91440" tIns="45720" bIns="45720" anchor="b">
+            <a:noAutofit/>
+          </a:bodyPr>
+          <a:p>
+            <a:pPr indent="0" defTabSz="914400">
+              <a:lnSpc>
+                <a:spcPct val="100000"/>
+              </a:lnSpc>
+              <a:spcBef>
+                <a:spcPts val="479"/>
+              </a:spcBef>
+              <a:buNone/>
+              <a:tabLst>
+                <a:tab algn="l" pos="0"/>
+              </a:tabLst>
+            </a:pPr>
+            <a:r>
+              <a:rPr b="1" lang="en-US" sz="2400" strike="noStrike" u="none">
+                <a:solidFill>
+                  <a:schemeClr val="dk1"/>
+                </a:solidFill>
+                <a:effectLst/>
+                <a:uFillTx/>
+                <a:latin typeface="Calibri"/>
+              </a:rPr>
+              <a:t>Click to edit Master text styles</a:t>
+            </a:r>
+            <a:endParaRPr b="0" lang="pt-BR" sz="2400" strike="noStrike" u="none">
+              <a:solidFill>
+                <a:srgbClr val="000000"/>
+              </a:solidFill>
+              <a:effectLst/>
+              <a:uFillTx/>
+              <a:latin typeface="Arial"/>
+            </a:endParaRPr>
+          </a:p>
+        </p:txBody>
+      </p:sp>
+      <p:sp>
+        <p:nvSpPr>
+          <p:cNvPr id="40" name="PlaceHolder 5"/>
+          <p:cNvSpPr>
+            <a:spLocks noGrp="1"/>
+          </p:cNvSpPr>
+          <p:nvPr>
+            <p:ph type="body"/>
+          </p:nvPr>
+        </p:nvSpPr>
+        <p:spPr>
+          <a:xfrm>
+            <a:off x="4645080" y="2174760"/>
+            <a:ext cx="4039920" cy="3949560"/>
+          </a:xfrm>
+          <a:prstGeom prst="rect">
+            <a:avLst/>
+          </a:prstGeom>
+          <a:noFill/>
+          <a:ln w="0">
+            <a:noFill/>
+          </a:ln>
+        </p:spPr>
+        <p:txBody>
+          <a:bodyPr lIns="91440" rIns="91440" tIns="45720" bIns="45720" anchor="t">
+            <a:noAutofit/>
+          </a:bodyPr>
+          <a:p>
+            <a:pPr marL="343080" indent="-343080" defTabSz="914400">
+              <a:lnSpc>
+                <a:spcPct val="100000"/>
+              </a:lnSpc>
+              <a:spcBef>
+                <a:spcPts val="479"/>
+              </a:spcBef>
+              <a:buClr>
+                <a:srgbClr val="000000"/>
+              </a:buClr>
+              <a:buFont typeface="Arial"/>
+              <a:buChar char="•"/>
+            </a:pPr>
+            <a:r>
+              <a:rPr b="0" lang="en-US" sz="2400" strike="noStrike" u="none">
+                <a:solidFill>
+                  <a:schemeClr val="dk1"/>
+                </a:solidFill>
+                <a:effectLst/>
+                <a:uFillTx/>
+                <a:latin typeface="Calibri"/>
+              </a:rPr>
+              <a:t>Click to edit Master text styles</a:t>
+            </a:r>
+            <a:endParaRPr b="0" lang="pt-BR" sz="2400" strike="noStrike" u="none">
+              <a:solidFill>
+                <a:srgbClr val="000000"/>
+              </a:solidFill>
+              <a:effectLst/>
+              <a:uFillTx/>
+              <a:latin typeface="Arial"/>
+            </a:endParaRPr>
+          </a:p>
+          <a:p>
+            <a:pPr lvl="1" marL="743040" indent="-285840" defTabSz="914400">
+              <a:lnSpc>
+                <a:spcPct val="100000"/>
+              </a:lnSpc>
+              <a:spcBef>
+                <a:spcPts val="400"/>
+              </a:spcBef>
+              <a:buClr>
+                <a:srgbClr val="000000"/>
+              </a:buClr>
+              <a:buFont typeface="Arial"/>
+              <a:buChar char="–"/>
+            </a:pPr>
+            <a:r>
+              <a:rPr b="0" lang="en-US" sz="2000" strike="noStrike" u="none">
+                <a:solidFill>
+                  <a:schemeClr val="dk1"/>
+                </a:solidFill>
+                <a:effectLst/>
+                <a:uFillTx/>
+                <a:latin typeface="Calibri"/>
+              </a:rPr>
+              <a:t>Second level</a:t>
+            </a:r>
+            <a:endParaRPr b="0" lang="pt-BR" sz="2000" strike="noStrike" u="none">
+              <a:solidFill>
+                <a:srgbClr val="000000"/>
+              </a:solidFill>
+              <a:effectLst/>
+              <a:uFillTx/>
+              <a:latin typeface="Arial"/>
+            </a:endParaRPr>
+          </a:p>
+          <a:p>
+            <a:pPr lvl="2" marL="1143000" indent="-228600" defTabSz="914400">
+              <a:lnSpc>
+                <a:spcPct val="100000"/>
+              </a:lnSpc>
+              <a:spcBef>
+                <a:spcPts val="360"/>
+              </a:spcBef>
+              <a:buClr>
+                <a:srgbClr val="000000"/>
+              </a:buClr>
+              <a:buFont typeface="Arial"/>
+              <a:buChar char="•"/>
+            </a:pPr>
+            <a:r>
+              <a:rPr b="0" lang="en-US" sz="1800" strike="noStrike" u="none">
+                <a:solidFill>
+                  <a:schemeClr val="dk1"/>
+                </a:solidFill>
+                <a:effectLst/>
+                <a:uFillTx/>
+                <a:latin typeface="Calibri"/>
+              </a:rPr>
+              <a:t>Third level</a:t>
+            </a:r>
+            <a:endParaRPr b="0" lang="pt-BR" sz="1800" strike="noStrike" u="none">
+              <a:solidFill>
+                <a:srgbClr val="000000"/>
+              </a:solidFill>
+              <a:effectLst/>
+              <a:uFillTx/>
+              <a:latin typeface="Arial"/>
+            </a:endParaRPr>
+          </a:p>
+          <a:p>
+            <a:pPr lvl="3" marL="1600200" indent="-228600" defTabSz="914400">
+              <a:lnSpc>
+                <a:spcPct val="100000"/>
+              </a:lnSpc>
+              <a:spcBef>
+                <a:spcPts val="320"/>
+              </a:spcBef>
+              <a:buClr>
+                <a:srgbClr val="000000"/>
+              </a:buClr>
+              <a:buFont typeface="Arial"/>
+              <a:buChar char="–"/>
+            </a:pPr>
+            <a:r>
+              <a:rPr b="0" lang="en-US" sz="1600" strike="noStrike" u="none">
+                <a:solidFill>
+                  <a:schemeClr val="dk1"/>
+                </a:solidFill>
+                <a:effectLst/>
+                <a:uFillTx/>
+                <a:latin typeface="Calibri"/>
+              </a:rPr>
+              <a:t>Fourth level</a:t>
+            </a:r>
+            <a:endParaRPr b="0" lang="pt-BR" sz="1600" strike="noStrike" u="none">
+              <a:solidFill>
+                <a:srgbClr val="000000"/>
+              </a:solidFill>
+              <a:effectLst/>
+              <a:uFillTx/>
+              <a:latin typeface="Arial"/>
+            </a:endParaRPr>
+          </a:p>
+          <a:p>
+            <a:pPr lvl="4" marL="2057400" indent="-228600" defTabSz="914400">
+              <a:lnSpc>
+                <a:spcPct val="100000"/>
+              </a:lnSpc>
+              <a:spcBef>
+                <a:spcPts val="320"/>
+              </a:spcBef>
+              <a:buClr>
+                <a:srgbClr val="000000"/>
+              </a:buClr>
+              <a:buFont typeface="Arial"/>
+              <a:buChar char="»"/>
+            </a:pPr>
+            <a:r>
+              <a:rPr b="0" lang="en-US" sz="1600" strike="noStrike" u="none">
+                <a:solidFill>
+                  <a:schemeClr val="dk1"/>
+                </a:solidFill>
+                <a:effectLst/>
+                <a:uFillTx/>
+                <a:latin typeface="Calibri"/>
+              </a:rPr>
+              <a:t>Fifth level</a:t>
+            </a:r>
+            <a:endParaRPr b="0" lang="pt-BR" sz="1600" strike="noStrike" u="none">
+              <a:solidFill>
+                <a:srgbClr val="000000"/>
+              </a:solidFill>
+              <a:effectLst/>
+              <a:uFillTx/>
+              <a:latin typeface="Arial"/>
+            </a:endParaRPr>
+          </a:p>
+        </p:txBody>
+      </p:sp>
+      <p:sp>
+        <p:nvSpPr>
+          <p:cNvPr id="41" name="PlaceHolder 6"/>
+          <p:cNvSpPr>
+            <a:spLocks noGrp="1"/>
+          </p:cNvSpPr>
+          <p:nvPr>
+            <p:ph type="dt" idx="22"/>
+          </p:nvPr>
+        </p:nvSpPr>
+        <p:spPr>
+          <a:xfrm>
+            <a:off x="457200" y="6356520"/>
+            <a:ext cx="2131920" cy="363240"/>
+          </a:xfrm>
+          <a:prstGeom prst="rect">
+            <a:avLst/>
+          </a:prstGeom>
+          <a:noFill/>
+          <a:ln w="0">
+            <a:noFill/>
+          </a:ln>
+        </p:spPr>
+        <p:txBody>
+          <a:bodyPr lIns="91440" rIns="91440" tIns="45720" bIns="45720" anchor="ctr">
+            <a:noAutofit/>
+          </a:bodyPr>
+          <a:lstStyle>
+            <a:lvl1pPr indent="0" defTabSz="914400">
+              <a:lnSpc>
+                <a:spcPct val="100000"/>
+              </a:lnSpc>
+              <a:buNone/>
+              <a:tabLst>
+                <a:tab algn="l" pos="0"/>
+              </a:tabLst>
+              <a:defRPr b="0" lang="en-US" sz="1200" strike="noStrike" u="none">
+                <a:solidFill>
+                  <a:schemeClr val="dk1">
+                    <a:tint val="75000"/>
+                  </a:schemeClr>
+                </a:solidFill>
+                <a:effectLst/>
+                <a:uFillTx/>
+                <a:latin typeface="Calibri"/>
+              </a:defRPr>
+            </a:lvl1pPr>
+          </a:lstStyle>
+          <a:p>
+            <a:pPr indent="0" defTabSz="914400">
+              <a:lnSpc>
+                <a:spcPct val="100000"/>
+              </a:lnSpc>
+              <a:buNone/>
+              <a:tabLst>
+                <a:tab algn="l" pos="0"/>
+              </a:tabLst>
+            </a:pPr>
+            <a:r>
+              <a:rPr b="0" lang="en-US" sz="1200" strike="noStrike" u="none">
+                <a:solidFill>
+                  <a:schemeClr val="dk1">
+                    <a:tint val="75000"/>
+                  </a:schemeClr>
+                </a:solidFill>
+                <a:effectLst/>
+                <a:uFillTx/>
+                <a:latin typeface="Calibri"/>
+              </a:rPr>
+              <a:t>&lt;data/hora&gt;</a:t>
+            </a:r>
+            <a:endParaRPr b="0" lang="pt-BR" sz="1200" strike="noStrike" u="none">
+              <a:solidFill>
+                <a:srgbClr val="000000"/>
+              </a:solidFill>
+              <a:effectLst/>
+              <a:uFillTx/>
+              <a:latin typeface="Times New Roman"/>
+            </a:endParaRPr>
+          </a:p>
+        </p:txBody>
+      </p:sp>
+      <p:sp>
+        <p:nvSpPr>
+          <p:cNvPr id="42" name="PlaceHolder 7"/>
+          <p:cNvSpPr>
+            <a:spLocks noGrp="1"/>
+          </p:cNvSpPr>
+          <p:nvPr>
+            <p:ph type="ftr" idx="23"/>
+          </p:nvPr>
+        </p:nvSpPr>
+        <p:spPr>
+          <a:xfrm>
+            <a:off x="3124080" y="6356520"/>
+            <a:ext cx="2893680" cy="363240"/>
+          </a:xfrm>
+          <a:prstGeom prst="rect">
+            <a:avLst/>
+          </a:prstGeom>
+          <a:noFill/>
+          <a:ln w="0">
+            <a:noFill/>
+          </a:ln>
+        </p:spPr>
+        <p:txBody>
+          <a:bodyPr lIns="91440" rIns="91440" tIns="45720" bIns="45720" anchor="ctr">
+            <a:noAutofit/>
+          </a:bodyPr>
+          <a:lstStyle>
+            <a:lvl1pPr indent="0" algn="ctr">
+              <a:lnSpc>
+                <a:spcPct val="100000"/>
+              </a:lnSpc>
+              <a:buNone/>
+              <a:tabLst>
+                <a:tab algn="l" pos="0"/>
+              </a:tabLst>
+              <a:defRPr b="0" lang="pt-BR" sz="1400" strike="noStrike" u="none">
+                <a:solidFill>
+                  <a:srgbClr val="000000"/>
+                </a:solidFill>
+                <a:effectLst/>
+                <a:uFillTx/>
+                <a:latin typeface="Times New Roman"/>
+              </a:defRPr>
+            </a:lvl1pPr>
+          </a:lstStyle>
+          <a:p>
+            <a:pPr indent="0" algn="ctr">
+              <a:lnSpc>
+                <a:spcPct val="100000"/>
+              </a:lnSpc>
+              <a:buNone/>
+              <a:tabLst>
+                <a:tab algn="l" pos="0"/>
+              </a:tabLst>
+            </a:pPr>
+            <a:r>
+              <a:rPr b="0" lang="pt-BR" sz="1400" strike="noStrike" u="none">
+                <a:solidFill>
+                  <a:srgbClr val="000000"/>
+                </a:solidFill>
+                <a:effectLst/>
+                <a:uFillTx/>
+                <a:latin typeface="Times New Roman"/>
+              </a:rPr>
+              <a:t>&lt;rodapé&gt;</a:t>
+            </a:r>
+            <a:endParaRPr b="0" lang="pt-BR" sz="1400" strike="noStrike" u="none">
+              <a:solidFill>
+                <a:srgbClr val="000000"/>
+              </a:solidFill>
+              <a:effectLst/>
+              <a:uFillTx/>
+              <a:latin typeface="Times New Roman"/>
+            </a:endParaRPr>
+          </a:p>
+        </p:txBody>
+      </p:sp>
+      <p:sp>
+        <p:nvSpPr>
+          <p:cNvPr id="43" name="PlaceHolder 8"/>
+          <p:cNvSpPr>
+            <a:spLocks noGrp="1"/>
+          </p:cNvSpPr>
+          <p:nvPr>
+            <p:ph type="sldNum" idx="24"/>
+          </p:nvPr>
+        </p:nvSpPr>
+        <p:spPr>
+          <a:xfrm>
+            <a:off x="6553080" y="6356520"/>
+            <a:ext cx="2131920" cy="363240"/>
+          </a:xfrm>
+          <a:prstGeom prst="rect">
+            <a:avLst/>
+          </a:prstGeom>
+          <a:noFill/>
+          <a:ln w="0">
+            <a:noFill/>
+          </a:ln>
+        </p:spPr>
+        <p:txBody>
+          <a:bodyPr lIns="91440" rIns="91440" tIns="45720" bIns="45720" anchor="ctr">
+            <a:noAutofit/>
+          </a:bodyPr>
+          <a:lstStyle>
+            <a:lvl1pPr indent="0" algn="r" defTabSz="914400">
+              <a:lnSpc>
+                <a:spcPct val="100000"/>
+              </a:lnSpc>
+              <a:buNone/>
+              <a:tabLst>
+                <a:tab algn="l" pos="0"/>
+              </a:tabLst>
+              <a:defRPr b="0" lang="en-US" sz="1200" strike="noStrike" u="none">
+                <a:solidFill>
+                  <a:schemeClr val="dk1">
+                    <a:tint val="75000"/>
+                  </a:schemeClr>
+                </a:solidFill>
+                <a:effectLst/>
+                <a:uFillTx/>
+                <a:latin typeface="Calibri"/>
+              </a:defRPr>
+            </a:lvl1pPr>
+          </a:lstStyle>
+          <a:p>
+            <a:pPr indent="0" algn="r" defTabSz="914400">
+              <a:lnSpc>
+                <a:spcPct val="100000"/>
+              </a:lnSpc>
+              <a:buNone/>
+              <a:tabLst>
+                <a:tab algn="l" pos="0"/>
+              </a:tabLst>
+            </a:pPr>
+            <a:fld id="{5E804FEF-5EDB-4D2D-8CFD-B568C7FEA155}" type="slidenum">
+              <a:rPr b="0" lang="en-US" sz="1200" strike="noStrike" u="none">
+                <a:solidFill>
+                  <a:schemeClr val="dk1">
+                    <a:tint val="75000"/>
+                  </a:schemeClr>
+                </a:solidFill>
+                <a:effectLst/>
+                <a:uFillTx/>
+                <a:latin typeface="Calibri"/>
+              </a:rPr>
+              <a:t>&lt;número&gt;</a:t>
+            </a:fld>
+            <a:endParaRPr b="0" lang="pt-BR" sz="1200" strike="noStrike" u="none">
+              <a:solidFill>
+                <a:srgbClr val="000000"/>
+              </a:solidFill>
+              <a:effectLst/>
+              <a:uFillTx/>
+              <a:latin typeface="Times New Roman"/>
+            </a:endParaRPr>
+          </a:p>
+        </p:txBody>
+      </p:sp>
+    </p:spTree>
+  </p:cSld>
+</p:sldLayout>
+</file>
+
+<file path=ppt/slideLayouts/slideLayout9.xml><?xml version="1.0" encoding="utf-8"?>
 <p:sldLayout xmlns:a="http://schemas.openxmlformats.org/drawingml/2006/main" xmlns:p="http://schemas.openxmlformats.org/presentationml/2006/main" xmlns:r="http://schemas.openxmlformats.org/officeDocument/2006/relationships" xmlns:p14="http://schemas.microsoft.com/office/powerpoint/2010/main" xmlns:p15="http://schemas.microsoft.com/office/powerpoint/2012/main" xmlns:mc="http://schemas.openxmlformats.org/markup-compatibility/2006" type="titleOnly" preserve="1">
   <p:cSld name="Title Only">
     <p:bg>
@@ -4922,7 +5457,7 @@
       </p:grpSpPr>
       <p:sp>
         <p:nvSpPr>
-          <p:cNvPr id="38" name="PlaceHolder 1"/>
+          <p:cNvPr id="44" name="PlaceHolder 1"/>
           <p:cNvSpPr>
             <a:spLocks noGrp="1"/>
           </p:cNvSpPr>
@@ -4933,7 +5468,7 @@
         <p:spPr>
           <a:xfrm>
             <a:off x="457200" y="274680"/>
-            <a:ext cx="8229240" cy="1142640"/>
+            <a:ext cx="8227800" cy="1141200"/>
           </a:xfrm>
           <a:prstGeom prst="rect">
             <a:avLst/>
@@ -4953,6 +5488,9 @@
                 <a:spcPct val="100000"/>
               </a:lnSpc>
               <a:buNone/>
+              <a:tabLst>
+                <a:tab algn="l" pos="0"/>
+              </a:tabLst>
             </a:pPr>
             <a:r>
               <a:rPr b="0" lang="en-US" sz="4400" strike="noStrike" u="none">
@@ -4965,31 +5503,31 @@
               </a:rPr>
               <a:t>Click to edit Master title style</a:t>
             </a:r>
-            <a:endParaRPr b="0" lang="en-US" sz="4400" strike="noStrike" u="none">
-              <a:solidFill>
-                <a:schemeClr val="dk1"/>
-              </a:solidFill>
-              <a:effectLst/>
-              <a:uFillTx/>
-              <a:latin typeface="Calibri"/>
+            <a:endParaRPr b="0" lang="pt-BR" sz="4400" strike="noStrike" u="none">
+              <a:solidFill>
+                <a:srgbClr val="000000"/>
+              </a:solidFill>
+              <a:effectLst/>
+              <a:uFillTx/>
+              <a:latin typeface="Arial"/>
             </a:endParaRPr>
           </a:p>
         </p:txBody>
       </p:sp>
       <p:sp>
         <p:nvSpPr>
-          <p:cNvPr id="39" name="PlaceHolder 2"/>
+          <p:cNvPr id="45" name="PlaceHolder 2"/>
           <p:cNvSpPr>
             <a:spLocks noGrp="1"/>
           </p:cNvSpPr>
           <p:nvPr>
-            <p:ph type="dt" idx="22"/>
+            <p:ph type="dt" idx="25"/>
           </p:nvPr>
         </p:nvSpPr>
         <p:spPr>
           <a:xfrm>
             <a:off x="457200" y="6356520"/>
-            <a:ext cx="2133360" cy="364680"/>
+            <a:ext cx="2131920" cy="363240"/>
           </a:xfrm>
           <a:prstGeom prst="rect">
             <a:avLst/>
@@ -5009,6 +5547,9 @@
                 <a:spcPct val="100000"/>
               </a:lnSpc>
               <a:buNone/>
+              <a:tabLst>
+                <a:tab algn="l" pos="0"/>
+              </a:tabLst>
               <a:defRPr b="0" lang="en-US" sz="1200" strike="noStrike" u="none">
                 <a:solidFill>
                   <a:schemeClr val="dk1">
@@ -5027,6 +5568,9 @@
                 <a:spcPct val="100000"/>
               </a:lnSpc>
               <a:buNone/>
+              <a:tabLst>
+                <a:tab algn="l" pos="0"/>
+              </a:tabLst>
             </a:pPr>
             <a:r>
               <a:rPr b="0" lang="en-US" sz="1200" strike="noStrike" u="none">
@@ -5054,18 +5598,18 @@
       </p:sp>
       <p:sp>
         <p:nvSpPr>
-          <p:cNvPr id="40" name="PlaceHolder 3"/>
+          <p:cNvPr id="46" name="PlaceHolder 3"/>
           <p:cNvSpPr>
             <a:spLocks noGrp="1"/>
           </p:cNvSpPr>
           <p:nvPr>
-            <p:ph type="ftr" idx="23"/>
+            <p:ph type="ftr" idx="26"/>
           </p:nvPr>
         </p:nvSpPr>
         <p:spPr>
           <a:xfrm>
             <a:off x="3124080" y="6356520"/>
-            <a:ext cx="2895120" cy="364680"/>
+            <a:ext cx="2893680" cy="363240"/>
           </a:xfrm>
           <a:prstGeom prst="rect">
             <a:avLst/>
@@ -5081,7 +5625,13 @@
           </a:bodyPr>
           <a:lstStyle>
             <a:lvl1pPr indent="0" algn="ctr">
-              <a:buNone/>
+              <a:lnSpc>
+                <a:spcPct val="100000"/>
+              </a:lnSpc>
+              <a:buNone/>
+              <a:tabLst>
+                <a:tab algn="l" pos="0"/>
+              </a:tabLst>
               <a:defRPr b="0" lang="pt-BR" sz="1400" strike="noStrike" u="none">
                 <a:solidFill>
                   <a:srgbClr val="000000"/>
@@ -5094,7 +5644,13 @@
           </a:lstStyle>
           <a:p>
             <a:pPr indent="0" algn="ctr">
-              <a:buNone/>
+              <a:lnSpc>
+                <a:spcPct val="100000"/>
+              </a:lnSpc>
+              <a:buNone/>
+              <a:tabLst>
+                <a:tab algn="l" pos="0"/>
+              </a:tabLst>
             </a:pPr>
             <a:r>
               <a:rPr b="0" lang="pt-BR" sz="1400" strike="noStrike" u="none">
@@ -5120,18 +5676,18 @@
       </p:sp>
       <p:sp>
         <p:nvSpPr>
-          <p:cNvPr id="41" name="PlaceHolder 4"/>
+          <p:cNvPr id="47" name="PlaceHolder 4"/>
           <p:cNvSpPr>
             <a:spLocks noGrp="1"/>
           </p:cNvSpPr>
           <p:nvPr>
-            <p:ph type="sldNum" idx="24"/>
+            <p:ph type="sldNum" idx="27"/>
           </p:nvPr>
         </p:nvSpPr>
         <p:spPr>
           <a:xfrm>
             <a:off x="6553080" y="6356520"/>
-            <a:ext cx="2133360" cy="364680"/>
+            <a:ext cx="2131920" cy="363240"/>
           </a:xfrm>
           <a:prstGeom prst="rect">
             <a:avLst/>
@@ -5151,6 +5707,9 @@
                 <a:spcPct val="100000"/>
               </a:lnSpc>
               <a:buNone/>
+              <a:tabLst>
+                <a:tab algn="l" pos="0"/>
+              </a:tabLst>
               <a:defRPr b="0" lang="en-US" sz="1200" strike="noStrike" u="none">
                 <a:solidFill>
                   <a:schemeClr val="dk1">
@@ -5169,255 +5728,11 @@
                 <a:spcPct val="100000"/>
               </a:lnSpc>
               <a:buNone/>
-            </a:pPr>
-            <a:fld id="{8D73D754-3901-4FEA-A835-F7AF47917744}" type="slidenum">
-              <a:rPr b="0" lang="en-US" sz="1200" strike="noStrike" u="none">
-                <a:solidFill>
-                  <a:schemeClr val="dk1">
-                    <a:tint val="75000"/>
-                  </a:schemeClr>
-                </a:solidFill>
-                <a:effectLst/>
-                <a:uFillTx/>
-                <a:latin typeface="Calibri"/>
-              </a:rPr>
-              <a:t>&lt;número&gt;</a:t>
-            </a:fld>
-            <a:endParaRPr b="0" lang="pt-BR" sz="1200" strike="noStrike" u="none">
-              <a:solidFill>
-                <a:srgbClr val="000000"/>
-              </a:solidFill>
-              <a:effectLst/>
-              <a:uFillTx/>
-              <a:latin typeface="Times New Roman"/>
-            </a:endParaRPr>
-          </a:p>
-        </p:txBody>
-      </p:sp>
-    </p:spTree>
-  </p:cSld>
-</p:sldLayout>
-</file>
-
-<file path=ppt/slideLayouts/slideLayout9.xml><?xml version="1.0" encoding="utf-8"?>
-<p:sldLayout xmlns:a="http://schemas.openxmlformats.org/drawingml/2006/main" xmlns:p="http://schemas.openxmlformats.org/presentationml/2006/main" xmlns:r="http://schemas.openxmlformats.org/officeDocument/2006/relationships" xmlns:p14="http://schemas.microsoft.com/office/powerpoint/2010/main" xmlns:p15="http://schemas.microsoft.com/office/powerpoint/2012/main" xmlns:mc="http://schemas.openxmlformats.org/markup-compatibility/2006" type="blank" preserve="1">
-  <p:cSld name="Blank">
-    <p:bg>
-      <p:bgPr>
-        <a:solidFill>
-          <a:srgbClr val="ffffff"/>
-        </a:solidFill>
-      </p:bgPr>
-    </p:bg>
-    <p:spTree>
-      <p:nvGrpSpPr>
-        <p:cNvPr id="1" name=""/>
-        <p:cNvGrpSpPr/>
-        <p:nvPr/>
-      </p:nvGrpSpPr>
-      <p:grpSpPr>
-        <a:xfrm>
-          <a:off x="0" y="0"/>
-          <a:ext cx="0" cy="0"/>
-          <a:chOff x="0" y="0"/>
-          <a:chExt cx="0" cy="0"/>
-        </a:xfrm>
-      </p:grpSpPr>
-      <p:sp>
-        <p:nvSpPr>
-          <p:cNvPr id="42" name="PlaceHolder 1"/>
-          <p:cNvSpPr>
-            <a:spLocks noGrp="1"/>
-          </p:cNvSpPr>
-          <p:nvPr>
-            <p:ph type="dt" idx="25"/>
-          </p:nvPr>
-        </p:nvSpPr>
-        <p:spPr>
-          <a:xfrm>
-            <a:off x="457200" y="6356520"/>
-            <a:ext cx="2133360" cy="364680"/>
-          </a:xfrm>
-          <a:prstGeom prst="rect">
-            <a:avLst/>
-          </a:prstGeom>
-          <a:noFill/>
-          <a:ln w="0">
-            <a:noFill/>
-          </a:ln>
-        </p:spPr>
-        <p:txBody>
-          <a:bodyPr lIns="91440" rIns="91440" tIns="45720" bIns="45720" anchor="ctr">
-            <a:noAutofit/>
-          </a:bodyPr>
-          <a:lstStyle>
-            <a:lvl1pPr indent="0" defTabSz="914400">
-              <a:lnSpc>
-                <a:spcPct val="100000"/>
-              </a:lnSpc>
-              <a:buNone/>
-              <a:defRPr b="0" lang="en-US" sz="1200" strike="noStrike" u="none">
-                <a:solidFill>
-                  <a:schemeClr val="dk1">
-                    <a:tint val="75000"/>
-                  </a:schemeClr>
-                </a:solidFill>
-                <a:effectLst/>
-                <a:uFillTx/>
-                <a:latin typeface="Calibri"/>
-              </a:defRPr>
-            </a:lvl1pPr>
-          </a:lstStyle>
-          <a:p>
-            <a:pPr indent="0" defTabSz="914400">
-              <a:lnSpc>
-                <a:spcPct val="100000"/>
-              </a:lnSpc>
-              <a:buNone/>
-            </a:pPr>
-            <a:r>
-              <a:rPr b="0" lang="en-US" sz="1200" strike="noStrike" u="none">
-                <a:solidFill>
-                  <a:schemeClr val="dk1">
-                    <a:tint val="75000"/>
-                  </a:schemeClr>
-                </a:solidFill>
-                <a:effectLst/>
-                <a:uFillTx/>
-                <a:latin typeface="Calibri"/>
-              </a:rPr>
-              <a:t>&lt;data/hora&gt;</a:t>
-            </a:r>
-            <a:endParaRPr b="0" lang="pt-BR" sz="1200" strike="noStrike" u="none">
-              <a:solidFill>
-                <a:srgbClr val="000000"/>
-              </a:solidFill>
-              <a:effectLst/>
-              <a:uFillTx/>
-              <a:latin typeface="Times New Roman"/>
-            </a:endParaRPr>
-          </a:p>
-        </p:txBody>
-      </p:sp>
-      <p:sp>
-        <p:nvSpPr>
-          <p:cNvPr id="43" name="PlaceHolder 2"/>
-          <p:cNvSpPr>
-            <a:spLocks noGrp="1"/>
-          </p:cNvSpPr>
-          <p:nvPr>
-            <p:ph type="ftr" idx="26"/>
-          </p:nvPr>
-        </p:nvSpPr>
-        <p:spPr>
-          <a:xfrm>
-            <a:off x="3124080" y="6356520"/>
-            <a:ext cx="2895120" cy="364680"/>
-          </a:xfrm>
-          <a:prstGeom prst="rect">
-            <a:avLst/>
-          </a:prstGeom>
-          <a:noFill/>
-          <a:ln w="0">
-            <a:noFill/>
-          </a:ln>
-        </p:spPr>
-        <p:txBody>
-          <a:bodyPr lIns="91440" rIns="91440" tIns="45720" bIns="45720" anchor="ctr">
-            <a:noAutofit/>
-          </a:bodyPr>
-          <a:lstStyle>
-            <a:lvl1pPr indent="0" algn="ctr">
-              <a:buNone/>
-              <a:defRPr b="0" lang="pt-BR" sz="1400" strike="noStrike" u="none">
-                <a:solidFill>
-                  <a:srgbClr val="000000"/>
-                </a:solidFill>
-                <a:effectLst/>
-                <a:uFillTx/>
-                <a:latin typeface="Times New Roman"/>
-              </a:defRPr>
-            </a:lvl1pPr>
-          </a:lstStyle>
-          <a:p>
-            <a:pPr indent="0" algn="ctr">
-              <a:buNone/>
-            </a:pPr>
-            <a:r>
-              <a:rPr b="0" lang="pt-BR" sz="1400" strike="noStrike" u="none">
-                <a:solidFill>
-                  <a:srgbClr val="000000"/>
-                </a:solidFill>
-                <a:effectLst/>
-                <a:uFillTx/>
-                <a:latin typeface="Times New Roman"/>
-              </a:rPr>
-              <a:t>&lt;rodapé&gt;</a:t>
-            </a:r>
-            <a:endParaRPr b="0" lang="pt-BR" sz="1400" strike="noStrike" u="none">
-              <a:solidFill>
-                <a:srgbClr val="000000"/>
-              </a:solidFill>
-              <a:effectLst/>
-              <a:uFillTx/>
-              <a:latin typeface="Times New Roman"/>
-            </a:endParaRPr>
-          </a:p>
-        </p:txBody>
-      </p:sp>
-      <p:sp>
-        <p:nvSpPr>
-          <p:cNvPr id="44" name="PlaceHolder 3"/>
-          <p:cNvSpPr>
-            <a:spLocks noGrp="1"/>
-          </p:cNvSpPr>
-          <p:nvPr>
-            <p:ph type="sldNum" idx="27"/>
-          </p:nvPr>
-        </p:nvSpPr>
-        <p:spPr>
-          <a:xfrm>
-            <a:off x="6553080" y="6356520"/>
-            <a:ext cx="2133360" cy="364680"/>
-          </a:xfrm>
-          <a:prstGeom prst="rect">
-            <a:avLst/>
-          </a:prstGeom>
-          <a:noFill/>
-          <a:ln w="0">
-            <a:noFill/>
-          </a:ln>
-        </p:spPr>
-        <p:txBody>
-          <a:bodyPr lIns="91440" rIns="91440" tIns="45720" bIns="45720" anchor="ctr">
-            <a:noAutofit/>
-          </a:bodyPr>
-          <a:lstStyle>
-            <a:lvl1pPr indent="0" algn="r" defTabSz="914400">
-              <a:lnSpc>
-                <a:spcPct val="100000"/>
-              </a:lnSpc>
-              <a:buNone/>
-              <a:defRPr b="0" lang="en-US" sz="1200" strike="noStrike" u="none">
-                <a:solidFill>
-                  <a:schemeClr val="dk1">
-                    <a:tint val="75000"/>
-                  </a:schemeClr>
-                </a:solidFill>
-                <a:effectLst/>
-                <a:uFillTx/>
-                <a:latin typeface="Calibri"/>
-              </a:defRPr>
-            </a:lvl1pPr>
-          </a:lstStyle>
-          <a:p>
-            <a:pPr indent="0" algn="r" defTabSz="914400">
-              <a:lnSpc>
-                <a:spcPct val="100000"/>
-              </a:lnSpc>
-              <a:buNone/>
-            </a:pPr>
-            <a:fld id="{DE6DB587-6AE5-46C9-979E-739D5887A3F8}" type="slidenum">
+              <a:tabLst>
+                <a:tab algn="l" pos="0"/>
+              </a:tabLst>
+            </a:pPr>
+            <a:fld id="{AEFB3346-6F1D-48D8-AC34-095654F7B200}" type="slidenum">
               <a:rPr b="0" lang="en-US" sz="1200" strike="noStrike" u="none">
                 <a:solidFill>
                   <a:schemeClr val="dk1">
@@ -5515,9 +5830,9 @@
         <p:grpSpPr>
           <a:xfrm>
             <a:off x="370080" y="258120"/>
-            <a:ext cx="9958320" cy="6944760"/>
+            <a:ext cx="9956880" cy="6943320"/>
             <a:chOff x="370080" y="258120"/>
-            <a:chExt cx="9958320" cy="6944760"/>
+            <a:chExt cx="9956880" cy="6943320"/>
           </a:xfrm>
         </p:grpSpPr>
         <p:sp>
@@ -5529,15 +5844,15 @@
           <p:spPr>
             <a:xfrm>
               <a:off x="370080" y="357120"/>
-              <a:ext cx="9958320" cy="6845760"/>
+              <a:ext cx="9956880" cy="6844320"/>
             </a:xfrm>
             <a:custGeom>
               <a:avLst/>
               <a:gdLst>
-                <a:gd name="textAreaLeft" fmla="*/ 0 w 9958320"/>
-                <a:gd name="textAreaRight" fmla="*/ 9958680 w 9958320"/>
-                <a:gd name="textAreaTop" fmla="*/ 0 h 6845760"/>
-                <a:gd name="textAreaBottom" fmla="*/ 6846120 h 6845760"/>
+                <a:gd name="textAreaLeft" fmla="*/ 0 w 9956880"/>
+                <a:gd name="textAreaRight" fmla="*/ 9958680 w 9956880"/>
+                <a:gd name="textAreaTop" fmla="*/ 0 h 6844320"/>
+                <a:gd name="textAreaBottom" fmla="*/ 6846120 h 6844320"/>
               </a:gdLst>
               <a:ahLst/>
               <a:cxnLst/>
@@ -5579,6 +5894,11 @@
               <a:noAutofit/>
             </a:bodyPr>
             <a:p>
+              <a:pPr>
+                <a:lnSpc>
+                  <a:spcPct val="100000"/>
+                </a:lnSpc>
+              </a:pPr>
               <a:endParaRPr b="0" lang="pt-BR" sz="1800" strike="noStrike" u="none">
                 <a:solidFill>
                   <a:srgbClr val="ffffff"/>
@@ -5599,7 +5919,7 @@
           <p:spPr>
             <a:xfrm>
               <a:off x="370080" y="258120"/>
-              <a:ext cx="9958320" cy="6944400"/>
+              <a:ext cx="9956880" cy="6942960"/>
             </a:xfrm>
             <a:prstGeom prst="rect">
               <a:avLst/>
@@ -5646,9 +5966,9 @@
         <p:grpSpPr>
           <a:xfrm>
             <a:off x="624960" y="527400"/>
-            <a:ext cx="9441360" cy="6413400"/>
+            <a:ext cx="9439920" cy="6411960"/>
             <a:chOff x="624960" y="527400"/>
-            <a:chExt cx="9441360" cy="6413400"/>
+            <a:chExt cx="9439920" cy="6411960"/>
           </a:xfrm>
         </p:grpSpPr>
         <p:sp>
@@ -5660,15 +5980,15 @@
           <p:spPr>
             <a:xfrm>
               <a:off x="624960" y="618840"/>
-              <a:ext cx="9441360" cy="6321960"/>
+              <a:ext cx="9439920" cy="6320520"/>
             </a:xfrm>
             <a:custGeom>
               <a:avLst/>
               <a:gdLst>
-                <a:gd name="textAreaLeft" fmla="*/ 0 w 9441360"/>
-                <a:gd name="textAreaRight" fmla="*/ 9441720 w 9441360"/>
-                <a:gd name="textAreaTop" fmla="*/ 0 h 6321960"/>
-                <a:gd name="textAreaBottom" fmla="*/ 6322320 h 6321960"/>
+                <a:gd name="textAreaLeft" fmla="*/ 0 w 9439920"/>
+                <a:gd name="textAreaRight" fmla="*/ 9441720 w 9439920"/>
+                <a:gd name="textAreaTop" fmla="*/ 0 h 6320520"/>
+                <a:gd name="textAreaBottom" fmla="*/ 6322320 h 6320520"/>
               </a:gdLst>
               <a:ahLst/>
               <a:cxnLst/>
@@ -5711,6 +6031,11 @@
               <a:noAutofit/>
             </a:bodyPr>
             <a:p>
+              <a:pPr>
+                <a:lnSpc>
+                  <a:spcPct val="100000"/>
+                </a:lnSpc>
+              </a:pPr>
               <a:endParaRPr b="0" lang="pt-BR" sz="1800" strike="noStrike" u="none">
                 <a:solidFill>
                   <a:srgbClr val="000000"/>
@@ -5731,7 +6056,7 @@
           <p:spPr>
             <a:xfrm>
               <a:off x="624960" y="527400"/>
-              <a:ext cx="9441360" cy="6413400"/>
+              <a:ext cx="9439920" cy="6411960"/>
             </a:xfrm>
             <a:prstGeom prst="rect">
               <a:avLst/>
@@ -5778,15 +6103,15 @@
         <p:spPr>
           <a:xfrm>
             <a:off x="676440" y="631080"/>
-            <a:ext cx="9339120" cy="6297120"/>
+            <a:ext cx="9337680" cy="6295680"/>
           </a:xfrm>
           <a:custGeom>
             <a:avLst/>
             <a:gdLst>
-              <a:gd name="textAreaLeft" fmla="*/ 0 w 9339120"/>
-              <a:gd name="textAreaRight" fmla="*/ 9339480 w 9339120"/>
-              <a:gd name="textAreaTop" fmla="*/ 0 h 6297120"/>
-              <a:gd name="textAreaBottom" fmla="*/ 6297480 h 6297120"/>
+              <a:gd name="textAreaLeft" fmla="*/ 0 w 9337680"/>
+              <a:gd name="textAreaRight" fmla="*/ 9339480 w 9337680"/>
+              <a:gd name="textAreaTop" fmla="*/ 0 h 6295680"/>
+              <a:gd name="textAreaBottom" fmla="*/ 6297480 h 6295680"/>
             </a:gdLst>
             <a:ahLst/>
             <a:cxnLst/>
@@ -5839,6 +6164,11 @@
             <a:noAutofit/>
           </a:bodyPr>
           <a:p>
+            <a:pPr>
+              <a:lnSpc>
+                <a:spcPct val="100000"/>
+              </a:lnSpc>
+            </a:pPr>
             <a:endParaRPr b="0" lang="pt-BR" sz="1800" strike="noStrike" u="none">
               <a:solidFill>
                 <a:srgbClr val="000000"/>
@@ -5859,9 +6189,9 @@
         <p:grpSpPr>
           <a:xfrm>
             <a:off x="3066480" y="919080"/>
-            <a:ext cx="4526280" cy="919440"/>
+            <a:ext cx="4524840" cy="918000"/>
             <a:chOff x="3066480" y="919080"/>
-            <a:chExt cx="4526280" cy="919440"/>
+            <a:chExt cx="4524840" cy="918000"/>
           </a:xfrm>
         </p:grpSpPr>
         <p:sp>
@@ -5873,15 +6203,15 @@
           <p:spPr>
             <a:xfrm>
               <a:off x="3066480" y="1025640"/>
-              <a:ext cx="4526280" cy="812880"/>
+              <a:ext cx="4524840" cy="811440"/>
             </a:xfrm>
             <a:custGeom>
               <a:avLst/>
               <a:gdLst>
-                <a:gd name="textAreaLeft" fmla="*/ 0 w 4526280"/>
-                <a:gd name="textAreaRight" fmla="*/ 4526640 w 4526280"/>
-                <a:gd name="textAreaTop" fmla="*/ 0 h 812880"/>
-                <a:gd name="textAreaBottom" fmla="*/ 813240 h 812880"/>
+                <a:gd name="textAreaLeft" fmla="*/ 0 w 4524840"/>
+                <a:gd name="textAreaRight" fmla="*/ 4526640 w 4524840"/>
+                <a:gd name="textAreaTop" fmla="*/ 0 h 811440"/>
+                <a:gd name="textAreaBottom" fmla="*/ 813240 h 811440"/>
               </a:gdLst>
               <a:ahLst/>
               <a:cxnLst/>
@@ -5981,6 +6311,11 @@
               <a:noAutofit/>
             </a:bodyPr>
             <a:p>
+              <a:pPr>
+                <a:lnSpc>
+                  <a:spcPct val="100000"/>
+                </a:lnSpc>
+              </a:pPr>
               <a:endParaRPr b="0" lang="pt-BR" sz="1800" strike="noStrike" u="none">
                 <a:solidFill>
                   <a:srgbClr val="ffffff"/>
@@ -6001,7 +6336,7 @@
           <p:spPr>
             <a:xfrm>
               <a:off x="3269880" y="919080"/>
-              <a:ext cx="4119480" cy="919080"/>
+              <a:ext cx="4118040" cy="917640"/>
             </a:xfrm>
             <a:prstGeom prst="rect">
               <a:avLst/>
@@ -6048,7 +6383,7 @@
         <p:spPr>
           <a:xfrm>
             <a:off x="3495240" y="1848960"/>
-            <a:ext cx="3707640" cy="356040"/>
+            <a:ext cx="3706200" cy="354600"/>
           </a:xfrm>
           <a:prstGeom prst="rect">
             <a:avLst/>
@@ -6106,7 +6441,7 @@
         <p:spPr>
           <a:xfrm>
             <a:off x="3460680" y="1060920"/>
-            <a:ext cx="2717640" cy="700560"/>
+            <a:ext cx="2716200" cy="699840"/>
           </a:xfrm>
           <a:prstGeom prst="rect">
             <a:avLst/>
@@ -6164,15 +6499,15 @@
         <p:spPr>
           <a:xfrm>
             <a:off x="6179040" y="1185120"/>
-            <a:ext cx="1051920" cy="565200"/>
+            <a:ext cx="1050480" cy="563760"/>
           </a:xfrm>
           <a:custGeom>
             <a:avLst/>
             <a:gdLst>
-              <a:gd name="textAreaLeft" fmla="*/ 0 w 1051920"/>
-              <a:gd name="textAreaRight" fmla="*/ 1052280 w 1051920"/>
-              <a:gd name="textAreaTop" fmla="*/ 0 h 565200"/>
-              <a:gd name="textAreaBottom" fmla="*/ 565560 h 565200"/>
+              <a:gd name="textAreaLeft" fmla="*/ 0 w 1050480"/>
+              <a:gd name="textAreaRight" fmla="*/ 1052280 w 1050480"/>
+              <a:gd name="textAreaTop" fmla="*/ 0 h 563760"/>
+              <a:gd name="textAreaBottom" fmla="*/ 565560 h 563760"/>
             </a:gdLst>
             <a:ahLst/>
             <a:cxnLst/>
@@ -6218,6 +6553,11 @@
             <a:noAutofit/>
           </a:bodyPr>
           <a:p>
+            <a:pPr>
+              <a:lnSpc>
+                <a:spcPct val="100000"/>
+              </a:lnSpc>
+            </a:pPr>
             <a:endParaRPr b="0" lang="pt-BR" sz="1800" strike="noStrike" u="none">
               <a:solidFill>
                 <a:srgbClr val="000000"/>
@@ -6238,7 +6578,7 @@
         <p:spPr>
           <a:xfrm>
             <a:off x="764640" y="2921760"/>
-            <a:ext cx="9162000" cy="549720"/>
+            <a:ext cx="9160560" cy="852840"/>
           </a:xfrm>
           <a:prstGeom prst="rect">
             <a:avLst/>
@@ -6274,7 +6614,7 @@
                 <a:latin typeface="Inter"/>
                 <a:ea typeface="Inter"/>
               </a:rPr>
-              <a:t>Certificamos que {NomeParticipante}, CPF {CPF}, participou do(a) {NomeEvento}, como organizador, realizado no {LocalEvento} no dia {Data}, com carga horária de {CargaHoraria}.</a:t>
+              <a:t>Certificamos que {NomeParticipante}, CPF: {NumeroCPF}, participou do(a) {NomeEvento}, de categoria {Categoria}, como organizador, realizado no {LocalEvento} no dia {Data}, com carga horária de {CargaHoraria}.</a:t>
             </a:r>
             <a:endParaRPr b="0" lang="pt-BR" sz="1600" strike="noStrike" u="none">
               <a:solidFill>
@@ -6296,9 +6636,9 @@
         <p:grpSpPr>
           <a:xfrm>
             <a:off x="4573080" y="5933160"/>
-            <a:ext cx="1551960" cy="383760"/>
+            <a:ext cx="1550520" cy="382320"/>
             <a:chOff x="4573080" y="5933160"/>
-            <a:chExt cx="1551960" cy="383760"/>
+            <a:chExt cx="1550520" cy="382320"/>
           </a:xfrm>
         </p:grpSpPr>
         <p:sp>
@@ -6310,15 +6650,15 @@
           <p:spPr>
             <a:xfrm>
               <a:off x="4573080" y="5949000"/>
-              <a:ext cx="1551960" cy="367920"/>
+              <a:ext cx="1550520" cy="366480"/>
             </a:xfrm>
             <a:custGeom>
               <a:avLst/>
               <a:gdLst>
-                <a:gd name="textAreaLeft" fmla="*/ 0 w 1551960"/>
-                <a:gd name="textAreaRight" fmla="*/ 1552320 w 1551960"/>
-                <a:gd name="textAreaTop" fmla="*/ 0 h 367920"/>
-                <a:gd name="textAreaBottom" fmla="*/ 368280 h 367920"/>
+                <a:gd name="textAreaLeft" fmla="*/ 0 w 1550520"/>
+                <a:gd name="textAreaRight" fmla="*/ 1552320 w 1550520"/>
+                <a:gd name="textAreaTop" fmla="*/ 0 h 366480"/>
+                <a:gd name="textAreaBottom" fmla="*/ 368280 h 366480"/>
               </a:gdLst>
               <a:ahLst/>
               <a:cxnLst/>
@@ -6357,6 +6697,11 @@
               <a:noAutofit/>
             </a:bodyPr>
             <a:p>
+              <a:pPr>
+                <a:lnSpc>
+                  <a:spcPct val="100000"/>
+                </a:lnSpc>
+              </a:pPr>
               <a:endParaRPr b="0" lang="pt-BR" sz="1800" strike="noStrike" u="none">
                 <a:solidFill>
                   <a:srgbClr val="ffffff"/>
@@ -6377,7 +6722,7 @@
           <p:spPr>
             <a:xfrm>
               <a:off x="4573080" y="5933160"/>
-              <a:ext cx="1551960" cy="383760"/>
+              <a:ext cx="1550520" cy="382320"/>
             </a:xfrm>
             <a:prstGeom prst="rect">
               <a:avLst/>
@@ -6436,9 +6781,9 @@
         <p:grpSpPr>
           <a:xfrm>
             <a:off x="2487240" y="6354360"/>
-            <a:ext cx="5724000" cy="339480"/>
+            <a:ext cx="5722560" cy="338040"/>
             <a:chOff x="2487240" y="6354360"/>
-            <a:chExt cx="5724000" cy="339480"/>
+            <a:chExt cx="5722560" cy="338040"/>
           </a:xfrm>
         </p:grpSpPr>
         <p:sp>
@@ -6450,15 +6795,15 @@
           <p:spPr>
             <a:xfrm>
               <a:off x="2487240" y="6365160"/>
-              <a:ext cx="5724000" cy="328680"/>
+              <a:ext cx="5722560" cy="327240"/>
             </a:xfrm>
             <a:custGeom>
               <a:avLst/>
               <a:gdLst>
-                <a:gd name="textAreaLeft" fmla="*/ 0 w 5724000"/>
-                <a:gd name="textAreaRight" fmla="*/ 5724360 w 5724000"/>
-                <a:gd name="textAreaTop" fmla="*/ 0 h 328680"/>
-                <a:gd name="textAreaBottom" fmla="*/ 329040 h 328680"/>
+                <a:gd name="textAreaLeft" fmla="*/ 0 w 5722560"/>
+                <a:gd name="textAreaRight" fmla="*/ 5724360 w 5722560"/>
+                <a:gd name="textAreaTop" fmla="*/ 0 h 327240"/>
+                <a:gd name="textAreaBottom" fmla="*/ 329040 h 327240"/>
               </a:gdLst>
               <a:ahLst/>
               <a:cxnLst/>
@@ -6497,6 +6842,11 @@
               <a:noAutofit/>
             </a:bodyPr>
             <a:p>
+              <a:pPr>
+                <a:lnSpc>
+                  <a:spcPct val="100000"/>
+                </a:lnSpc>
+              </a:pPr>
               <a:endParaRPr b="0" lang="pt-BR" sz="1800" strike="noStrike" u="none">
                 <a:solidFill>
                   <a:srgbClr val="ffffff"/>
@@ -6517,7 +6867,7 @@
           <p:spPr>
             <a:xfrm>
               <a:off x="2487240" y="6354360"/>
-              <a:ext cx="5724000" cy="339120"/>
+              <a:ext cx="5722560" cy="337680"/>
             </a:xfrm>
             <a:prstGeom prst="rect">
               <a:avLst/>
@@ -6553,7 +6903,7 @@
                   <a:latin typeface="Inter"/>
                   <a:ea typeface="Inter"/>
                 </a:rPr>
-                <a:t>Este certificado é concedido como comprovação da participação no referido evento, tendo sido registrado na plataforma CEU. Sua autenticidade pode ser verificada por meio do código {CodigoAutenticador} em ceu/certificacao/verificarcertificacao.php.</a:t>
+                <a:t>Este certificado é concedido como comprovação da participação no referido evento, tendo sido registrado na plataforma CEU. Sua autenticidade pode ser verificada por meio do código {CodigoAutenticador} em ceu/certificacao/verificar.php.</a:t>
               </a:r>
               <a:endParaRPr b="0" lang="pt-BR" sz="800" strike="noStrike" u="none">
                 <a:solidFill>
